--- a/diplom/Темников раздатки к диплому.pptx
+++ b/diplom/Темников раздатки к диплому.pptx
@@ -5,23 +5,26 @@
     <p:sldMasterId id="2147483888" r:id="rId1"/>
   </p:sldMasterIdLst>
   <p:notesMasterIdLst>
-    <p:notesMasterId r:id="rId16"/>
+    <p:notesMasterId r:id="rId19"/>
   </p:notesMasterIdLst>
   <p:sldIdLst>
     <p:sldId id="256" r:id="rId2"/>
     <p:sldId id="257" r:id="rId3"/>
-    <p:sldId id="258" r:id="rId4"/>
-    <p:sldId id="259" r:id="rId5"/>
-    <p:sldId id="267" r:id="rId6"/>
-    <p:sldId id="261" r:id="rId7"/>
-    <p:sldId id="269" r:id="rId8"/>
-    <p:sldId id="275" r:id="rId9"/>
-    <p:sldId id="271" r:id="rId10"/>
-    <p:sldId id="270" r:id="rId11"/>
-    <p:sldId id="276" r:id="rId12"/>
-    <p:sldId id="272" r:id="rId13"/>
-    <p:sldId id="273" r:id="rId14"/>
-    <p:sldId id="274" r:id="rId15"/>
+    <p:sldId id="277" r:id="rId4"/>
+    <p:sldId id="258" r:id="rId5"/>
+    <p:sldId id="259" r:id="rId6"/>
+    <p:sldId id="267" r:id="rId7"/>
+    <p:sldId id="261" r:id="rId8"/>
+    <p:sldId id="269" r:id="rId9"/>
+    <p:sldId id="278" r:id="rId10"/>
+    <p:sldId id="275" r:id="rId11"/>
+    <p:sldId id="271" r:id="rId12"/>
+    <p:sldId id="270" r:id="rId13"/>
+    <p:sldId id="276" r:id="rId14"/>
+    <p:sldId id="272" r:id="rId15"/>
+    <p:sldId id="279" r:id="rId16"/>
+    <p:sldId id="273" r:id="rId17"/>
+    <p:sldId id="274" r:id="rId18"/>
   </p:sldIdLst>
   <p:sldSz cx="9144000" cy="6858000" type="screen4x3"/>
   <p:notesSz cx="6858000" cy="9144000"/>
@@ -158,9 +161,9 @@
           <c:xMode val="edge"/>
           <c:yMode val="edge"/>
           <c:x val="1.6696397532890622E-2"/>
-          <c:y val="0.24731418731252142"/>
-          <c:w val="0.46171437940587307"/>
-          <c:h val="0.63613981162587097"/>
+          <c:y val="0.24731418731252153"/>
+          <c:w val="0.46171437940587318"/>
+          <c:h val="0.63613981162587163"/>
         </c:manualLayout>
       </c:layout>
       <c:pieChart>
@@ -226,10 +229,10 @@
         <c:manualLayout>
           <c:xMode val="edge"/>
           <c:yMode val="edge"/>
-          <c:x val="0.49795856015998352"/>
-          <c:y val="0.26828827962204843"/>
-          <c:w val="0.47075011378664072"/>
-          <c:h val="0.61617777725816791"/>
+          <c:x val="0.4979585601599838"/>
+          <c:y val="0.26828827962204865"/>
+          <c:w val="0.47075011378664083"/>
+          <c:h val="0.61617777725816814"/>
         </c:manualLayout>
       </c:layout>
     </c:legend>
@@ -349,25 +352,25 @@
             </c:numRef>
           </c:val>
         </c:ser>
-        <c:axId val="69437696"/>
-        <c:axId val="69443584"/>
+        <c:axId val="130374272"/>
+        <c:axId val="130380160"/>
       </c:barChart>
       <c:catAx>
-        <c:axId val="69437696"/>
+        <c:axId val="130374272"/>
         <c:scaling>
           <c:orientation val="minMax"/>
         </c:scaling>
         <c:axPos val="b"/>
         <c:numFmt formatCode="General" sourceLinked="1"/>
         <c:tickLblPos val="nextTo"/>
-        <c:crossAx val="69443584"/>
+        <c:crossAx val="130380160"/>
         <c:crosses val="autoZero"/>
         <c:auto val="1"/>
         <c:lblAlgn val="ctr"/>
         <c:lblOffset val="100"/>
       </c:catAx>
       <c:valAx>
-        <c:axId val="69443584"/>
+        <c:axId val="130380160"/>
         <c:scaling>
           <c:orientation val="minMax"/>
         </c:scaling>
@@ -375,7 +378,7 @@
         <c:majorGridlines/>
         <c:numFmt formatCode="General" sourceLinked="1"/>
         <c:tickLblPos val="nextTo"/>
-        <c:crossAx val="69437696"/>
+        <c:crossAx val="130374272"/>
         <c:crosses val="autoZero"/>
         <c:crossBetween val="between"/>
       </c:valAx>
@@ -3504,7 +3507,7 @@
             <a:fld id="{B50F778D-310F-475E-9065-D555319E7AF3}" type="datetimeFigureOut">
               <a:rPr lang="ru-RU" smtClean="0"/>
               <a:pPr/>
-              <a:t>09.06.2016</a:t>
+              <a:t>14.06.2016</a:t>
             </a:fld>
             <a:endParaRPr lang="ru-RU"/>
           </a:p>
@@ -3770,6 +3773,170 @@
 </p:notesMaster>
 </file>
 
+<file path=ppt/notesSlides/notesSlide1.xml><?xml version="1.0" encoding="utf-8"?>
+<p:notes xmlns:a="http://schemas.openxmlformats.org/drawingml/2006/main" xmlns:r="http://schemas.openxmlformats.org/officeDocument/2006/relationships" xmlns:p="http://schemas.openxmlformats.org/presentationml/2006/main">
+  <p:cSld>
+    <p:spTree>
+      <p:nvGrpSpPr>
+        <p:cNvPr id="1" name=""/>
+        <p:cNvGrpSpPr/>
+        <p:nvPr/>
+      </p:nvGrpSpPr>
+      <p:grpSpPr>
+        <a:xfrm>
+          <a:off x="0" y="0"/>
+          <a:ext cx="0" cy="0"/>
+          <a:chOff x="0" y="0"/>
+          <a:chExt cx="0" cy="0"/>
+        </a:xfrm>
+      </p:grpSpPr>
+      <p:sp>
+        <p:nvSpPr>
+          <p:cNvPr id="2" name="Образ слайда 1"/>
+          <p:cNvSpPr>
+            <a:spLocks noGrp="1" noRot="1" noChangeAspect="1"/>
+          </p:cNvSpPr>
+          <p:nvPr>
+            <p:ph type="sldImg"/>
+          </p:nvPr>
+        </p:nvSpPr>
+        <p:spPr/>
+      </p:sp>
+      <p:sp>
+        <p:nvSpPr>
+          <p:cNvPr id="3" name="Заметки 2"/>
+          <p:cNvSpPr>
+            <a:spLocks noGrp="1"/>
+          </p:cNvSpPr>
+          <p:nvPr>
+            <p:ph type="body" idx="1"/>
+          </p:nvPr>
+        </p:nvSpPr>
+        <p:spPr/>
+        <p:txBody>
+          <a:bodyPr>
+            <a:normAutofit/>
+          </a:bodyPr>
+          <a:lstStyle/>
+          <a:p>
+            <a:endParaRPr lang="ru-RU" dirty="0"/>
+          </a:p>
+        </p:txBody>
+      </p:sp>
+      <p:sp>
+        <p:nvSpPr>
+          <p:cNvPr id="4" name="Номер слайда 3"/>
+          <p:cNvSpPr>
+            <a:spLocks noGrp="1"/>
+          </p:cNvSpPr>
+          <p:nvPr>
+            <p:ph type="sldNum" sz="quarter" idx="10"/>
+          </p:nvPr>
+        </p:nvSpPr>
+        <p:spPr/>
+        <p:txBody>
+          <a:bodyPr/>
+          <a:lstStyle/>
+          <a:p>
+            <a:fld id="{F58C1BC2-EF03-4DB1-9C78-43FA9764743C}" type="slidenum">
+              <a:rPr lang="ru-RU" smtClean="0"/>
+              <a:pPr/>
+              <a:t>12</a:t>
+            </a:fld>
+            <a:endParaRPr lang="ru-RU"/>
+          </a:p>
+        </p:txBody>
+      </p:sp>
+    </p:spTree>
+  </p:cSld>
+  <p:clrMapOvr>
+    <a:masterClrMapping/>
+  </p:clrMapOvr>
+</p:notes>
+</file>
+
+<file path=ppt/notesSlides/notesSlide2.xml><?xml version="1.0" encoding="utf-8"?>
+<p:notes xmlns:a="http://schemas.openxmlformats.org/drawingml/2006/main" xmlns:r="http://schemas.openxmlformats.org/officeDocument/2006/relationships" xmlns:p="http://schemas.openxmlformats.org/presentationml/2006/main">
+  <p:cSld>
+    <p:spTree>
+      <p:nvGrpSpPr>
+        <p:cNvPr id="1" name=""/>
+        <p:cNvGrpSpPr/>
+        <p:nvPr/>
+      </p:nvGrpSpPr>
+      <p:grpSpPr>
+        <a:xfrm>
+          <a:off x="0" y="0"/>
+          <a:ext cx="0" cy="0"/>
+          <a:chOff x="0" y="0"/>
+          <a:chExt cx="0" cy="0"/>
+        </a:xfrm>
+      </p:grpSpPr>
+      <p:sp>
+        <p:nvSpPr>
+          <p:cNvPr id="2" name="Образ слайда 1"/>
+          <p:cNvSpPr>
+            <a:spLocks noGrp="1" noRot="1" noChangeAspect="1"/>
+          </p:cNvSpPr>
+          <p:nvPr>
+            <p:ph type="sldImg"/>
+          </p:nvPr>
+        </p:nvSpPr>
+        <p:spPr/>
+      </p:sp>
+      <p:sp>
+        <p:nvSpPr>
+          <p:cNvPr id="3" name="Заметки 2"/>
+          <p:cNvSpPr>
+            <a:spLocks noGrp="1"/>
+          </p:cNvSpPr>
+          <p:nvPr>
+            <p:ph type="body" idx="1"/>
+          </p:nvPr>
+        </p:nvSpPr>
+        <p:spPr/>
+        <p:txBody>
+          <a:bodyPr>
+            <a:normAutofit/>
+          </a:bodyPr>
+          <a:lstStyle/>
+          <a:p>
+            <a:endParaRPr lang="ru-RU" dirty="0"/>
+          </a:p>
+        </p:txBody>
+      </p:sp>
+      <p:sp>
+        <p:nvSpPr>
+          <p:cNvPr id="4" name="Номер слайда 3"/>
+          <p:cNvSpPr>
+            <a:spLocks noGrp="1"/>
+          </p:cNvSpPr>
+          <p:nvPr>
+            <p:ph type="sldNum" sz="quarter" idx="10"/>
+          </p:nvPr>
+        </p:nvSpPr>
+        <p:spPr/>
+        <p:txBody>
+          <a:bodyPr/>
+          <a:lstStyle/>
+          <a:p>
+            <a:fld id="{F58C1BC2-EF03-4DB1-9C78-43FA9764743C}" type="slidenum">
+              <a:rPr lang="ru-RU" smtClean="0"/>
+              <a:pPr/>
+              <a:t>15</a:t>
+            </a:fld>
+            <a:endParaRPr lang="ru-RU"/>
+          </a:p>
+        </p:txBody>
+      </p:sp>
+    </p:spTree>
+  </p:cSld>
+  <p:clrMapOvr>
+    <a:masterClrMapping/>
+  </p:clrMapOvr>
+</p:notes>
+</file>
+
 <file path=ppt/slideLayouts/slideLayout1.xml><?xml version="1.0" encoding="utf-8"?>
 <p:sldLayout xmlns:a="http://schemas.openxmlformats.org/drawingml/2006/main" xmlns:r="http://schemas.openxmlformats.org/officeDocument/2006/relationships" xmlns:p="http://schemas.openxmlformats.org/presentationml/2006/main" type="title" preserve="1">
   <p:cSld name="Титульный слайд">
@@ -3905,7 +4072,7 @@
             <a:fld id="{E88564FB-3C06-4767-A4C9-25F0048A8F50}" type="datetime1">
               <a:rPr lang="ru-RU" smtClean="0"/>
               <a:pPr/>
-              <a:t>09.06.2016</a:t>
+              <a:t>14.06.2016</a:t>
             </a:fld>
             <a:endParaRPr lang="ru-RU"/>
           </a:p>
@@ -4220,7 +4387,7 @@
             <a:fld id="{43BF4DBE-D7D0-4E1A-9DBE-A6E29511B4DF}" type="datetime1">
               <a:rPr lang="ru-RU" smtClean="0"/>
               <a:pPr/>
-              <a:t>09.06.2016</a:t>
+              <a:t>14.06.2016</a:t>
             </a:fld>
             <a:endParaRPr lang="ru-RU"/>
           </a:p>
@@ -4407,7 +4574,7 @@
             <a:fld id="{86A5C4CB-C049-4D0B-BA3C-D2B2C4588AA4}" type="datetime1">
               <a:rPr lang="ru-RU" smtClean="0"/>
               <a:pPr/>
-              <a:t>09.06.2016</a:t>
+              <a:t>14.06.2016</a:t>
             </a:fld>
             <a:endParaRPr lang="ru-RU"/>
           </a:p>
@@ -4584,7 +4751,7 @@
             <a:fld id="{B5B3BCC0-81F8-4BFB-A7CF-64058E23A4AC}" type="datetime1">
               <a:rPr lang="ru-RU" smtClean="0"/>
               <a:pPr/>
-              <a:t>09.06.2016</a:t>
+              <a:t>14.06.2016</a:t>
             </a:fld>
             <a:endParaRPr lang="ru-RU"/>
           </a:p>
@@ -4854,7 +5021,7 @@
             <a:fld id="{0123A61D-A991-4EBD-9BC2-62963864A1E1}" type="datetime1">
               <a:rPr lang="ru-RU" smtClean="0"/>
               <a:pPr/>
-              <a:t>09.06.2016</a:t>
+              <a:t>14.06.2016</a:t>
             </a:fld>
             <a:endParaRPr lang="ru-RU"/>
           </a:p>
@@ -5324,7 +5491,7 @@
             <a:fld id="{EBC28292-EEC6-48B6-8531-A930B1FBF08E}" type="datetime1">
               <a:rPr lang="ru-RU" smtClean="0"/>
               <a:pPr/>
-              <a:t>09.06.2016</a:t>
+              <a:t>14.06.2016</a:t>
             </a:fld>
             <a:endParaRPr lang="ru-RU"/>
           </a:p>
@@ -5815,7 +5982,7 @@
             <a:fld id="{D455BE1E-6477-4B75-AB6D-B4FCBF8F7353}" type="datetime1">
               <a:rPr lang="ru-RU" smtClean="0"/>
               <a:pPr/>
-              <a:t>09.06.2016</a:t>
+              <a:t>14.06.2016</a:t>
             </a:fld>
             <a:endParaRPr lang="ru-RU"/>
           </a:p>
@@ -5943,7 +6110,7 @@
             <a:fld id="{756DB545-5AAE-4662-94E0-A59A9D626458}" type="datetime1">
               <a:rPr lang="ru-RU" smtClean="0"/>
               <a:pPr/>
-              <a:t>09.06.2016</a:t>
+              <a:t>14.06.2016</a:t>
             </a:fld>
             <a:endParaRPr lang="ru-RU"/>
           </a:p>
@@ -6089,7 +6256,7 @@
             <a:fld id="{1FBE6603-A586-4219-B919-8A53BB1B20EC}" type="datetime1">
               <a:rPr lang="ru-RU" smtClean="0"/>
               <a:pPr/>
-              <a:t>09.06.2016</a:t>
+              <a:t>14.06.2016</a:t>
             </a:fld>
             <a:endParaRPr lang="ru-RU"/>
           </a:p>
@@ -6413,7 +6580,7 @@
             <a:fld id="{7276982A-A0B5-4DA4-975D-787CB93F4505}" type="datetime1">
               <a:rPr lang="ru-RU" smtClean="0"/>
               <a:pPr/>
-              <a:t>09.06.2016</a:t>
+              <a:t>14.06.2016</a:t>
             </a:fld>
             <a:endParaRPr lang="ru-RU"/>
           </a:p>
@@ -6549,7 +6716,7 @@
             <a:fld id="{02DC87C9-F69C-4C0C-9DBA-0E10D474DDD6}" type="datetime1">
               <a:rPr lang="ru-RU" smtClean="0"/>
               <a:pPr/>
-              <a:t>09.06.2016</a:t>
+              <a:t>14.06.2016</a:t>
             </a:fld>
             <a:endParaRPr lang="ru-RU"/>
           </a:p>
@@ -7332,7 +7499,7 @@
             <a:fld id="{971F65F4-F821-4FD1-9B7D-BC9DF92C8A4B}" type="datetime1">
               <a:rPr lang="ru-RU" smtClean="0"/>
               <a:pPr/>
-              <a:t>09.06.2016</a:t>
+              <a:t>14.06.2016</a:t>
             </a:fld>
             <a:endParaRPr lang="ru-RU"/>
           </a:p>
@@ -7870,137 +8037,6 @@
       </p:sp>
       <p:sp>
         <p:nvSpPr>
-          <p:cNvPr id="3" name="Подзаголовок 2"/>
-          <p:cNvSpPr>
-            <a:spLocks noGrp="1"/>
-          </p:cNvSpPr>
-          <p:nvPr>
-            <p:ph type="subTitle" idx="1"/>
-          </p:nvPr>
-        </p:nvSpPr>
-        <p:spPr>
-          <a:xfrm>
-            <a:off x="1259632" y="4437112"/>
-            <a:ext cx="7406640" cy="1752600"/>
-          </a:xfrm>
-        </p:spPr>
-        <p:txBody>
-          <a:bodyPr>
-            <a:normAutofit fontScale="47500" lnSpcReduction="20000"/>
-          </a:bodyPr>
-          <a:lstStyle/>
-          <a:p>
-            <a:r>
-              <a:rPr lang="ru-RU" dirty="0" smtClean="0"/>
-              <a:t>Студента группы 521 </a:t>
-            </a:r>
-          </a:p>
-          <a:p>
-            <a:r>
-              <a:rPr lang="ru-RU" dirty="0" err="1" smtClean="0"/>
-              <a:t>Темникова</a:t>
-            </a:r>
-            <a:r>
-              <a:rPr lang="ru-RU" dirty="0" smtClean="0"/>
-              <a:t> Андрея </a:t>
-            </a:r>
-            <a:r>
-              <a:rPr lang="ru-RU" dirty="0" smtClean="0"/>
-              <a:t>Владимировича</a:t>
-            </a:r>
-            <a:endParaRPr lang="en-US" dirty="0" smtClean="0"/>
-          </a:p>
-          <a:p>
-            <a:r>
-              <a:rPr lang="ru-RU" dirty="0" smtClean="0"/>
-              <a:t>____________________</a:t>
-            </a:r>
-            <a:endParaRPr lang="en-US" dirty="0" smtClean="0"/>
-          </a:p>
-          <a:p>
-            <a:pPr>
-              <a:spcBef>
-                <a:spcPts val="0"/>
-              </a:spcBef>
-            </a:pPr>
-            <a:r>
-              <a:rPr lang="ru-RU" dirty="0" smtClean="0"/>
-              <a:t> </a:t>
-            </a:r>
-            <a:r>
-              <a:rPr lang="ru-RU" dirty="0" smtClean="0"/>
-              <a:t>             </a:t>
-            </a:r>
-            <a:r>
-              <a:rPr lang="ru-RU" sz="2000" dirty="0" smtClean="0"/>
-              <a:t> (подпись)</a:t>
-            </a:r>
-            <a:endParaRPr lang="ru-RU" sz="2000" dirty="0" smtClean="0"/>
-          </a:p>
-          <a:p>
-            <a:r>
-              <a:rPr lang="ru-RU" dirty="0" smtClean="0"/>
-              <a:t>Научный руководитель: </a:t>
-            </a:r>
-            <a:r>
-              <a:rPr lang="ru-RU" dirty="0"/>
-              <a:t>д.т.н., доцент, профессор кафедры математики и </a:t>
-            </a:r>
-            <a:r>
-              <a:rPr lang="ru-RU" dirty="0" smtClean="0"/>
-              <a:t>информатики </a:t>
-            </a:r>
-          </a:p>
-          <a:p>
-            <a:r>
-              <a:rPr lang="ru-RU" dirty="0" err="1" smtClean="0"/>
-              <a:t>Переверзев</a:t>
-            </a:r>
-            <a:r>
-              <a:rPr lang="ru-RU" dirty="0" smtClean="0"/>
-              <a:t> </a:t>
-            </a:r>
-            <a:r>
-              <a:rPr lang="ru-RU" dirty="0"/>
-              <a:t>Павел Петрович </a:t>
-            </a:r>
-            <a:endParaRPr lang="ru-RU" dirty="0" smtClean="0"/>
-          </a:p>
-          <a:p>
-            <a:r>
-              <a:rPr lang="ru-RU" dirty="0" smtClean="0"/>
-              <a:t>____________________</a:t>
-            </a:r>
-            <a:endParaRPr lang="en-US" dirty="0" smtClean="0"/>
-          </a:p>
-          <a:p>
-            <a:pPr>
-              <a:spcBef>
-                <a:spcPts val="0"/>
-              </a:spcBef>
-            </a:pPr>
-            <a:r>
-              <a:rPr lang="ru-RU" dirty="0" smtClean="0"/>
-              <a:t>              </a:t>
-            </a:r>
-            <a:r>
-              <a:rPr lang="ru-RU" sz="2000" dirty="0" smtClean="0"/>
-              <a:t> (подпись)</a:t>
-            </a:r>
-          </a:p>
-          <a:p>
-            <a:endParaRPr lang="en-US" dirty="0" smtClean="0"/>
-          </a:p>
-          <a:p>
-            <a:endParaRPr lang="ru-RU" dirty="0" smtClean="0"/>
-          </a:p>
-          <a:p>
-            <a:endParaRPr lang="ru-RU" dirty="0"/>
-          </a:p>
-        </p:txBody>
-      </p:sp>
-      <p:sp>
-        <p:nvSpPr>
           <p:cNvPr id="5" name="Номер слайда 4"/>
           <p:cNvSpPr>
             <a:spLocks noGrp="1"/>
@@ -8365,7 +8401,7 @@
         <p:spPr>
           <a:xfrm>
             <a:off x="4211960" y="6381328"/>
-            <a:ext cx="1380699" cy="276999"/>
+            <a:ext cx="1777218" cy="338554"/>
           </a:xfrm>
           <a:prstGeom prst="rect">
             <a:avLst/>
@@ -8379,7 +8415,7 @@
           <a:lstStyle/>
           <a:p>
             <a:r>
-              <a:rPr lang="ru-RU" sz="1200" dirty="0" smtClean="0">
+              <a:rPr lang="ru-RU" sz="1600" dirty="0" smtClean="0">
                 <a:solidFill>
                   <a:schemeClr val="tx2">
                     <a:shade val="30000"/>
@@ -8390,11 +8426,11 @@
               <a:t>ЧЕЛЯБИНСК</a:t>
             </a:r>
             <a:r>
-              <a:rPr lang="ru-RU" sz="1200" dirty="0" smtClean="0"/>
+              <a:rPr lang="ru-RU" sz="1600" dirty="0" smtClean="0"/>
               <a:t> </a:t>
             </a:r>
             <a:r>
-              <a:rPr lang="ru-RU" sz="1200" dirty="0" smtClean="0">
+              <a:rPr lang="ru-RU" sz="1600" dirty="0" smtClean="0">
                 <a:solidFill>
                   <a:schemeClr val="tx2">
                     <a:shade val="30000"/>
@@ -8404,6 +8440,128 @@
               </a:rPr>
               <a:t>2016</a:t>
             </a:r>
+          </a:p>
+        </p:txBody>
+      </p:sp>
+      <p:sp>
+        <p:nvSpPr>
+          <p:cNvPr id="11" name="Подзаголовок 2"/>
+          <p:cNvSpPr>
+            <a:spLocks noGrp="1"/>
+          </p:cNvSpPr>
+          <p:nvPr>
+            <p:ph type="subTitle" idx="1"/>
+          </p:nvPr>
+        </p:nvSpPr>
+        <p:spPr>
+          <a:xfrm>
+            <a:off x="1475656" y="4293096"/>
+            <a:ext cx="7406640" cy="1752600"/>
+          </a:xfrm>
+        </p:spPr>
+        <p:txBody>
+          <a:bodyPr>
+            <a:normAutofit fontScale="47500" lnSpcReduction="20000"/>
+          </a:bodyPr>
+          <a:lstStyle/>
+          <a:p>
+            <a:r>
+              <a:rPr lang="ru-RU" dirty="0" smtClean="0"/>
+              <a:t>Студента группы 521 </a:t>
+            </a:r>
+          </a:p>
+          <a:p>
+            <a:r>
+              <a:rPr lang="ru-RU" dirty="0" err="1" smtClean="0"/>
+              <a:t>Темникова</a:t>
+            </a:r>
+            <a:r>
+              <a:rPr lang="ru-RU" dirty="0" smtClean="0"/>
+              <a:t> Андрея Владимировича</a:t>
+            </a:r>
+            <a:endParaRPr lang="en-US" dirty="0" smtClean="0"/>
+          </a:p>
+          <a:p>
+            <a:r>
+              <a:rPr lang="ru-RU" dirty="0" smtClean="0"/>
+              <a:t>____________________</a:t>
+            </a:r>
+            <a:endParaRPr lang="en-US" dirty="0" smtClean="0"/>
+          </a:p>
+          <a:p>
+            <a:pPr>
+              <a:spcBef>
+                <a:spcPts val="0"/>
+              </a:spcBef>
+            </a:pPr>
+            <a:r>
+              <a:rPr lang="ru-RU" dirty="0" smtClean="0"/>
+              <a:t>              </a:t>
+            </a:r>
+            <a:r>
+              <a:rPr lang="ru-RU" sz="2000" dirty="0" smtClean="0"/>
+              <a:t> (подпись)</a:t>
+            </a:r>
+          </a:p>
+          <a:p>
+            <a:r>
+              <a:rPr lang="ru-RU" dirty="0" smtClean="0"/>
+              <a:t>Научный руководитель: </a:t>
+            </a:r>
+            <a:r>
+              <a:rPr lang="ru-RU" dirty="0"/>
+              <a:t>д.т.н., доцент, профессор кафедры математики и </a:t>
+            </a:r>
+            <a:r>
+              <a:rPr lang="ru-RU" dirty="0" smtClean="0"/>
+              <a:t>информатики </a:t>
+            </a:r>
+          </a:p>
+          <a:p>
+            <a:r>
+              <a:rPr lang="ru-RU" dirty="0" err="1" smtClean="0"/>
+              <a:t>Переверзев</a:t>
+            </a:r>
+            <a:r>
+              <a:rPr lang="ru-RU" dirty="0" smtClean="0"/>
+              <a:t> </a:t>
+            </a:r>
+            <a:r>
+              <a:rPr lang="ru-RU" dirty="0"/>
+              <a:t>Павел Петрович </a:t>
+            </a:r>
+            <a:endParaRPr lang="ru-RU" dirty="0" smtClean="0"/>
+          </a:p>
+          <a:p>
+            <a:r>
+              <a:rPr lang="ru-RU" dirty="0" smtClean="0"/>
+              <a:t>____________________</a:t>
+            </a:r>
+            <a:endParaRPr lang="en-US" dirty="0" smtClean="0"/>
+          </a:p>
+          <a:p>
+            <a:pPr>
+              <a:spcBef>
+                <a:spcPts val="0"/>
+              </a:spcBef>
+            </a:pPr>
+            <a:r>
+              <a:rPr lang="ru-RU" dirty="0" smtClean="0"/>
+              <a:t>              </a:t>
+            </a:r>
+            <a:r>
+              <a:rPr lang="ru-RU" sz="2000" dirty="0" smtClean="0"/>
+              <a:t> (подпись)</a:t>
+            </a:r>
+          </a:p>
+          <a:p>
+            <a:endParaRPr lang="en-US" dirty="0" smtClean="0"/>
+          </a:p>
+          <a:p>
+            <a:endParaRPr lang="ru-RU" dirty="0" smtClean="0"/>
+          </a:p>
+          <a:p>
+            <a:endParaRPr lang="ru-RU" dirty="0"/>
           </a:p>
         </p:txBody>
       </p:sp>
@@ -8441,7 +8599,7 @@
       </p:grpSpPr>
       <p:sp>
         <p:nvSpPr>
-          <p:cNvPr id="5" name="Заголовок 4"/>
+          <p:cNvPr id="2" name="Заголовок 1"/>
           <p:cNvSpPr>
             <a:spLocks noGrp="1"/>
           </p:cNvSpPr>
@@ -8458,8 +8616,90 @@
           <a:p>
             <a:r>
               <a:rPr lang="ru-RU" dirty="0" smtClean="0"/>
-              <a:t>Проведение конструкторских изменений</a:t>
-            </a:r>
+              <a:t>Алгоритм перехода специалистов к работе в СУЖЦ</a:t>
+            </a:r>
+            <a:endParaRPr lang="ru-RU" dirty="0"/>
+          </a:p>
+        </p:txBody>
+      </p:sp>
+      <p:sp>
+        <p:nvSpPr>
+          <p:cNvPr id="3" name="Содержимое 2"/>
+          <p:cNvSpPr>
+            <a:spLocks noGrp="1"/>
+          </p:cNvSpPr>
+          <p:nvPr>
+            <p:ph idx="1"/>
+          </p:nvPr>
+        </p:nvSpPr>
+        <p:spPr/>
+        <p:txBody>
+          <a:bodyPr>
+            <a:normAutofit fontScale="77500" lnSpcReduction="20000"/>
+          </a:bodyPr>
+          <a:lstStyle/>
+          <a:p>
+            <a:r>
+              <a:rPr lang="ru-RU" dirty="0" smtClean="0"/>
+              <a:t>Электронные модели по текущим проектам завести в систему под видом изображений;</a:t>
+            </a:r>
+          </a:p>
+          <a:p>
+            <a:r>
+              <a:rPr lang="ru-RU" dirty="0" smtClean="0"/>
+              <a:t>Моделирование новых изделий производить через интерфейс СУЖЦ и интегрированной САПР; </a:t>
+            </a:r>
+            <a:endParaRPr lang="en-US" dirty="0" smtClean="0"/>
+          </a:p>
+          <a:p>
+            <a:r>
+              <a:rPr lang="ru-RU" dirty="0" smtClean="0"/>
+              <a:t>Бумажные носители сканировать и вводить в систему как изображения;</a:t>
+            </a:r>
+          </a:p>
+          <a:p>
+            <a:r>
+              <a:rPr lang="ru-RU" dirty="0" smtClean="0"/>
+              <a:t>С новыми заказами работать схожим образом. </a:t>
+            </a:r>
+          </a:p>
+          <a:p>
+            <a:pPr>
+              <a:buNone/>
+            </a:pPr>
+            <a:r>
+              <a:rPr lang="ru-RU" dirty="0" smtClean="0"/>
+              <a:t>	</a:t>
+            </a:r>
+          </a:p>
+          <a:p>
+            <a:pPr>
+              <a:buNone/>
+            </a:pPr>
+            <a:r>
+              <a:rPr lang="ru-RU" dirty="0" smtClean="0"/>
+              <a:t>	Эффект: </a:t>
+            </a:r>
+          </a:p>
+          <a:p>
+            <a:pPr>
+              <a:buNone/>
+            </a:pPr>
+            <a:r>
+              <a:rPr lang="ru-RU" dirty="0" smtClean="0"/>
+              <a:t>	1. Решена проблема несопоставимости форматов данных имеющихся электронных моделей; </a:t>
+            </a:r>
+          </a:p>
+          <a:p>
+            <a:pPr>
+              <a:buNone/>
+            </a:pPr>
+            <a:r>
+              <a:rPr lang="ru-RU" dirty="0" smtClean="0"/>
+              <a:t>	2. Ускорен перевод текущих и новых заказов в новую систему. </a:t>
+            </a:r>
+          </a:p>
+          <a:p>
             <a:endParaRPr lang="ru-RU" dirty="0"/>
           </a:p>
         </p:txBody>
@@ -8485,160 +8725,6 @@
               <a:t>10</a:t>
             </a:fld>
             <a:endParaRPr lang="ru-RU"/>
-          </a:p>
-        </p:txBody>
-      </p:sp>
-      <p:pic>
-        <p:nvPicPr>
-          <p:cNvPr id="1027" name="Picture 3"/>
-          <p:cNvPicPr>
-            <a:picLocks noChangeAspect="1" noChangeArrowheads="1"/>
-          </p:cNvPicPr>
-          <p:nvPr/>
-        </p:nvPicPr>
-        <p:blipFill>
-          <a:blip r:embed="rId2" cstate="print"/>
-          <a:srcRect/>
-          <a:stretch>
-            <a:fillRect/>
-          </a:stretch>
-        </p:blipFill>
-        <p:spPr bwMode="auto">
-          <a:xfrm>
-            <a:off x="1" y="1916832"/>
-            <a:ext cx="4471074" cy="3240360"/>
-          </a:xfrm>
-          <a:prstGeom prst="rect">
-            <a:avLst/>
-          </a:prstGeom>
-          <a:noFill/>
-          <a:ln w="9525">
-            <a:noFill/>
-            <a:miter lim="800000"/>
-            <a:headEnd/>
-            <a:tailEnd/>
-          </a:ln>
-        </p:spPr>
-      </p:pic>
-      <p:pic>
-        <p:nvPicPr>
-          <p:cNvPr id="1028" name="Picture 4"/>
-          <p:cNvPicPr>
-            <a:picLocks noChangeAspect="1" noChangeArrowheads="1"/>
-          </p:cNvPicPr>
-          <p:nvPr/>
-        </p:nvPicPr>
-        <p:blipFill>
-          <a:blip r:embed="rId3" cstate="print"/>
-          <a:srcRect/>
-          <a:stretch>
-            <a:fillRect/>
-          </a:stretch>
-        </p:blipFill>
-        <p:spPr bwMode="auto">
-          <a:xfrm>
-            <a:off x="4587795" y="2132856"/>
-            <a:ext cx="4556205" cy="2736304"/>
-          </a:xfrm>
-          <a:prstGeom prst="rect">
-            <a:avLst/>
-          </a:prstGeom>
-          <a:noFill/>
-          <a:ln w="9525">
-            <a:noFill/>
-            <a:miter lim="800000"/>
-            <a:headEnd/>
-            <a:tailEnd/>
-          </a:ln>
-        </p:spPr>
-      </p:pic>
-      <p:cxnSp>
-        <p:nvCxnSpPr>
-          <p:cNvPr id="12" name="Прямая соединительная линия 11"/>
-          <p:cNvCxnSpPr/>
-          <p:nvPr/>
-        </p:nvCxnSpPr>
-        <p:spPr>
-          <a:xfrm>
-            <a:off x="4572000" y="1628800"/>
-            <a:ext cx="0" cy="4824536"/>
-          </a:xfrm>
-          <a:prstGeom prst="line">
-            <a:avLst/>
-          </a:prstGeom>
-        </p:spPr>
-        <p:style>
-          <a:lnRef idx="1">
-            <a:schemeClr val="accent1"/>
-          </a:lnRef>
-          <a:fillRef idx="0">
-            <a:schemeClr val="accent1"/>
-          </a:fillRef>
-          <a:effectRef idx="0">
-            <a:schemeClr val="accent1"/>
-          </a:effectRef>
-          <a:fontRef idx="minor">
-            <a:schemeClr val="tx1"/>
-          </a:fontRef>
-        </p:style>
-      </p:cxnSp>
-      <p:sp>
-        <p:nvSpPr>
-          <p:cNvPr id="13" name="TextBox 12"/>
-          <p:cNvSpPr txBox="1"/>
-          <p:nvPr/>
-        </p:nvSpPr>
-        <p:spPr>
-          <a:xfrm>
-            <a:off x="1907704" y="1556792"/>
-            <a:ext cx="920445" cy="461665"/>
-          </a:xfrm>
-          <a:prstGeom prst="rect">
-            <a:avLst/>
-          </a:prstGeom>
-          <a:noFill/>
-        </p:spPr>
-        <p:txBody>
-          <a:bodyPr wrap="none" rtlCol="0">
-            <a:spAutoFit/>
-          </a:bodyPr>
-          <a:lstStyle/>
-          <a:p>
-            <a:r>
-              <a:rPr lang="ru-RU" sz="2400" b="1" dirty="0" smtClean="0"/>
-              <a:t>Было</a:t>
-            </a:r>
-            <a:endParaRPr lang="ru-RU" sz="2400" b="1" dirty="0"/>
-          </a:p>
-        </p:txBody>
-      </p:sp>
-      <p:sp>
-        <p:nvSpPr>
-          <p:cNvPr id="14" name="TextBox 13"/>
-          <p:cNvSpPr txBox="1"/>
-          <p:nvPr/>
-        </p:nvSpPr>
-        <p:spPr>
-          <a:xfrm>
-            <a:off x="6300192" y="1556792"/>
-            <a:ext cx="975973" cy="461665"/>
-          </a:xfrm>
-          <a:prstGeom prst="rect">
-            <a:avLst/>
-          </a:prstGeom>
-          <a:noFill/>
-        </p:spPr>
-        <p:txBody>
-          <a:bodyPr wrap="none" rtlCol="0">
-            <a:spAutoFit/>
-          </a:bodyPr>
-          <a:lstStyle/>
-          <a:p>
-            <a:r>
-              <a:rPr lang="ru-RU" sz="2400" b="1" dirty="0" smtClean="0"/>
-              <a:t>Стало</a:t>
-            </a:r>
-            <a:endParaRPr lang="ru-RU" sz="2400" b="1" dirty="0"/>
           </a:p>
         </p:txBody>
       </p:sp>
@@ -8658,1598 +8744,6 @@
 </file>
 
 <file path=ppt/slides/slide11.xml><?xml version="1.0" encoding="utf-8"?>
-<p:sld xmlns:a="http://schemas.openxmlformats.org/drawingml/2006/main" xmlns:r="http://schemas.openxmlformats.org/officeDocument/2006/relationships" xmlns:p="http://schemas.openxmlformats.org/presentationml/2006/main">
-  <p:cSld>
-    <p:spTree>
-      <p:nvGrpSpPr>
-        <p:cNvPr id="1" name=""/>
-        <p:cNvGrpSpPr/>
-        <p:nvPr/>
-      </p:nvGrpSpPr>
-      <p:grpSpPr>
-        <a:xfrm>
-          <a:off x="0" y="0"/>
-          <a:ext cx="0" cy="0"/>
-          <a:chOff x="0" y="0"/>
-          <a:chExt cx="0" cy="0"/>
-        </a:xfrm>
-      </p:grpSpPr>
-      <p:sp>
-        <p:nvSpPr>
-          <p:cNvPr id="8" name="Заголовок 7"/>
-          <p:cNvSpPr>
-            <a:spLocks noGrp="1"/>
-          </p:cNvSpPr>
-          <p:nvPr>
-            <p:ph type="title"/>
-          </p:nvPr>
-        </p:nvSpPr>
-        <p:spPr/>
-        <p:txBody>
-          <a:bodyPr/>
-          <a:lstStyle/>
-          <a:p>
-            <a:r>
-              <a:rPr lang="ru-RU" dirty="0" smtClean="0"/>
-              <a:t>Система отчетов</a:t>
-            </a:r>
-            <a:endParaRPr lang="ru-RU" dirty="0"/>
-          </a:p>
-        </p:txBody>
-      </p:sp>
-      <p:sp>
-        <p:nvSpPr>
-          <p:cNvPr id="9" name="Содержимое 8"/>
-          <p:cNvSpPr>
-            <a:spLocks noGrp="1"/>
-          </p:cNvSpPr>
-          <p:nvPr>
-            <p:ph idx="1"/>
-          </p:nvPr>
-        </p:nvSpPr>
-        <p:spPr/>
-        <p:txBody>
-          <a:bodyPr>
-            <a:normAutofit fontScale="70000" lnSpcReduction="20000"/>
-          </a:bodyPr>
-          <a:lstStyle/>
-          <a:p>
-            <a:pPr>
-              <a:spcBef>
-                <a:spcPts val="1200"/>
-              </a:spcBef>
-              <a:buNone/>
-            </a:pPr>
-            <a:r>
-              <a:rPr lang="ru-RU" sz="3100" dirty="0" smtClean="0"/>
-              <a:t>	Основная часть сопроводительной документации создаётся посредством конструктора запросов, либо уже предоставляется по умолчанию.</a:t>
-            </a:r>
-          </a:p>
-          <a:p>
-            <a:pPr>
-              <a:spcBef>
-                <a:spcPts val="1200"/>
-              </a:spcBef>
-              <a:buNone/>
-            </a:pPr>
-            <a:r>
-              <a:rPr lang="ru-RU" sz="3100" dirty="0" smtClean="0"/>
-              <a:t>	Для организации внутреннего документооборота требуются </a:t>
-            </a:r>
-            <a:r>
-              <a:rPr lang="ru-RU" dirty="0" smtClean="0"/>
-              <a:t>следующие отчеты в печатном виде:</a:t>
-            </a:r>
-          </a:p>
-          <a:p>
-            <a:r>
-              <a:rPr lang="ru-RU" dirty="0" smtClean="0"/>
-              <a:t>Ведомость покупных;</a:t>
-            </a:r>
-          </a:p>
-          <a:p>
-            <a:r>
-              <a:rPr lang="ru-RU" dirty="0" smtClean="0"/>
-              <a:t>Ведомость применяемости;</a:t>
-            </a:r>
-          </a:p>
-          <a:p>
-            <a:r>
-              <a:rPr lang="ru-RU" dirty="0" smtClean="0"/>
-              <a:t>Картотека трудового нормирования;</a:t>
-            </a:r>
-          </a:p>
-          <a:p>
-            <a:r>
-              <a:rPr lang="ru-RU" dirty="0" smtClean="0"/>
-              <a:t>Картотека планирования.</a:t>
-            </a:r>
-          </a:p>
-          <a:p>
-            <a:pPr marL="360000">
-              <a:spcBef>
-                <a:spcPts val="1200"/>
-              </a:spcBef>
-              <a:buNone/>
-            </a:pPr>
-            <a:r>
-              <a:rPr lang="ru-RU" dirty="0" smtClean="0"/>
-              <a:t>	Основные требования в ТЗ:</a:t>
-            </a:r>
-          </a:p>
-          <a:p>
-            <a:r>
-              <a:rPr lang="ru-RU" sz="3100" dirty="0" smtClean="0"/>
-              <a:t>Создание на основе данных только из </a:t>
-            </a:r>
-            <a:r>
-              <a:rPr lang="en-US" sz="3100" dirty="0" smtClean="0"/>
-              <a:t>Windchill</a:t>
-            </a:r>
-            <a:r>
-              <a:rPr lang="ru-RU" sz="3100" dirty="0" smtClean="0"/>
-              <a:t>;</a:t>
-            </a:r>
-          </a:p>
-          <a:p>
-            <a:r>
-              <a:rPr lang="ru-RU" sz="3100" dirty="0" smtClean="0"/>
-              <a:t>Возможность просмотра и изменения в электронном виде;</a:t>
-            </a:r>
-          </a:p>
-          <a:p>
-            <a:r>
-              <a:rPr lang="ru-RU" sz="3100" dirty="0" smtClean="0"/>
-              <a:t>Соответствие </a:t>
-            </a:r>
-            <a:r>
-              <a:rPr lang="ru-RU" dirty="0" smtClean="0"/>
-              <a:t>печатных форм нормам ЕСКД.</a:t>
-            </a:r>
-          </a:p>
-          <a:p>
-            <a:pPr>
-              <a:buNone/>
-            </a:pPr>
-            <a:endParaRPr lang="ru-RU" dirty="0" smtClean="0"/>
-          </a:p>
-        </p:txBody>
-      </p:sp>
-      <p:sp>
-        <p:nvSpPr>
-          <p:cNvPr id="5" name="Номер слайда 4"/>
-          <p:cNvSpPr>
-            <a:spLocks noGrp="1"/>
-          </p:cNvSpPr>
-          <p:nvPr>
-            <p:ph type="sldNum" sz="quarter" idx="12"/>
-          </p:nvPr>
-        </p:nvSpPr>
-        <p:spPr/>
-        <p:txBody>
-          <a:bodyPr/>
-          <a:lstStyle/>
-          <a:p>
-            <a:fld id="{0EC1B211-457E-4361-983F-013AFA25B34F}" type="slidenum">
-              <a:rPr lang="ru-RU" smtClean="0"/>
-              <a:pPr/>
-              <a:t>11</a:t>
-            </a:fld>
-            <a:endParaRPr lang="ru-RU"/>
-          </a:p>
-        </p:txBody>
-      </p:sp>
-    </p:spTree>
-  </p:cSld>
-  <p:clrMapOvr>
-    <a:masterClrMapping/>
-  </p:clrMapOvr>
-</p:sld>
-</file>
-
-<file path=ppt/slides/slide12.xml><?xml version="1.0" encoding="utf-8"?>
-<p:sld xmlns:a="http://schemas.openxmlformats.org/drawingml/2006/main" xmlns:r="http://schemas.openxmlformats.org/officeDocument/2006/relationships" xmlns:p="http://schemas.openxmlformats.org/presentationml/2006/main">
-  <p:cSld>
-    <p:spTree>
-      <p:nvGrpSpPr>
-        <p:cNvPr id="1" name=""/>
-        <p:cNvGrpSpPr/>
-        <p:nvPr/>
-      </p:nvGrpSpPr>
-      <p:grpSpPr>
-        <a:xfrm>
-          <a:off x="0" y="0"/>
-          <a:ext cx="0" cy="0"/>
-          <a:chOff x="0" y="0"/>
-          <a:chExt cx="0" cy="0"/>
-        </a:xfrm>
-      </p:grpSpPr>
-      <p:sp>
-        <p:nvSpPr>
-          <p:cNvPr id="2" name="Заголовок 1"/>
-          <p:cNvSpPr>
-            <a:spLocks noGrp="1"/>
-          </p:cNvSpPr>
-          <p:nvPr>
-            <p:ph type="title"/>
-          </p:nvPr>
-        </p:nvSpPr>
-        <p:spPr>
-          <a:xfrm>
-            <a:off x="1043608" y="274638"/>
-            <a:ext cx="8100392" cy="1143000"/>
-          </a:xfrm>
-        </p:spPr>
-        <p:txBody>
-          <a:bodyPr>
-            <a:normAutofit fontScale="90000"/>
-          </a:bodyPr>
-          <a:lstStyle/>
-          <a:p>
-            <a:r>
-              <a:rPr lang="ru-RU" dirty="0" smtClean="0"/>
-              <a:t>Синхронизация данных в различных информационных системах</a:t>
-            </a:r>
-            <a:endParaRPr lang="ru-RU" dirty="0"/>
-          </a:p>
-        </p:txBody>
-      </p:sp>
-      <p:pic>
-        <p:nvPicPr>
-          <p:cNvPr id="1026" name="Picture 2"/>
-          <p:cNvPicPr>
-            <a:picLocks noGrp="1" noChangeAspect="1" noChangeArrowheads="1"/>
-          </p:cNvPicPr>
-          <p:nvPr>
-            <p:ph idx="1"/>
-          </p:nvPr>
-        </p:nvPicPr>
-        <p:blipFill>
-          <a:blip r:embed="rId2" cstate="print"/>
-          <a:stretch>
-            <a:fillRect/>
-          </a:stretch>
-        </p:blipFill>
-        <p:spPr bwMode="auto">
-          <a:xfrm>
-            <a:off x="1435100" y="1790791"/>
-            <a:ext cx="7499350" cy="4114617"/>
-          </a:xfrm>
-          <a:prstGeom prst="rect">
-            <a:avLst/>
-          </a:prstGeom>
-          <a:noFill/>
-          <a:ln w="9525">
-            <a:noFill/>
-            <a:miter lim="800000"/>
-            <a:headEnd/>
-            <a:tailEnd/>
-          </a:ln>
-        </p:spPr>
-      </p:pic>
-      <p:sp>
-        <p:nvSpPr>
-          <p:cNvPr id="4" name="Номер слайда 3"/>
-          <p:cNvSpPr>
-            <a:spLocks noGrp="1"/>
-          </p:cNvSpPr>
-          <p:nvPr>
-            <p:ph type="sldNum" sz="quarter" idx="12"/>
-          </p:nvPr>
-        </p:nvSpPr>
-        <p:spPr/>
-        <p:txBody>
-          <a:bodyPr/>
-          <a:lstStyle/>
-          <a:p>
-            <a:fld id="{0EC1B211-457E-4361-983F-013AFA25B34F}" type="slidenum">
-              <a:rPr lang="ru-RU" smtClean="0"/>
-              <a:pPr/>
-              <a:t>12</a:t>
-            </a:fld>
-            <a:endParaRPr lang="ru-RU"/>
-          </a:p>
-        </p:txBody>
-      </p:sp>
-    </p:spTree>
-  </p:cSld>
-  <p:clrMapOvr>
-    <a:masterClrMapping/>
-  </p:clrMapOvr>
-  <p:timing>
-    <p:tnLst>
-      <p:par>
-        <p:cTn id="1" dur="indefinite" restart="never" nodeType="tmRoot"/>
-      </p:par>
-    </p:tnLst>
-  </p:timing>
-</p:sld>
-</file>
-
-<file path=ppt/slides/slide13.xml><?xml version="1.0" encoding="utf-8"?>
-<p:sld xmlns:a="http://schemas.openxmlformats.org/drawingml/2006/main" xmlns:r="http://schemas.openxmlformats.org/officeDocument/2006/relationships" xmlns:p="http://schemas.openxmlformats.org/presentationml/2006/main">
-  <p:cSld>
-    <p:spTree>
-      <p:nvGrpSpPr>
-        <p:cNvPr id="1" name=""/>
-        <p:cNvGrpSpPr/>
-        <p:nvPr/>
-      </p:nvGrpSpPr>
-      <p:grpSpPr>
-        <a:xfrm>
-          <a:off x="0" y="0"/>
-          <a:ext cx="0" cy="0"/>
-          <a:chOff x="0" y="0"/>
-          <a:chExt cx="0" cy="0"/>
-        </a:xfrm>
-      </p:grpSpPr>
-      <p:sp>
-        <p:nvSpPr>
-          <p:cNvPr id="2" name="Заголовок 1"/>
-          <p:cNvSpPr>
-            <a:spLocks noGrp="1"/>
-          </p:cNvSpPr>
-          <p:nvPr>
-            <p:ph type="title"/>
-          </p:nvPr>
-        </p:nvSpPr>
-        <p:spPr/>
-        <p:txBody>
-          <a:bodyPr/>
-          <a:lstStyle/>
-          <a:p>
-            <a:r>
-              <a:rPr lang="ru-RU" dirty="0" smtClean="0"/>
-              <a:t>Выводы</a:t>
-            </a:r>
-            <a:endParaRPr lang="ru-RU" dirty="0"/>
-          </a:p>
-        </p:txBody>
-      </p:sp>
-      <p:sp>
-        <p:nvSpPr>
-          <p:cNvPr id="3" name="Содержимое 2"/>
-          <p:cNvSpPr>
-            <a:spLocks noGrp="1"/>
-          </p:cNvSpPr>
-          <p:nvPr>
-            <p:ph idx="1"/>
-          </p:nvPr>
-        </p:nvSpPr>
-        <p:spPr/>
-        <p:txBody>
-          <a:bodyPr>
-            <a:normAutofit fontScale="70000" lnSpcReduction="20000"/>
-          </a:bodyPr>
-          <a:lstStyle/>
-          <a:p>
-            <a:r>
-              <a:rPr lang="ru-RU" dirty="0" smtClean="0"/>
-              <a:t>Разработаны методические рекомендации по организации  перехода специалистов к работе в новой системе;</a:t>
-            </a:r>
-          </a:p>
-          <a:p>
-            <a:r>
-              <a:rPr lang="ru-RU" dirty="0" smtClean="0"/>
-              <a:t>Разработан алгоритм внесения изменений в документации на проект, соответствующий требованиям ГОСТ на ЕСКД;</a:t>
-            </a:r>
-          </a:p>
-          <a:p>
-            <a:r>
-              <a:rPr lang="ru-RU" dirty="0" smtClean="0"/>
-              <a:t>Определен перечень отчетов, требующих реализации в виде самостоятельного программного модуля и предоставлены требования к ним;</a:t>
-            </a:r>
-          </a:p>
-          <a:p>
-            <a:r>
-              <a:rPr lang="ru-RU" dirty="0" smtClean="0"/>
-              <a:t>Создана объектная модель, удовлетворяющая всем потребностям предприятия при автоматической обработке изделия и работе с документацией;</a:t>
-            </a:r>
-          </a:p>
-          <a:p>
-            <a:r>
-              <a:rPr lang="ru-RU" dirty="0" smtClean="0"/>
-              <a:t>Разработана утилита синхронизации данных в разнородных информационных системах.</a:t>
-            </a:r>
-          </a:p>
-        </p:txBody>
-      </p:sp>
-      <p:sp>
-        <p:nvSpPr>
-          <p:cNvPr id="4" name="Номер слайда 3"/>
-          <p:cNvSpPr>
-            <a:spLocks noGrp="1"/>
-          </p:cNvSpPr>
-          <p:nvPr>
-            <p:ph type="sldNum" sz="quarter" idx="12"/>
-          </p:nvPr>
-        </p:nvSpPr>
-        <p:spPr/>
-        <p:txBody>
-          <a:bodyPr/>
-          <a:lstStyle/>
-          <a:p>
-            <a:fld id="{0EC1B211-457E-4361-983F-013AFA25B34F}" type="slidenum">
-              <a:rPr lang="ru-RU" smtClean="0"/>
-              <a:pPr/>
-              <a:t>13</a:t>
-            </a:fld>
-            <a:endParaRPr lang="ru-RU"/>
-          </a:p>
-        </p:txBody>
-      </p:sp>
-    </p:spTree>
-  </p:cSld>
-  <p:clrMapOvr>
-    <a:masterClrMapping/>
-  </p:clrMapOvr>
-  <p:timing>
-    <p:tnLst>
-      <p:par>
-        <p:cTn id="1" dur="indefinite" restart="never" nodeType="tmRoot"/>
-      </p:par>
-    </p:tnLst>
-  </p:timing>
-</p:sld>
-</file>
-
-<file path=ppt/slides/slide14.xml><?xml version="1.0" encoding="utf-8"?>
-<p:sld xmlns:a="http://schemas.openxmlformats.org/drawingml/2006/main" xmlns:r="http://schemas.openxmlformats.org/officeDocument/2006/relationships" xmlns:p="http://schemas.openxmlformats.org/presentationml/2006/main">
-  <p:cSld>
-    <p:spTree>
-      <p:nvGrpSpPr>
-        <p:cNvPr id="1" name=""/>
-        <p:cNvGrpSpPr/>
-        <p:nvPr/>
-      </p:nvGrpSpPr>
-      <p:grpSpPr>
-        <a:xfrm>
-          <a:off x="0" y="0"/>
-          <a:ext cx="0" cy="0"/>
-          <a:chOff x="0" y="0"/>
-          <a:chExt cx="0" cy="0"/>
-        </a:xfrm>
-      </p:grpSpPr>
-      <p:sp>
-        <p:nvSpPr>
-          <p:cNvPr id="2" name="Заголовок 1"/>
-          <p:cNvSpPr>
-            <a:spLocks noGrp="1"/>
-          </p:cNvSpPr>
-          <p:nvPr>
-            <p:ph type="ctrTitle"/>
-          </p:nvPr>
-        </p:nvSpPr>
-        <p:spPr/>
-        <p:txBody>
-          <a:bodyPr/>
-          <a:lstStyle/>
-          <a:p>
-            <a:r>
-              <a:rPr lang="ru-RU" dirty="0" smtClean="0"/>
-              <a:t>Благодарю за внимание!</a:t>
-            </a:r>
-            <a:endParaRPr lang="ru-RU" dirty="0"/>
-          </a:p>
-        </p:txBody>
-      </p:sp>
-      <p:sp>
-        <p:nvSpPr>
-          <p:cNvPr id="3" name="Подзаголовок 2"/>
-          <p:cNvSpPr>
-            <a:spLocks noGrp="1"/>
-          </p:cNvSpPr>
-          <p:nvPr>
-            <p:ph type="subTitle" idx="1"/>
-          </p:nvPr>
-        </p:nvSpPr>
-        <p:spPr/>
-        <p:txBody>
-          <a:bodyPr>
-            <a:normAutofit fontScale="92500" lnSpcReduction="20000"/>
-          </a:bodyPr>
-          <a:lstStyle/>
-          <a:p>
-            <a:r>
-              <a:rPr lang="ru-RU" dirty="0" smtClean="0"/>
-              <a:t>Исполнитель: студент группы 521 Темников Андрей Владимирович</a:t>
-            </a:r>
-          </a:p>
-          <a:p>
-            <a:r>
-              <a:rPr lang="ru-RU" dirty="0" smtClean="0"/>
-              <a:t>Научный руководитель: д.т.н., доцент, профессор кафедры математики и информатики </a:t>
-            </a:r>
-            <a:r>
-              <a:rPr lang="ru-RU" dirty="0" err="1" smtClean="0"/>
-              <a:t>Переверзев</a:t>
-            </a:r>
-            <a:r>
-              <a:rPr lang="ru-RU" dirty="0" smtClean="0"/>
-              <a:t> Павел Петрович </a:t>
-            </a:r>
-          </a:p>
-          <a:p>
-            <a:endParaRPr lang="ru-RU" dirty="0"/>
-          </a:p>
-        </p:txBody>
-      </p:sp>
-      <p:sp>
-        <p:nvSpPr>
-          <p:cNvPr id="4" name="Номер слайда 3"/>
-          <p:cNvSpPr>
-            <a:spLocks noGrp="1"/>
-          </p:cNvSpPr>
-          <p:nvPr>
-            <p:ph type="sldNum" sz="quarter" idx="12"/>
-          </p:nvPr>
-        </p:nvSpPr>
-        <p:spPr/>
-        <p:txBody>
-          <a:bodyPr/>
-          <a:lstStyle/>
-          <a:p>
-            <a:fld id="{0EC1B211-457E-4361-983F-013AFA25B34F}" type="slidenum">
-              <a:rPr lang="ru-RU" smtClean="0"/>
-              <a:pPr/>
-              <a:t>14</a:t>
-            </a:fld>
-            <a:endParaRPr lang="ru-RU"/>
-          </a:p>
-        </p:txBody>
-      </p:sp>
-    </p:spTree>
-  </p:cSld>
-  <p:clrMapOvr>
-    <a:masterClrMapping/>
-  </p:clrMapOvr>
-  <p:timing>
-    <p:tnLst>
-      <p:par>
-        <p:cTn id="1" dur="indefinite" restart="never" nodeType="tmRoot"/>
-      </p:par>
-    </p:tnLst>
-  </p:timing>
-</p:sld>
-</file>
-
-<file path=ppt/slides/slide2.xml><?xml version="1.0" encoding="utf-8"?>
-<p:sld xmlns:a="http://schemas.openxmlformats.org/drawingml/2006/main" xmlns:r="http://schemas.openxmlformats.org/officeDocument/2006/relationships" xmlns:p="http://schemas.openxmlformats.org/presentationml/2006/main">
-  <p:cSld>
-    <p:spTree>
-      <p:nvGrpSpPr>
-        <p:cNvPr id="1" name=""/>
-        <p:cNvGrpSpPr/>
-        <p:nvPr/>
-      </p:nvGrpSpPr>
-      <p:grpSpPr>
-        <a:xfrm>
-          <a:off x="0" y="0"/>
-          <a:ext cx="0" cy="0"/>
-          <a:chOff x="0" y="0"/>
-          <a:chExt cx="0" cy="0"/>
-        </a:xfrm>
-      </p:grpSpPr>
-      <p:sp>
-        <p:nvSpPr>
-          <p:cNvPr id="2" name="Заголовок 1"/>
-          <p:cNvSpPr>
-            <a:spLocks noGrp="1"/>
-          </p:cNvSpPr>
-          <p:nvPr>
-            <p:ph type="title"/>
-          </p:nvPr>
-        </p:nvSpPr>
-        <p:spPr/>
-        <p:txBody>
-          <a:bodyPr/>
-          <a:lstStyle/>
-          <a:p>
-            <a:r>
-              <a:rPr lang="ru-RU" dirty="0" smtClean="0"/>
-              <a:t>Описание работы</a:t>
-            </a:r>
-            <a:endParaRPr lang="ru-RU" dirty="0"/>
-          </a:p>
-        </p:txBody>
-      </p:sp>
-      <p:sp>
-        <p:nvSpPr>
-          <p:cNvPr id="3" name="Содержимое 2"/>
-          <p:cNvSpPr>
-            <a:spLocks noGrp="1"/>
-          </p:cNvSpPr>
-          <p:nvPr>
-            <p:ph idx="1"/>
-          </p:nvPr>
-        </p:nvSpPr>
-        <p:spPr/>
-        <p:txBody>
-          <a:bodyPr>
-            <a:normAutofit lnSpcReduction="10000"/>
-          </a:bodyPr>
-          <a:lstStyle/>
-          <a:p>
-            <a:r>
-              <a:rPr lang="ru-RU" dirty="0" smtClean="0"/>
-              <a:t>Цель исследования: повышение эффективности работы системы управления жизненным циклом продукции (СУЖЦ)</a:t>
-            </a:r>
-          </a:p>
-          <a:p>
-            <a:r>
-              <a:rPr lang="ru-RU" dirty="0" smtClean="0"/>
-              <a:t>Объект исследования: СУЖЦ </a:t>
-            </a:r>
-            <a:r>
-              <a:rPr lang="en-US" dirty="0" smtClean="0"/>
-              <a:t>PTC Windchill </a:t>
-            </a:r>
-            <a:r>
-              <a:rPr lang="ru-RU" dirty="0" smtClean="0"/>
-              <a:t>на ПАО «Радиозавод»</a:t>
-            </a:r>
-          </a:p>
-          <a:p>
-            <a:r>
-              <a:rPr lang="ru-RU" dirty="0" smtClean="0"/>
-              <a:t>Предмет исследования: разработка и совершенствование информационного обеспечения для системы управления жизненным циклом продукции</a:t>
-            </a:r>
-            <a:endParaRPr lang="ru-RU" dirty="0"/>
-          </a:p>
-        </p:txBody>
-      </p:sp>
-      <p:sp>
-        <p:nvSpPr>
-          <p:cNvPr id="4" name="Номер слайда 3"/>
-          <p:cNvSpPr>
-            <a:spLocks noGrp="1"/>
-          </p:cNvSpPr>
-          <p:nvPr>
-            <p:ph type="sldNum" sz="quarter" idx="12"/>
-          </p:nvPr>
-        </p:nvSpPr>
-        <p:spPr/>
-        <p:txBody>
-          <a:bodyPr/>
-          <a:lstStyle/>
-          <a:p>
-            <a:fld id="{0EC1B211-457E-4361-983F-013AFA25B34F}" type="slidenum">
-              <a:rPr lang="ru-RU" smtClean="0"/>
-              <a:pPr/>
-              <a:t>2</a:t>
-            </a:fld>
-            <a:endParaRPr lang="ru-RU"/>
-          </a:p>
-        </p:txBody>
-      </p:sp>
-    </p:spTree>
-  </p:cSld>
-  <p:clrMapOvr>
-    <a:masterClrMapping/>
-  </p:clrMapOvr>
-  <p:timing>
-    <p:tnLst>
-      <p:par>
-        <p:cTn id="1" dur="indefinite" restart="never" nodeType="tmRoot"/>
-      </p:par>
-    </p:tnLst>
-  </p:timing>
-</p:sld>
-</file>
-
-<file path=ppt/slides/slide3.xml><?xml version="1.0" encoding="utf-8"?>
-<p:sld xmlns:a="http://schemas.openxmlformats.org/drawingml/2006/main" xmlns:r="http://schemas.openxmlformats.org/officeDocument/2006/relationships" xmlns:p="http://schemas.openxmlformats.org/presentationml/2006/main">
-  <p:cSld>
-    <p:spTree>
-      <p:nvGrpSpPr>
-        <p:cNvPr id="1" name=""/>
-        <p:cNvGrpSpPr/>
-        <p:nvPr/>
-      </p:nvGrpSpPr>
-      <p:grpSpPr>
-        <a:xfrm>
-          <a:off x="0" y="0"/>
-          <a:ext cx="0" cy="0"/>
-          <a:chOff x="0" y="0"/>
-          <a:chExt cx="0" cy="0"/>
-        </a:xfrm>
-      </p:grpSpPr>
-      <p:sp>
-        <p:nvSpPr>
-          <p:cNvPr id="2" name="Заголовок 1"/>
-          <p:cNvSpPr>
-            <a:spLocks noGrp="1"/>
-          </p:cNvSpPr>
-          <p:nvPr>
-            <p:ph type="title"/>
-          </p:nvPr>
-        </p:nvSpPr>
-        <p:spPr/>
-        <p:txBody>
-          <a:bodyPr>
-            <a:normAutofit fontScale="90000"/>
-          </a:bodyPr>
-          <a:lstStyle/>
-          <a:p>
-            <a:r>
-              <a:rPr lang="ru-RU" dirty="0" smtClean="0"/>
-              <a:t>Информационное обеспечение</a:t>
-            </a:r>
-            <a:endParaRPr lang="ru-RU" dirty="0"/>
-          </a:p>
-        </p:txBody>
-      </p:sp>
-      <p:sp>
-        <p:nvSpPr>
-          <p:cNvPr id="4" name="Номер слайда 3"/>
-          <p:cNvSpPr>
-            <a:spLocks noGrp="1"/>
-          </p:cNvSpPr>
-          <p:nvPr>
-            <p:ph type="sldNum" sz="quarter" idx="12"/>
-          </p:nvPr>
-        </p:nvSpPr>
-        <p:spPr/>
-        <p:txBody>
-          <a:bodyPr/>
-          <a:lstStyle/>
-          <a:p>
-            <a:fld id="{0EC1B211-457E-4361-983F-013AFA25B34F}" type="slidenum">
-              <a:rPr lang="ru-RU" smtClean="0"/>
-              <a:pPr/>
-              <a:t>3</a:t>
-            </a:fld>
-            <a:endParaRPr lang="ru-RU"/>
-          </a:p>
-        </p:txBody>
-      </p:sp>
-      <p:graphicFrame>
-        <p:nvGraphicFramePr>
-          <p:cNvPr id="5" name="Содержимое 7"/>
-          <p:cNvGraphicFramePr>
-            <a:graphicFrameLocks/>
-          </p:cNvGraphicFramePr>
-          <p:nvPr/>
-        </p:nvGraphicFramePr>
-        <p:xfrm>
-          <a:off x="2339752" y="1412776"/>
-          <a:ext cx="6419056" cy="4937125"/>
-        </p:xfrm>
-        <a:graphic>
-          <a:graphicData uri="http://schemas.openxmlformats.org/drawingml/2006/diagram">
-            <dgm:relIds xmlns:dgm="http://schemas.openxmlformats.org/drawingml/2006/diagram" xmlns:r="http://schemas.openxmlformats.org/officeDocument/2006/relationships" r:dm="rId2" r:lo="rId3" r:qs="rId4" r:cs="rId5"/>
-          </a:graphicData>
-        </a:graphic>
-      </p:graphicFrame>
-      <p:sp>
-        <p:nvSpPr>
-          <p:cNvPr id="6" name="TextBox 5"/>
-          <p:cNvSpPr txBox="1"/>
-          <p:nvPr/>
-        </p:nvSpPr>
-        <p:spPr>
-          <a:xfrm>
-            <a:off x="1403648" y="2348880"/>
-            <a:ext cx="2880320" cy="830997"/>
-          </a:xfrm>
-          <a:prstGeom prst="rect">
-            <a:avLst/>
-          </a:prstGeom>
-          <a:noFill/>
-        </p:spPr>
-        <p:txBody>
-          <a:bodyPr wrap="square" rtlCol="0">
-            <a:spAutoFit/>
-          </a:bodyPr>
-          <a:lstStyle/>
-          <a:p>
-            <a:r>
-              <a:rPr lang="ru-RU" sz="2400" dirty="0" smtClean="0"/>
-              <a:t>Ввод данных в систему</a:t>
-            </a:r>
-            <a:endParaRPr lang="ru-RU" sz="2400" dirty="0"/>
-          </a:p>
-        </p:txBody>
-      </p:sp>
-      <p:sp>
-        <p:nvSpPr>
-          <p:cNvPr id="7" name="TextBox 6"/>
-          <p:cNvSpPr txBox="1"/>
-          <p:nvPr/>
-        </p:nvSpPr>
-        <p:spPr>
-          <a:xfrm>
-            <a:off x="1331640" y="4221088"/>
-            <a:ext cx="3096344" cy="1200329"/>
-          </a:xfrm>
-          <a:prstGeom prst="rect">
-            <a:avLst/>
-          </a:prstGeom>
-          <a:noFill/>
-        </p:spPr>
-        <p:txBody>
-          <a:bodyPr wrap="square" rtlCol="0">
-            <a:spAutoFit/>
-          </a:bodyPr>
-          <a:lstStyle/>
-          <a:p>
-            <a:r>
-              <a:rPr lang="ru-RU" sz="2400" dirty="0" smtClean="0"/>
-              <a:t>Предоставление данных пользователю</a:t>
-            </a:r>
-            <a:endParaRPr lang="ru-RU" sz="2400" dirty="0"/>
-          </a:p>
-        </p:txBody>
-      </p:sp>
-    </p:spTree>
-  </p:cSld>
-  <p:clrMapOvr>
-    <a:masterClrMapping/>
-  </p:clrMapOvr>
-  <p:timing>
-    <p:tnLst>
-      <p:par>
-        <p:cTn id="1" dur="indefinite" restart="never" nodeType="tmRoot"/>
-      </p:par>
-    </p:tnLst>
-  </p:timing>
-</p:sld>
-</file>
-
-<file path=ppt/slides/slide4.xml><?xml version="1.0" encoding="utf-8"?>
-<p:sld xmlns:a="http://schemas.openxmlformats.org/drawingml/2006/main" xmlns:r="http://schemas.openxmlformats.org/officeDocument/2006/relationships" xmlns:p="http://schemas.openxmlformats.org/presentationml/2006/main">
-  <p:cSld>
-    <p:spTree>
-      <p:nvGrpSpPr>
-        <p:cNvPr id="1" name=""/>
-        <p:cNvGrpSpPr/>
-        <p:nvPr/>
-      </p:nvGrpSpPr>
-      <p:grpSpPr>
-        <a:xfrm>
-          <a:off x="0" y="0"/>
-          <a:ext cx="0" cy="0"/>
-          <a:chOff x="0" y="0"/>
-          <a:chExt cx="0" cy="0"/>
-        </a:xfrm>
-      </p:grpSpPr>
-      <p:sp>
-        <p:nvSpPr>
-          <p:cNvPr id="2" name="Заголовок 1"/>
-          <p:cNvSpPr>
-            <a:spLocks noGrp="1"/>
-          </p:cNvSpPr>
-          <p:nvPr>
-            <p:ph type="title"/>
-          </p:nvPr>
-        </p:nvSpPr>
-        <p:spPr/>
-        <p:txBody>
-          <a:bodyPr/>
-          <a:lstStyle/>
-          <a:p>
-            <a:r>
-              <a:rPr lang="ru-RU" dirty="0" smtClean="0"/>
-              <a:t>Описание ПАО «Радиозавод»</a:t>
-            </a:r>
-            <a:endParaRPr lang="ru-RU" dirty="0"/>
-          </a:p>
-        </p:txBody>
-      </p:sp>
-      <p:graphicFrame>
-        <p:nvGraphicFramePr>
-          <p:cNvPr id="7" name="Содержимое 6"/>
-          <p:cNvGraphicFramePr>
-            <a:graphicFrameLocks noGrp="1"/>
-          </p:cNvGraphicFramePr>
-          <p:nvPr>
-            <p:ph idx="1"/>
-          </p:nvPr>
-        </p:nvGraphicFramePr>
-        <p:xfrm>
-          <a:off x="971600" y="1124744"/>
-          <a:ext cx="4176464" cy="2952328"/>
-        </p:xfrm>
-        <a:graphic>
-          <a:graphicData uri="http://schemas.openxmlformats.org/drawingml/2006/chart">
-            <c:chart xmlns:c="http://schemas.openxmlformats.org/drawingml/2006/chart" xmlns:r="http://schemas.openxmlformats.org/officeDocument/2006/relationships" r:id="rId2"/>
-          </a:graphicData>
-        </a:graphic>
-      </p:graphicFrame>
-      <p:sp>
-        <p:nvSpPr>
-          <p:cNvPr id="4" name="Номер слайда 3"/>
-          <p:cNvSpPr>
-            <a:spLocks noGrp="1"/>
-          </p:cNvSpPr>
-          <p:nvPr>
-            <p:ph type="sldNum" sz="quarter" idx="12"/>
-          </p:nvPr>
-        </p:nvSpPr>
-        <p:spPr/>
-        <p:txBody>
-          <a:bodyPr/>
-          <a:lstStyle/>
-          <a:p>
-            <a:fld id="{0EC1B211-457E-4361-983F-013AFA25B34F}" type="slidenum">
-              <a:rPr lang="ru-RU" smtClean="0"/>
-              <a:pPr/>
-              <a:t>4</a:t>
-            </a:fld>
-            <a:endParaRPr lang="ru-RU"/>
-          </a:p>
-        </p:txBody>
-      </p:sp>
-      <p:graphicFrame>
-        <p:nvGraphicFramePr>
-          <p:cNvPr id="8" name="Диаграмма 7"/>
-          <p:cNvGraphicFramePr/>
-          <p:nvPr/>
-        </p:nvGraphicFramePr>
-        <p:xfrm>
-          <a:off x="5148064" y="2276872"/>
-          <a:ext cx="3624064" cy="3960440"/>
-        </p:xfrm>
-        <a:graphic>
-          <a:graphicData uri="http://schemas.openxmlformats.org/drawingml/2006/chart">
-            <c:chart xmlns:c="http://schemas.openxmlformats.org/drawingml/2006/chart" xmlns:r="http://schemas.openxmlformats.org/officeDocument/2006/relationships" r:id="rId3"/>
-          </a:graphicData>
-        </a:graphic>
-      </p:graphicFrame>
-      <p:sp>
-        <p:nvSpPr>
-          <p:cNvPr id="10" name="TextBox 9"/>
-          <p:cNvSpPr txBox="1"/>
-          <p:nvPr/>
-        </p:nvSpPr>
-        <p:spPr>
-          <a:xfrm>
-            <a:off x="6516216" y="1988840"/>
-            <a:ext cx="184731" cy="369332"/>
-          </a:xfrm>
-          <a:prstGeom prst="rect">
-            <a:avLst/>
-          </a:prstGeom>
-          <a:noFill/>
-        </p:spPr>
-        <p:txBody>
-          <a:bodyPr wrap="none" rtlCol="0">
-            <a:spAutoFit/>
-          </a:bodyPr>
-          <a:lstStyle/>
-          <a:p>
-            <a:endParaRPr lang="ru-RU"/>
-          </a:p>
-        </p:txBody>
-      </p:sp>
-      <p:sp>
-        <p:nvSpPr>
-          <p:cNvPr id="9" name="TextBox 8"/>
-          <p:cNvSpPr txBox="1"/>
-          <p:nvPr/>
-        </p:nvSpPr>
-        <p:spPr>
-          <a:xfrm>
-            <a:off x="5220072" y="1412776"/>
-            <a:ext cx="3904531" cy="757130"/>
-          </a:xfrm>
-          <a:prstGeom prst="rect">
-            <a:avLst/>
-          </a:prstGeom>
-          <a:noFill/>
-        </p:spPr>
-        <p:txBody>
-          <a:bodyPr wrap="none" rtlCol="0">
-            <a:spAutoFit/>
-          </a:bodyPr>
-          <a:lstStyle/>
-          <a:p>
-            <a:pPr algn="ctr"/>
-            <a:r>
-              <a:rPr lang="ru-RU" sz="2160" b="1" dirty="0" smtClean="0"/>
-              <a:t>Экономические показатели  </a:t>
-            </a:r>
-          </a:p>
-          <a:p>
-            <a:pPr algn="ctr"/>
-            <a:r>
-              <a:rPr lang="ru-RU" sz="2160" b="1" dirty="0" smtClean="0"/>
-              <a:t>за 2014 и 2015 года в млн. руб.</a:t>
-            </a:r>
-            <a:endParaRPr lang="ru-RU" sz="2160" b="1" dirty="0"/>
-          </a:p>
-        </p:txBody>
-      </p:sp>
-    </p:spTree>
-  </p:cSld>
-  <p:clrMapOvr>
-    <a:masterClrMapping/>
-  </p:clrMapOvr>
-  <p:timing>
-    <p:tnLst>
-      <p:par>
-        <p:cTn id="1" dur="indefinite" restart="never" nodeType="tmRoot"/>
-      </p:par>
-    </p:tnLst>
-  </p:timing>
-</p:sld>
-</file>
-
-<file path=ppt/slides/slide5.xml><?xml version="1.0" encoding="utf-8"?>
-<p:sld xmlns:a="http://schemas.openxmlformats.org/drawingml/2006/main" xmlns:r="http://schemas.openxmlformats.org/officeDocument/2006/relationships" xmlns:p="http://schemas.openxmlformats.org/presentationml/2006/main">
-  <p:cSld>
-    <p:spTree>
-      <p:nvGrpSpPr>
-        <p:cNvPr id="1" name=""/>
-        <p:cNvGrpSpPr/>
-        <p:nvPr/>
-      </p:nvGrpSpPr>
-      <p:grpSpPr>
-        <a:xfrm>
-          <a:off x="0" y="0"/>
-          <a:ext cx="0" cy="0"/>
-          <a:chOff x="0" y="0"/>
-          <a:chExt cx="0" cy="0"/>
-        </a:xfrm>
-      </p:grpSpPr>
-      <p:sp>
-        <p:nvSpPr>
-          <p:cNvPr id="2" name="Заголовок 1"/>
-          <p:cNvSpPr>
-            <a:spLocks noGrp="1"/>
-          </p:cNvSpPr>
-          <p:nvPr>
-            <p:ph type="title"/>
-          </p:nvPr>
-        </p:nvSpPr>
-        <p:spPr/>
-        <p:txBody>
-          <a:bodyPr/>
-          <a:lstStyle/>
-          <a:p>
-            <a:r>
-              <a:rPr lang="en-US" dirty="0" smtClean="0"/>
-              <a:t>PTC </a:t>
-            </a:r>
-            <a:r>
-              <a:rPr lang="en-US" dirty="0" err="1" smtClean="0"/>
-              <a:t>Windchill</a:t>
-            </a:r>
-            <a:r>
-              <a:rPr lang="en-US" dirty="0" smtClean="0"/>
-              <a:t> </a:t>
-            </a:r>
-            <a:endParaRPr lang="ru-RU" dirty="0"/>
-          </a:p>
-        </p:txBody>
-      </p:sp>
-      <p:sp>
-        <p:nvSpPr>
-          <p:cNvPr id="3" name="Содержимое 2"/>
-          <p:cNvSpPr>
-            <a:spLocks noGrp="1"/>
-          </p:cNvSpPr>
-          <p:nvPr>
-            <p:ph idx="1"/>
-          </p:nvPr>
-        </p:nvSpPr>
-        <p:spPr/>
-        <p:txBody>
-          <a:bodyPr>
-            <a:normAutofit fontScale="70000" lnSpcReduction="20000"/>
-          </a:bodyPr>
-          <a:lstStyle/>
-          <a:p>
-            <a:pPr lvl="0">
-              <a:buNone/>
-            </a:pPr>
-            <a:r>
-              <a:rPr lang="en-US" dirty="0" smtClean="0"/>
-              <a:t>		 PTC </a:t>
-            </a:r>
-            <a:r>
-              <a:rPr lang="en-US" dirty="0" err="1" smtClean="0"/>
-              <a:t>Windchill</a:t>
-            </a:r>
-            <a:r>
-              <a:rPr lang="en-US" dirty="0" smtClean="0"/>
-              <a:t> </a:t>
-            </a:r>
-            <a:r>
-              <a:rPr lang="ru-RU" dirty="0" smtClean="0"/>
-              <a:t>представляет собой современный инструмент для совместной работы пользователей на основе </a:t>
-            </a:r>
-            <a:r>
-              <a:rPr lang="ru-RU" dirty="0" err="1" smtClean="0"/>
-              <a:t>веб-технологий</a:t>
-            </a:r>
-            <a:r>
-              <a:rPr lang="ru-RU" dirty="0" smtClean="0"/>
-              <a:t>, и создана специально для обеспечения эффективной разработки и управления информацией об изделии. Система реализует следующие функции:</a:t>
-            </a:r>
-          </a:p>
-          <a:p>
-            <a:pPr lvl="0"/>
-            <a:r>
-              <a:rPr lang="ru-RU" dirty="0" smtClean="0"/>
-              <a:t>Механизм организации совместного использования данных;</a:t>
-            </a:r>
-          </a:p>
-          <a:p>
-            <a:pPr lvl="0"/>
-            <a:r>
-              <a:rPr lang="ru-RU" dirty="0" smtClean="0"/>
-              <a:t>Хранение данных в защищенном хранилище и разграничение прав доступа;</a:t>
-            </a:r>
-          </a:p>
-          <a:p>
-            <a:pPr lvl="0"/>
-            <a:r>
-              <a:rPr lang="ru-RU" dirty="0" smtClean="0"/>
-              <a:t>Управление информацией;</a:t>
-            </a:r>
-          </a:p>
-          <a:p>
-            <a:pPr lvl="0"/>
-            <a:r>
-              <a:rPr lang="ru-RU" dirty="0" smtClean="0"/>
-              <a:t>Управление изменениями;</a:t>
-            </a:r>
-          </a:p>
-          <a:p>
-            <a:pPr lvl="0"/>
-            <a:r>
-              <a:rPr lang="ru-RU" dirty="0" smtClean="0"/>
-              <a:t>Возможность хранения всей истории проектирования и многое другое. </a:t>
-            </a:r>
-          </a:p>
-          <a:p>
-            <a:endParaRPr lang="ru-RU" dirty="0"/>
-          </a:p>
-        </p:txBody>
-      </p:sp>
-      <p:sp>
-        <p:nvSpPr>
-          <p:cNvPr id="4" name="Номер слайда 3"/>
-          <p:cNvSpPr>
-            <a:spLocks noGrp="1"/>
-          </p:cNvSpPr>
-          <p:nvPr>
-            <p:ph type="sldNum" sz="quarter" idx="12"/>
-          </p:nvPr>
-        </p:nvSpPr>
-        <p:spPr/>
-        <p:txBody>
-          <a:bodyPr/>
-          <a:lstStyle/>
-          <a:p>
-            <a:fld id="{0EC1B211-457E-4361-983F-013AFA25B34F}" type="slidenum">
-              <a:rPr lang="ru-RU" smtClean="0"/>
-              <a:pPr/>
-              <a:t>5</a:t>
-            </a:fld>
-            <a:endParaRPr lang="ru-RU"/>
-          </a:p>
-        </p:txBody>
-      </p:sp>
-    </p:spTree>
-  </p:cSld>
-  <p:clrMapOvr>
-    <a:masterClrMapping/>
-  </p:clrMapOvr>
-  <p:timing>
-    <p:tnLst>
-      <p:par>
-        <p:cTn id="1" dur="indefinite" restart="never" nodeType="tmRoot"/>
-      </p:par>
-    </p:tnLst>
-  </p:timing>
-</p:sld>
-</file>
-
-<file path=ppt/slides/slide6.xml><?xml version="1.0" encoding="utf-8"?>
-<p:sld xmlns:a="http://schemas.openxmlformats.org/drawingml/2006/main" xmlns:r="http://schemas.openxmlformats.org/officeDocument/2006/relationships" xmlns:p="http://schemas.openxmlformats.org/presentationml/2006/main">
-  <p:cSld>
-    <p:spTree>
-      <p:nvGrpSpPr>
-        <p:cNvPr id="1" name=""/>
-        <p:cNvGrpSpPr/>
-        <p:nvPr/>
-      </p:nvGrpSpPr>
-      <p:grpSpPr>
-        <a:xfrm>
-          <a:off x="0" y="0"/>
-          <a:ext cx="0" cy="0"/>
-          <a:chOff x="0" y="0"/>
-          <a:chExt cx="0" cy="0"/>
-        </a:xfrm>
-      </p:grpSpPr>
-      <p:sp>
-        <p:nvSpPr>
-          <p:cNvPr id="2" name="Заголовок 1"/>
-          <p:cNvSpPr>
-            <a:spLocks noGrp="1"/>
-          </p:cNvSpPr>
-          <p:nvPr>
-            <p:ph type="title"/>
-          </p:nvPr>
-        </p:nvSpPr>
-        <p:spPr/>
-        <p:txBody>
-          <a:bodyPr>
-            <a:normAutofit fontScale="90000"/>
-          </a:bodyPr>
-          <a:lstStyle/>
-          <a:p>
-            <a:r>
-              <a:rPr lang="ru-RU" dirty="0" smtClean="0"/>
-              <a:t>Управление жизненным циклом продукции на ПАО «Радиозавод»</a:t>
-            </a:r>
-            <a:endParaRPr lang="ru-RU" dirty="0"/>
-          </a:p>
-        </p:txBody>
-      </p:sp>
-      <p:pic>
-        <p:nvPicPr>
-          <p:cNvPr id="5" name="Picture 2"/>
-          <p:cNvPicPr>
-            <a:picLocks noGrp="1" noChangeAspect="1" noChangeArrowheads="1"/>
-          </p:cNvPicPr>
-          <p:nvPr>
-            <p:ph idx="1"/>
-          </p:nvPr>
-        </p:nvPicPr>
-        <p:blipFill>
-          <a:blip r:embed="rId2" cstate="print"/>
-          <a:stretch>
-            <a:fillRect/>
-          </a:stretch>
-        </p:blipFill>
-        <p:spPr bwMode="auto">
-          <a:xfrm>
-            <a:off x="1435100" y="1659791"/>
-            <a:ext cx="7499350" cy="4376617"/>
-          </a:xfrm>
-          <a:prstGeom prst="rect">
-            <a:avLst/>
-          </a:prstGeom>
-          <a:noFill/>
-          <a:ln w="9525">
-            <a:noFill/>
-            <a:miter lim="800000"/>
-            <a:headEnd/>
-            <a:tailEnd/>
-          </a:ln>
-        </p:spPr>
-      </p:pic>
-      <p:sp>
-        <p:nvSpPr>
-          <p:cNvPr id="4" name="Номер слайда 3"/>
-          <p:cNvSpPr>
-            <a:spLocks noGrp="1"/>
-          </p:cNvSpPr>
-          <p:nvPr>
-            <p:ph type="sldNum" sz="quarter" idx="12"/>
-          </p:nvPr>
-        </p:nvSpPr>
-        <p:spPr/>
-        <p:txBody>
-          <a:bodyPr/>
-          <a:lstStyle/>
-          <a:p>
-            <a:fld id="{0EC1B211-457E-4361-983F-013AFA25B34F}" type="slidenum">
-              <a:rPr lang="ru-RU" smtClean="0"/>
-              <a:pPr/>
-              <a:t>6</a:t>
-            </a:fld>
-            <a:endParaRPr lang="ru-RU"/>
-          </a:p>
-        </p:txBody>
-      </p:sp>
-    </p:spTree>
-  </p:cSld>
-  <p:clrMapOvr>
-    <a:masterClrMapping/>
-  </p:clrMapOvr>
-  <p:timing>
-    <p:tnLst>
-      <p:par>
-        <p:cTn id="1" dur="indefinite" restart="never" nodeType="tmRoot"/>
-      </p:par>
-    </p:tnLst>
-  </p:timing>
-</p:sld>
-</file>
-
-<file path=ppt/slides/slide7.xml><?xml version="1.0" encoding="utf-8"?>
-<p:sld xmlns:a="http://schemas.openxmlformats.org/drawingml/2006/main" xmlns:r="http://schemas.openxmlformats.org/officeDocument/2006/relationships" xmlns:p="http://schemas.openxmlformats.org/presentationml/2006/main">
-  <p:cSld>
-    <p:spTree>
-      <p:nvGrpSpPr>
-        <p:cNvPr id="1" name=""/>
-        <p:cNvGrpSpPr/>
-        <p:nvPr/>
-      </p:nvGrpSpPr>
-      <p:grpSpPr>
-        <a:xfrm>
-          <a:off x="0" y="0"/>
-          <a:ext cx="0" cy="0"/>
-          <a:chOff x="0" y="0"/>
-          <a:chExt cx="0" cy="0"/>
-        </a:xfrm>
-      </p:grpSpPr>
-      <p:sp>
-        <p:nvSpPr>
-          <p:cNvPr id="2" name="Заголовок 1"/>
-          <p:cNvSpPr>
-            <a:spLocks noGrp="1"/>
-          </p:cNvSpPr>
-          <p:nvPr>
-            <p:ph type="title"/>
-          </p:nvPr>
-        </p:nvSpPr>
-        <p:spPr/>
-        <p:txBody>
-          <a:bodyPr>
-            <a:normAutofit fontScale="90000"/>
-          </a:bodyPr>
-          <a:lstStyle/>
-          <a:p>
-            <a:r>
-              <a:rPr lang="ru-RU" sz="3200" dirty="0" smtClean="0">
-                <a:effectLst>
-                  <a:outerShdw blurRad="38100" dist="38100" dir="2700000" algn="tl">
-                    <a:srgbClr val="000000">
-                      <a:alpha val="43137"/>
-                    </a:srgbClr>
-                  </a:outerShdw>
-                </a:effectLst>
-              </a:rPr>
-              <a:t>Обзор выявленных проблем функционирования информационного обеспечения СУЖЦ</a:t>
-            </a:r>
-            <a:endParaRPr lang="ru-RU" sz="3200" dirty="0">
-              <a:effectLst>
-                <a:outerShdw blurRad="38100" dist="38100" dir="2700000" algn="tl">
-                  <a:srgbClr val="000000">
-                    <a:alpha val="43137"/>
-                  </a:srgbClr>
-                </a:outerShdw>
-              </a:effectLst>
-            </a:endParaRPr>
-          </a:p>
-        </p:txBody>
-      </p:sp>
-      <p:sp>
-        <p:nvSpPr>
-          <p:cNvPr id="3" name="Содержимое 2"/>
-          <p:cNvSpPr>
-            <a:spLocks noGrp="1"/>
-          </p:cNvSpPr>
-          <p:nvPr>
-            <p:ph idx="1"/>
-          </p:nvPr>
-        </p:nvSpPr>
-        <p:spPr>
-          <a:xfrm>
-            <a:off x="1187624" y="1556792"/>
-            <a:ext cx="7746064" cy="4824536"/>
-          </a:xfrm>
-        </p:spPr>
-        <p:txBody>
-          <a:bodyPr>
-            <a:normAutofit fontScale="85000" lnSpcReduction="20000"/>
-          </a:bodyPr>
-          <a:lstStyle/>
-          <a:p>
-            <a:r>
-              <a:rPr lang="ru-RU" dirty="0" smtClean="0"/>
-              <a:t>Несопоставимость форматов данных имеющихся электронных моделей с применяемыми в </a:t>
-            </a:r>
-            <a:r>
-              <a:rPr lang="en-US" dirty="0" smtClean="0"/>
-              <a:t>Windchill</a:t>
-            </a:r>
-            <a:r>
-              <a:rPr lang="ru-RU" dirty="0" smtClean="0"/>
-              <a:t>, наличие большого числа бумажных носителей;</a:t>
-            </a:r>
-          </a:p>
-          <a:p>
-            <a:r>
-              <a:rPr lang="ru-RU" dirty="0" smtClean="0"/>
-              <a:t>Недостаточная система типов данных для корректного управления структурой изделия;</a:t>
-            </a:r>
-          </a:p>
-          <a:p>
-            <a:r>
-              <a:rPr lang="ru-RU" dirty="0" smtClean="0"/>
-              <a:t>Алгоритм внесения конструкторских изменений не соответствует требованиям ГОСТ на ЕСКД;</a:t>
-            </a:r>
-          </a:p>
-          <a:p>
-            <a:r>
-              <a:rPr lang="ru-RU" dirty="0" smtClean="0"/>
-              <a:t>Стандартные отчеты недостаточны и не соответствуют ЕСКД;</a:t>
-            </a:r>
-          </a:p>
-          <a:p>
-            <a:r>
-              <a:rPr lang="ru-RU" dirty="0" smtClean="0"/>
-              <a:t>Требуется синхронизация данных с другими КИС предприятия. </a:t>
-            </a:r>
-          </a:p>
-          <a:p>
-            <a:endParaRPr lang="ru-RU" dirty="0"/>
-          </a:p>
-        </p:txBody>
-      </p:sp>
-      <p:sp>
-        <p:nvSpPr>
-          <p:cNvPr id="4" name="Номер слайда 3"/>
-          <p:cNvSpPr>
-            <a:spLocks noGrp="1"/>
-          </p:cNvSpPr>
-          <p:nvPr>
-            <p:ph type="sldNum" sz="quarter" idx="12"/>
-          </p:nvPr>
-        </p:nvSpPr>
-        <p:spPr/>
-        <p:txBody>
-          <a:bodyPr/>
-          <a:lstStyle/>
-          <a:p>
-            <a:fld id="{0EC1B211-457E-4361-983F-013AFA25B34F}" type="slidenum">
-              <a:rPr lang="ru-RU" smtClean="0"/>
-              <a:pPr/>
-              <a:t>7</a:t>
-            </a:fld>
-            <a:endParaRPr lang="ru-RU" dirty="0"/>
-          </a:p>
-        </p:txBody>
-      </p:sp>
-    </p:spTree>
-  </p:cSld>
-  <p:clrMapOvr>
-    <a:masterClrMapping/>
-  </p:clrMapOvr>
-  <p:timing>
-    <p:tnLst>
-      <p:par>
-        <p:cTn id="1" dur="indefinite" restart="never" nodeType="tmRoot"/>
-      </p:par>
-    </p:tnLst>
-  </p:timing>
-</p:sld>
-</file>
-
-<file path=ppt/slides/slide8.xml><?xml version="1.0" encoding="utf-8"?>
-<p:sld xmlns:a="http://schemas.openxmlformats.org/drawingml/2006/main" xmlns:r="http://schemas.openxmlformats.org/officeDocument/2006/relationships" xmlns:p="http://schemas.openxmlformats.org/presentationml/2006/main">
-  <p:cSld>
-    <p:spTree>
-      <p:nvGrpSpPr>
-        <p:cNvPr id="1" name=""/>
-        <p:cNvGrpSpPr/>
-        <p:nvPr/>
-      </p:nvGrpSpPr>
-      <p:grpSpPr>
-        <a:xfrm>
-          <a:off x="0" y="0"/>
-          <a:ext cx="0" cy="0"/>
-          <a:chOff x="0" y="0"/>
-          <a:chExt cx="0" cy="0"/>
-        </a:xfrm>
-      </p:grpSpPr>
-      <p:sp>
-        <p:nvSpPr>
-          <p:cNvPr id="2" name="Заголовок 1"/>
-          <p:cNvSpPr>
-            <a:spLocks noGrp="1"/>
-          </p:cNvSpPr>
-          <p:nvPr>
-            <p:ph type="title"/>
-          </p:nvPr>
-        </p:nvSpPr>
-        <p:spPr/>
-        <p:txBody>
-          <a:bodyPr>
-            <a:normAutofit fontScale="90000"/>
-          </a:bodyPr>
-          <a:lstStyle/>
-          <a:p>
-            <a:r>
-              <a:rPr lang="ru-RU" dirty="0" smtClean="0"/>
-              <a:t>Алгоритм перехода специалистов к работе в СУЖЦ</a:t>
-            </a:r>
-            <a:endParaRPr lang="ru-RU" dirty="0"/>
-          </a:p>
-        </p:txBody>
-      </p:sp>
-      <p:sp>
-        <p:nvSpPr>
-          <p:cNvPr id="3" name="Содержимое 2"/>
-          <p:cNvSpPr>
-            <a:spLocks noGrp="1"/>
-          </p:cNvSpPr>
-          <p:nvPr>
-            <p:ph idx="1"/>
-          </p:nvPr>
-        </p:nvSpPr>
-        <p:spPr/>
-        <p:txBody>
-          <a:bodyPr>
-            <a:normAutofit lnSpcReduction="10000"/>
-          </a:bodyPr>
-          <a:lstStyle/>
-          <a:p>
-            <a:r>
-              <a:rPr lang="ru-RU" dirty="0" smtClean="0"/>
-              <a:t>Электронные модели по текущим проектам завести в систему под видом изображений;</a:t>
-            </a:r>
-          </a:p>
-          <a:p>
-            <a:r>
-              <a:rPr lang="ru-RU" dirty="0" smtClean="0"/>
-              <a:t>Моделирование новых изделий производить через интерфейс СУЖЦ и интегрированной САПР; </a:t>
-            </a:r>
-            <a:endParaRPr lang="en-US" dirty="0" smtClean="0"/>
-          </a:p>
-          <a:p>
-            <a:r>
-              <a:rPr lang="ru-RU" dirty="0" smtClean="0"/>
-              <a:t>Бумажные носители сканировать и вводить в систему как изображения;</a:t>
-            </a:r>
-          </a:p>
-          <a:p>
-            <a:r>
-              <a:rPr lang="ru-RU" dirty="0" smtClean="0"/>
-              <a:t>С новыми заказами работать схожим образом. </a:t>
-            </a:r>
-          </a:p>
-          <a:p>
-            <a:endParaRPr lang="ru-RU" dirty="0"/>
-          </a:p>
-        </p:txBody>
-      </p:sp>
-      <p:sp>
-        <p:nvSpPr>
-          <p:cNvPr id="4" name="Номер слайда 3"/>
-          <p:cNvSpPr>
-            <a:spLocks noGrp="1"/>
-          </p:cNvSpPr>
-          <p:nvPr>
-            <p:ph type="sldNum" sz="quarter" idx="12"/>
-          </p:nvPr>
-        </p:nvSpPr>
-        <p:spPr/>
-        <p:txBody>
-          <a:bodyPr/>
-          <a:lstStyle/>
-          <a:p>
-            <a:fld id="{0EC1B211-457E-4361-983F-013AFA25B34F}" type="slidenum">
-              <a:rPr lang="ru-RU" smtClean="0"/>
-              <a:pPr/>
-              <a:t>8</a:t>
-            </a:fld>
-            <a:endParaRPr lang="ru-RU"/>
-          </a:p>
-        </p:txBody>
-      </p:sp>
-    </p:spTree>
-  </p:cSld>
-  <p:clrMapOvr>
-    <a:masterClrMapping/>
-  </p:clrMapOvr>
-  <p:timing>
-    <p:tnLst>
-      <p:par>
-        <p:cTn id="1" dur="indefinite" restart="never" nodeType="tmRoot"/>
-      </p:par>
-    </p:tnLst>
-  </p:timing>
-</p:sld>
-</file>
-
-<file path=ppt/slides/slide9.xml><?xml version="1.0" encoding="utf-8"?>
 <p:sld xmlns:a="http://schemas.openxmlformats.org/drawingml/2006/main" xmlns:r="http://schemas.openxmlformats.org/officeDocument/2006/relationships" xmlns:p="http://schemas.openxmlformats.org/presentationml/2006/main">
   <p:cSld>
     <p:spTree>
@@ -10609,7 +9103,7 @@
             <a:fld id="{0EC1B211-457E-4361-983F-013AFA25B34F}" type="slidenum">
               <a:rPr lang="ru-RU" smtClean="0"/>
               <a:pPr/>
-              <a:t>9</a:t>
+              <a:t>11</a:t>
             </a:fld>
             <a:endParaRPr lang="ru-RU"/>
           </a:p>
@@ -10672,6 +9166,65 @@
               <a:t>Стало</a:t>
             </a:r>
             <a:endParaRPr lang="ru-RU" sz="2400" b="1" dirty="0"/>
+          </a:p>
+        </p:txBody>
+      </p:sp>
+      <p:sp>
+        <p:nvSpPr>
+          <p:cNvPr id="11" name="TextBox 10"/>
+          <p:cNvSpPr txBox="1"/>
+          <p:nvPr/>
+        </p:nvSpPr>
+        <p:spPr>
+          <a:xfrm>
+            <a:off x="1259632" y="4077072"/>
+            <a:ext cx="4032448" cy="2308324"/>
+          </a:xfrm>
+          <a:prstGeom prst="rect">
+            <a:avLst/>
+          </a:prstGeom>
+          <a:noFill/>
+        </p:spPr>
+        <p:txBody>
+          <a:bodyPr wrap="square" rtlCol="0">
+            <a:spAutoFit/>
+          </a:bodyPr>
+          <a:lstStyle/>
+          <a:p>
+            <a:r>
+              <a:rPr lang="ru-RU" dirty="0" smtClean="0"/>
+              <a:t>Эффект:</a:t>
+            </a:r>
+          </a:p>
+          <a:p>
+            <a:pPr>
+              <a:buFont typeface="Arial" pitchFamily="34" charset="0"/>
+              <a:buChar char="•"/>
+            </a:pPr>
+            <a:r>
+              <a:rPr lang="ru-RU" dirty="0" smtClean="0"/>
+              <a:t> Появилась возможность автоматической передачи данных между КИС</a:t>
+            </a:r>
+          </a:p>
+          <a:p>
+            <a:pPr>
+              <a:buFont typeface="Arial" pitchFamily="34" charset="0"/>
+              <a:buChar char="•"/>
+            </a:pPr>
+            <a:r>
+              <a:rPr lang="ru-RU" dirty="0" smtClean="0"/>
+              <a:t> Упростился процесс проектирования технологического маршрута</a:t>
+            </a:r>
+          </a:p>
+          <a:p>
+            <a:pPr>
+              <a:buFont typeface="Arial" pitchFamily="34" charset="0"/>
+              <a:buChar char="•"/>
+            </a:pPr>
+            <a:r>
+              <a:rPr lang="ru-RU" dirty="0" smtClean="0"/>
+              <a:t> Автоматизирован процесс генерации спецификации на изделие</a:t>
+            </a:r>
           </a:p>
         </p:txBody>
       </p:sp>
@@ -10687,6 +9240,3058 @@
       </p:par>
     </p:tnLst>
   </p:timing>
+</p:sld>
+</file>
+
+<file path=ppt/slides/slide12.xml><?xml version="1.0" encoding="utf-8"?>
+<p:sld xmlns:a="http://schemas.openxmlformats.org/drawingml/2006/main" xmlns:r="http://schemas.openxmlformats.org/officeDocument/2006/relationships" xmlns:p="http://schemas.openxmlformats.org/presentationml/2006/main">
+  <p:cSld>
+    <p:spTree>
+      <p:nvGrpSpPr>
+        <p:cNvPr id="1" name=""/>
+        <p:cNvGrpSpPr/>
+        <p:nvPr/>
+      </p:nvGrpSpPr>
+      <p:grpSpPr>
+        <a:xfrm>
+          <a:off x="0" y="0"/>
+          <a:ext cx="0" cy="0"/>
+          <a:chOff x="0" y="0"/>
+          <a:chExt cx="0" cy="0"/>
+        </a:xfrm>
+      </p:grpSpPr>
+      <p:sp>
+        <p:nvSpPr>
+          <p:cNvPr id="5" name="Заголовок 4"/>
+          <p:cNvSpPr>
+            <a:spLocks noGrp="1"/>
+          </p:cNvSpPr>
+          <p:nvPr>
+            <p:ph type="title"/>
+          </p:nvPr>
+        </p:nvSpPr>
+        <p:spPr/>
+        <p:txBody>
+          <a:bodyPr>
+            <a:normAutofit fontScale="90000"/>
+          </a:bodyPr>
+          <a:lstStyle/>
+          <a:p>
+            <a:r>
+              <a:rPr lang="ru-RU" dirty="0" smtClean="0"/>
+              <a:t>Проведение конструкторских изменений</a:t>
+            </a:r>
+            <a:endParaRPr lang="ru-RU" dirty="0"/>
+          </a:p>
+        </p:txBody>
+      </p:sp>
+      <p:sp>
+        <p:nvSpPr>
+          <p:cNvPr id="4" name="Номер слайда 3"/>
+          <p:cNvSpPr>
+            <a:spLocks noGrp="1"/>
+          </p:cNvSpPr>
+          <p:nvPr>
+            <p:ph type="sldNum" sz="quarter" idx="12"/>
+          </p:nvPr>
+        </p:nvSpPr>
+        <p:spPr/>
+        <p:txBody>
+          <a:bodyPr/>
+          <a:lstStyle/>
+          <a:p>
+            <a:fld id="{0EC1B211-457E-4361-983F-013AFA25B34F}" type="slidenum">
+              <a:rPr lang="ru-RU" smtClean="0"/>
+              <a:pPr/>
+              <a:t>12</a:t>
+            </a:fld>
+            <a:endParaRPr lang="ru-RU"/>
+          </a:p>
+        </p:txBody>
+      </p:sp>
+      <p:pic>
+        <p:nvPicPr>
+          <p:cNvPr id="1027" name="Picture 3"/>
+          <p:cNvPicPr>
+            <a:picLocks noChangeAspect="1" noChangeArrowheads="1"/>
+          </p:cNvPicPr>
+          <p:nvPr/>
+        </p:nvPicPr>
+        <p:blipFill>
+          <a:blip r:embed="rId3" cstate="print"/>
+          <a:srcRect/>
+          <a:stretch>
+            <a:fillRect/>
+          </a:stretch>
+        </p:blipFill>
+        <p:spPr bwMode="auto">
+          <a:xfrm>
+            <a:off x="1" y="1916832"/>
+            <a:ext cx="4471074" cy="3168352"/>
+          </a:xfrm>
+          <a:prstGeom prst="rect">
+            <a:avLst/>
+          </a:prstGeom>
+          <a:noFill/>
+          <a:ln w="9525">
+            <a:noFill/>
+            <a:miter lim="800000"/>
+            <a:headEnd/>
+            <a:tailEnd/>
+          </a:ln>
+        </p:spPr>
+      </p:pic>
+      <p:pic>
+        <p:nvPicPr>
+          <p:cNvPr id="1028" name="Picture 4"/>
+          <p:cNvPicPr>
+            <a:picLocks noChangeAspect="1" noChangeArrowheads="1"/>
+          </p:cNvPicPr>
+          <p:nvPr/>
+        </p:nvPicPr>
+        <p:blipFill>
+          <a:blip r:embed="rId4" cstate="print"/>
+          <a:srcRect/>
+          <a:stretch>
+            <a:fillRect/>
+          </a:stretch>
+        </p:blipFill>
+        <p:spPr bwMode="auto">
+          <a:xfrm>
+            <a:off x="4587795" y="2132856"/>
+            <a:ext cx="4556205" cy="2736304"/>
+          </a:xfrm>
+          <a:prstGeom prst="rect">
+            <a:avLst/>
+          </a:prstGeom>
+          <a:noFill/>
+          <a:ln w="9525">
+            <a:noFill/>
+            <a:miter lim="800000"/>
+            <a:headEnd/>
+            <a:tailEnd/>
+          </a:ln>
+        </p:spPr>
+      </p:pic>
+      <p:cxnSp>
+        <p:nvCxnSpPr>
+          <p:cNvPr id="12" name="Прямая соединительная линия 11"/>
+          <p:cNvCxnSpPr/>
+          <p:nvPr/>
+        </p:nvCxnSpPr>
+        <p:spPr>
+          <a:xfrm>
+            <a:off x="4572000" y="1628800"/>
+            <a:ext cx="0" cy="4824536"/>
+          </a:xfrm>
+          <a:prstGeom prst="line">
+            <a:avLst/>
+          </a:prstGeom>
+        </p:spPr>
+        <p:style>
+          <a:lnRef idx="1">
+            <a:schemeClr val="accent1"/>
+          </a:lnRef>
+          <a:fillRef idx="0">
+            <a:schemeClr val="accent1"/>
+          </a:fillRef>
+          <a:effectRef idx="0">
+            <a:schemeClr val="accent1"/>
+          </a:effectRef>
+          <a:fontRef idx="minor">
+            <a:schemeClr val="tx1"/>
+          </a:fontRef>
+        </p:style>
+      </p:cxnSp>
+      <p:sp>
+        <p:nvSpPr>
+          <p:cNvPr id="13" name="TextBox 12"/>
+          <p:cNvSpPr txBox="1"/>
+          <p:nvPr/>
+        </p:nvSpPr>
+        <p:spPr>
+          <a:xfrm>
+            <a:off x="1907704" y="1556792"/>
+            <a:ext cx="920445" cy="461665"/>
+          </a:xfrm>
+          <a:prstGeom prst="rect">
+            <a:avLst/>
+          </a:prstGeom>
+          <a:noFill/>
+        </p:spPr>
+        <p:txBody>
+          <a:bodyPr wrap="none" rtlCol="0">
+            <a:spAutoFit/>
+          </a:bodyPr>
+          <a:lstStyle/>
+          <a:p>
+            <a:r>
+              <a:rPr lang="ru-RU" sz="2400" b="1" dirty="0" smtClean="0"/>
+              <a:t>Было</a:t>
+            </a:r>
+            <a:endParaRPr lang="ru-RU" sz="2400" b="1" dirty="0"/>
+          </a:p>
+        </p:txBody>
+      </p:sp>
+      <p:sp>
+        <p:nvSpPr>
+          <p:cNvPr id="14" name="TextBox 13"/>
+          <p:cNvSpPr txBox="1"/>
+          <p:nvPr/>
+        </p:nvSpPr>
+        <p:spPr>
+          <a:xfrm>
+            <a:off x="6300192" y="1556792"/>
+            <a:ext cx="975973" cy="461665"/>
+          </a:xfrm>
+          <a:prstGeom prst="rect">
+            <a:avLst/>
+          </a:prstGeom>
+          <a:noFill/>
+        </p:spPr>
+        <p:txBody>
+          <a:bodyPr wrap="none" rtlCol="0">
+            <a:spAutoFit/>
+          </a:bodyPr>
+          <a:lstStyle/>
+          <a:p>
+            <a:r>
+              <a:rPr lang="ru-RU" sz="2400" b="1" dirty="0" smtClean="0"/>
+              <a:t>Стало</a:t>
+            </a:r>
+            <a:endParaRPr lang="ru-RU" sz="2400" b="1" dirty="0"/>
+          </a:p>
+        </p:txBody>
+      </p:sp>
+      <p:sp>
+        <p:nvSpPr>
+          <p:cNvPr id="9" name="TextBox 8"/>
+          <p:cNvSpPr txBox="1"/>
+          <p:nvPr/>
+        </p:nvSpPr>
+        <p:spPr>
+          <a:xfrm>
+            <a:off x="4716017" y="5085184"/>
+            <a:ext cx="3744416" cy="1600438"/>
+          </a:xfrm>
+          <a:prstGeom prst="rect">
+            <a:avLst/>
+          </a:prstGeom>
+          <a:noFill/>
+        </p:spPr>
+        <p:txBody>
+          <a:bodyPr wrap="square" rtlCol="0">
+            <a:spAutoFit/>
+          </a:bodyPr>
+          <a:lstStyle/>
+          <a:p>
+            <a:pPr lvl="0">
+              <a:buFont typeface="Arial" pitchFamily="34" charset="0"/>
+              <a:buChar char="•"/>
+            </a:pPr>
+            <a:r>
+              <a:rPr lang="ru-RU" sz="1600" dirty="0" smtClean="0"/>
+              <a:t> Упростился процесс внесения и отслеживания последующих изменений</a:t>
+            </a:r>
+          </a:p>
+          <a:p>
+            <a:pPr lvl="0">
+              <a:buFont typeface="Arial" pitchFamily="34" charset="0"/>
+              <a:buChar char="•"/>
+            </a:pPr>
+            <a:r>
+              <a:rPr lang="ru-RU" sz="1600" dirty="0" smtClean="0"/>
+              <a:t> Алгоритм отвечает требованиям ЕСКД</a:t>
+            </a:r>
+          </a:p>
+          <a:p>
+            <a:pPr lvl="0">
+              <a:buFont typeface="Arial" pitchFamily="34" charset="0"/>
+              <a:buChar char="•"/>
+            </a:pPr>
+            <a:r>
+              <a:rPr lang="ru-RU" sz="1600" dirty="0" smtClean="0"/>
+              <a:t> Несколько увеличилось время проведения изменения</a:t>
+            </a:r>
+          </a:p>
+          <a:p>
+            <a:endParaRPr lang="ru-RU" dirty="0"/>
+          </a:p>
+        </p:txBody>
+      </p:sp>
+      <p:sp>
+        <p:nvSpPr>
+          <p:cNvPr id="10" name="TextBox 9"/>
+          <p:cNvSpPr txBox="1"/>
+          <p:nvPr/>
+        </p:nvSpPr>
+        <p:spPr>
+          <a:xfrm>
+            <a:off x="1043608" y="5157192"/>
+            <a:ext cx="3528392" cy="1569660"/>
+          </a:xfrm>
+          <a:prstGeom prst="rect">
+            <a:avLst/>
+          </a:prstGeom>
+          <a:noFill/>
+        </p:spPr>
+        <p:txBody>
+          <a:bodyPr wrap="square" rtlCol="0">
+            <a:spAutoFit/>
+          </a:bodyPr>
+          <a:lstStyle/>
+          <a:p>
+            <a:pPr>
+              <a:buFont typeface="Arial" pitchFamily="34" charset="0"/>
+              <a:buChar char="•"/>
+            </a:pPr>
+            <a:r>
+              <a:rPr lang="ru-RU" sz="1600" dirty="0" smtClean="0"/>
+              <a:t> Не соответствует ЕСКД;</a:t>
+            </a:r>
+          </a:p>
+          <a:p>
+            <a:pPr>
+              <a:buFont typeface="Arial" pitchFamily="34" charset="0"/>
+              <a:buChar char="•"/>
+            </a:pPr>
+            <a:r>
+              <a:rPr lang="ru-RU" sz="1600" dirty="0" smtClean="0"/>
+              <a:t> Требуется организовать хранение печатных документов;</a:t>
+            </a:r>
+          </a:p>
+          <a:p>
+            <a:pPr>
+              <a:buFont typeface="Arial" pitchFamily="34" charset="0"/>
+              <a:buChar char="•"/>
+            </a:pPr>
+            <a:r>
+              <a:rPr lang="ru-RU" sz="1600" dirty="0" smtClean="0"/>
+              <a:t> Нет возможности присоединить документ к конкретному изменению изделия </a:t>
+            </a:r>
+            <a:endParaRPr lang="ru-RU" sz="1600" dirty="0"/>
+          </a:p>
+        </p:txBody>
+      </p:sp>
+    </p:spTree>
+  </p:cSld>
+  <p:clrMapOvr>
+    <a:masterClrMapping/>
+  </p:clrMapOvr>
+  <p:timing>
+    <p:tnLst>
+      <p:par>
+        <p:cTn id="1" dur="indefinite" restart="never" nodeType="tmRoot"/>
+      </p:par>
+    </p:tnLst>
+  </p:timing>
+</p:sld>
+</file>
+
+<file path=ppt/slides/slide13.xml><?xml version="1.0" encoding="utf-8"?>
+<p:sld xmlns:a="http://schemas.openxmlformats.org/drawingml/2006/main" xmlns:r="http://schemas.openxmlformats.org/officeDocument/2006/relationships" xmlns:p="http://schemas.openxmlformats.org/presentationml/2006/main">
+  <p:cSld>
+    <p:spTree>
+      <p:nvGrpSpPr>
+        <p:cNvPr id="1" name=""/>
+        <p:cNvGrpSpPr/>
+        <p:nvPr/>
+      </p:nvGrpSpPr>
+      <p:grpSpPr>
+        <a:xfrm>
+          <a:off x="0" y="0"/>
+          <a:ext cx="0" cy="0"/>
+          <a:chOff x="0" y="0"/>
+          <a:chExt cx="0" cy="0"/>
+        </a:xfrm>
+      </p:grpSpPr>
+      <p:sp>
+        <p:nvSpPr>
+          <p:cNvPr id="8" name="Заголовок 7"/>
+          <p:cNvSpPr>
+            <a:spLocks noGrp="1"/>
+          </p:cNvSpPr>
+          <p:nvPr>
+            <p:ph type="title"/>
+          </p:nvPr>
+        </p:nvSpPr>
+        <p:spPr/>
+        <p:txBody>
+          <a:bodyPr/>
+          <a:lstStyle/>
+          <a:p>
+            <a:r>
+              <a:rPr lang="ru-RU" dirty="0" smtClean="0"/>
+              <a:t>Система отчетов</a:t>
+            </a:r>
+            <a:endParaRPr lang="ru-RU" dirty="0"/>
+          </a:p>
+        </p:txBody>
+      </p:sp>
+      <p:sp>
+        <p:nvSpPr>
+          <p:cNvPr id="9" name="Содержимое 8"/>
+          <p:cNvSpPr>
+            <a:spLocks noGrp="1"/>
+          </p:cNvSpPr>
+          <p:nvPr>
+            <p:ph idx="1"/>
+          </p:nvPr>
+        </p:nvSpPr>
+        <p:spPr>
+          <a:xfrm>
+            <a:off x="1043608" y="1447800"/>
+            <a:ext cx="7890080" cy="5221560"/>
+          </a:xfrm>
+        </p:spPr>
+        <p:txBody>
+          <a:bodyPr>
+            <a:normAutofit fontScale="55000" lnSpcReduction="20000"/>
+          </a:bodyPr>
+          <a:lstStyle/>
+          <a:p>
+            <a:pPr>
+              <a:spcBef>
+                <a:spcPts val="1200"/>
+              </a:spcBef>
+              <a:buNone/>
+            </a:pPr>
+            <a:r>
+              <a:rPr lang="ru-RU" sz="3100" dirty="0" smtClean="0"/>
+              <a:t>	Основная часть сопроводительной документации создаётся посредством конструктора запросов, либо уже предоставляется по умолчанию.</a:t>
+            </a:r>
+          </a:p>
+          <a:p>
+            <a:pPr>
+              <a:spcBef>
+                <a:spcPts val="1200"/>
+              </a:spcBef>
+              <a:buNone/>
+            </a:pPr>
+            <a:r>
+              <a:rPr lang="ru-RU" sz="3100" dirty="0" smtClean="0"/>
+              <a:t>	Для организации внутреннего документооборота требуются </a:t>
+            </a:r>
+            <a:r>
+              <a:rPr lang="ru-RU" dirty="0" smtClean="0"/>
+              <a:t>следующие отчеты в печатном виде:</a:t>
+            </a:r>
+          </a:p>
+          <a:p>
+            <a:r>
+              <a:rPr lang="ru-RU" dirty="0" smtClean="0"/>
+              <a:t>Ведомость покупных;</a:t>
+            </a:r>
+          </a:p>
+          <a:p>
+            <a:r>
+              <a:rPr lang="ru-RU" dirty="0" smtClean="0"/>
+              <a:t>Ведомость применяемости;</a:t>
+            </a:r>
+          </a:p>
+          <a:p>
+            <a:r>
+              <a:rPr lang="ru-RU" dirty="0" smtClean="0"/>
+              <a:t>Картотека трудового нормирования;</a:t>
+            </a:r>
+          </a:p>
+          <a:p>
+            <a:r>
+              <a:rPr lang="ru-RU" dirty="0" smtClean="0"/>
+              <a:t>Картотека планирования.</a:t>
+            </a:r>
+          </a:p>
+          <a:p>
+            <a:pPr marL="360000">
+              <a:spcBef>
+                <a:spcPts val="1200"/>
+              </a:spcBef>
+              <a:buNone/>
+            </a:pPr>
+            <a:r>
+              <a:rPr lang="ru-RU" dirty="0" smtClean="0"/>
+              <a:t>	Основные требования в ТЗ:</a:t>
+            </a:r>
+          </a:p>
+          <a:p>
+            <a:r>
+              <a:rPr lang="ru-RU" sz="3100" dirty="0" smtClean="0"/>
+              <a:t>Создание на основе данных только из </a:t>
+            </a:r>
+            <a:r>
+              <a:rPr lang="en-US" sz="3100" dirty="0" smtClean="0"/>
+              <a:t>Windchill</a:t>
+            </a:r>
+            <a:r>
+              <a:rPr lang="ru-RU" sz="3100" dirty="0" smtClean="0"/>
+              <a:t>;</a:t>
+            </a:r>
+          </a:p>
+          <a:p>
+            <a:r>
+              <a:rPr lang="ru-RU" sz="3100" dirty="0" smtClean="0"/>
+              <a:t>Возможность просмотра и изменения в электронном виде;</a:t>
+            </a:r>
+          </a:p>
+          <a:p>
+            <a:r>
+              <a:rPr lang="ru-RU" sz="3100" dirty="0" smtClean="0"/>
+              <a:t>Соответствие </a:t>
+            </a:r>
+            <a:r>
+              <a:rPr lang="ru-RU" dirty="0" smtClean="0"/>
+              <a:t>печатных форм нормам ЕСКД.</a:t>
+            </a:r>
+          </a:p>
+          <a:p>
+            <a:endParaRPr lang="ru-RU" dirty="0" smtClean="0"/>
+          </a:p>
+          <a:p>
+            <a:pPr>
+              <a:buNone/>
+            </a:pPr>
+            <a:r>
+              <a:rPr lang="ru-RU" dirty="0" smtClean="0"/>
+              <a:t>	Эффект:</a:t>
+            </a:r>
+          </a:p>
+          <a:p>
+            <a:pPr>
+              <a:buNone/>
+            </a:pPr>
+            <a:r>
+              <a:rPr lang="ru-RU" dirty="0" smtClean="0"/>
+              <a:t>	1. Все необходимые отчеты по жизненному циклу изделия автоматически генерируется непосредственно из СУЖЦ</a:t>
+            </a:r>
+          </a:p>
+          <a:p>
+            <a:pPr>
+              <a:buNone/>
+            </a:pPr>
+            <a:r>
+              <a:rPr lang="ru-RU" dirty="0" smtClean="0"/>
+              <a:t>	2. Вся сопроводительная документация приведена в соответствие с ГОСТ на ЕСКД. </a:t>
+            </a:r>
+          </a:p>
+          <a:p>
+            <a:pPr>
+              <a:buNone/>
+            </a:pPr>
+            <a:endParaRPr lang="ru-RU" dirty="0" smtClean="0"/>
+          </a:p>
+        </p:txBody>
+      </p:sp>
+      <p:sp>
+        <p:nvSpPr>
+          <p:cNvPr id="5" name="Номер слайда 4"/>
+          <p:cNvSpPr>
+            <a:spLocks noGrp="1"/>
+          </p:cNvSpPr>
+          <p:nvPr>
+            <p:ph type="sldNum" sz="quarter" idx="12"/>
+          </p:nvPr>
+        </p:nvSpPr>
+        <p:spPr/>
+        <p:txBody>
+          <a:bodyPr/>
+          <a:lstStyle/>
+          <a:p>
+            <a:fld id="{0EC1B211-457E-4361-983F-013AFA25B34F}" type="slidenum">
+              <a:rPr lang="ru-RU" smtClean="0"/>
+              <a:pPr/>
+              <a:t>13</a:t>
+            </a:fld>
+            <a:endParaRPr lang="ru-RU"/>
+          </a:p>
+        </p:txBody>
+      </p:sp>
+    </p:spTree>
+  </p:cSld>
+  <p:clrMapOvr>
+    <a:masterClrMapping/>
+  </p:clrMapOvr>
+</p:sld>
+</file>
+
+<file path=ppt/slides/slide14.xml><?xml version="1.0" encoding="utf-8"?>
+<p:sld xmlns:a="http://schemas.openxmlformats.org/drawingml/2006/main" xmlns:r="http://schemas.openxmlformats.org/officeDocument/2006/relationships" xmlns:p="http://schemas.openxmlformats.org/presentationml/2006/main">
+  <p:cSld>
+    <p:spTree>
+      <p:nvGrpSpPr>
+        <p:cNvPr id="1" name=""/>
+        <p:cNvGrpSpPr/>
+        <p:nvPr/>
+      </p:nvGrpSpPr>
+      <p:grpSpPr>
+        <a:xfrm>
+          <a:off x="0" y="0"/>
+          <a:ext cx="0" cy="0"/>
+          <a:chOff x="0" y="0"/>
+          <a:chExt cx="0" cy="0"/>
+        </a:xfrm>
+      </p:grpSpPr>
+      <p:sp>
+        <p:nvSpPr>
+          <p:cNvPr id="2" name="Заголовок 1"/>
+          <p:cNvSpPr>
+            <a:spLocks noGrp="1"/>
+          </p:cNvSpPr>
+          <p:nvPr>
+            <p:ph type="title"/>
+          </p:nvPr>
+        </p:nvSpPr>
+        <p:spPr>
+          <a:xfrm>
+            <a:off x="1043608" y="274638"/>
+            <a:ext cx="8100392" cy="1143000"/>
+          </a:xfrm>
+        </p:spPr>
+        <p:txBody>
+          <a:bodyPr>
+            <a:normAutofit fontScale="90000"/>
+          </a:bodyPr>
+          <a:lstStyle/>
+          <a:p>
+            <a:r>
+              <a:rPr lang="ru-RU" dirty="0" smtClean="0"/>
+              <a:t>Синхронизация данных в различных информационных системах</a:t>
+            </a:r>
+            <a:endParaRPr lang="ru-RU" dirty="0"/>
+          </a:p>
+        </p:txBody>
+      </p:sp>
+      <p:pic>
+        <p:nvPicPr>
+          <p:cNvPr id="1026" name="Picture 2"/>
+          <p:cNvPicPr>
+            <a:picLocks noGrp="1" noChangeAspect="1" noChangeArrowheads="1"/>
+          </p:cNvPicPr>
+          <p:nvPr>
+            <p:ph idx="1"/>
+          </p:nvPr>
+        </p:nvPicPr>
+        <p:blipFill>
+          <a:blip r:embed="rId2" cstate="print"/>
+          <a:stretch>
+            <a:fillRect/>
+          </a:stretch>
+        </p:blipFill>
+        <p:spPr bwMode="auto">
+          <a:xfrm>
+            <a:off x="1187624" y="1556792"/>
+            <a:ext cx="7499350" cy="4114617"/>
+          </a:xfrm>
+          <a:prstGeom prst="rect">
+            <a:avLst/>
+          </a:prstGeom>
+          <a:noFill/>
+          <a:ln w="9525">
+            <a:noFill/>
+            <a:miter lim="800000"/>
+            <a:headEnd/>
+            <a:tailEnd/>
+          </a:ln>
+        </p:spPr>
+      </p:pic>
+      <p:sp>
+        <p:nvSpPr>
+          <p:cNvPr id="4" name="Номер слайда 3"/>
+          <p:cNvSpPr>
+            <a:spLocks noGrp="1"/>
+          </p:cNvSpPr>
+          <p:nvPr>
+            <p:ph type="sldNum" sz="quarter" idx="12"/>
+          </p:nvPr>
+        </p:nvSpPr>
+        <p:spPr/>
+        <p:txBody>
+          <a:bodyPr/>
+          <a:lstStyle/>
+          <a:p>
+            <a:fld id="{0EC1B211-457E-4361-983F-013AFA25B34F}" type="slidenum">
+              <a:rPr lang="ru-RU" smtClean="0"/>
+              <a:pPr/>
+              <a:t>14</a:t>
+            </a:fld>
+            <a:endParaRPr lang="ru-RU"/>
+          </a:p>
+        </p:txBody>
+      </p:sp>
+      <p:sp>
+        <p:nvSpPr>
+          <p:cNvPr id="5" name="TextBox 4"/>
+          <p:cNvSpPr txBox="1"/>
+          <p:nvPr/>
+        </p:nvSpPr>
+        <p:spPr>
+          <a:xfrm>
+            <a:off x="1259632" y="5657671"/>
+            <a:ext cx="7560840" cy="923330"/>
+          </a:xfrm>
+          <a:prstGeom prst="rect">
+            <a:avLst/>
+          </a:prstGeom>
+          <a:noFill/>
+        </p:spPr>
+        <p:txBody>
+          <a:bodyPr wrap="square" rtlCol="0">
+            <a:spAutoFit/>
+          </a:bodyPr>
+          <a:lstStyle/>
+          <a:p>
+            <a:r>
+              <a:rPr lang="ru-RU" dirty="0" smtClean="0"/>
+              <a:t>Эффект:</a:t>
+            </a:r>
+          </a:p>
+          <a:p>
+            <a:r>
+              <a:rPr lang="ru-RU" dirty="0" smtClean="0"/>
+              <a:t>Данные во всех КИС предприятия синхронизированы, при генерации отчетов не будут возникать ошибки и неоднозначности.</a:t>
+            </a:r>
+            <a:endParaRPr lang="ru-RU" dirty="0"/>
+          </a:p>
+        </p:txBody>
+      </p:sp>
+    </p:spTree>
+  </p:cSld>
+  <p:clrMapOvr>
+    <a:masterClrMapping/>
+  </p:clrMapOvr>
+  <p:timing>
+    <p:tnLst>
+      <p:par>
+        <p:cTn id="1" dur="indefinite" restart="never" nodeType="tmRoot"/>
+      </p:par>
+    </p:tnLst>
+  </p:timing>
+</p:sld>
+</file>
+
+<file path=ppt/slides/slide15.xml><?xml version="1.0" encoding="utf-8"?>
+<p:sld xmlns:a="http://schemas.openxmlformats.org/drawingml/2006/main" xmlns:r="http://schemas.openxmlformats.org/officeDocument/2006/relationships" xmlns:p="http://schemas.openxmlformats.org/presentationml/2006/main">
+  <p:cSld>
+    <p:spTree>
+      <p:nvGrpSpPr>
+        <p:cNvPr id="1" name=""/>
+        <p:cNvGrpSpPr/>
+        <p:nvPr/>
+      </p:nvGrpSpPr>
+      <p:grpSpPr>
+        <a:xfrm>
+          <a:off x="0" y="0"/>
+          <a:ext cx="0" cy="0"/>
+          <a:chOff x="0" y="0"/>
+          <a:chExt cx="0" cy="0"/>
+        </a:xfrm>
+      </p:grpSpPr>
+      <p:sp>
+        <p:nvSpPr>
+          <p:cNvPr id="2" name="Заголовок 1"/>
+          <p:cNvSpPr>
+            <a:spLocks noGrp="1"/>
+          </p:cNvSpPr>
+          <p:nvPr>
+            <p:ph type="title"/>
+          </p:nvPr>
+        </p:nvSpPr>
+        <p:spPr/>
+        <p:txBody>
+          <a:bodyPr>
+            <a:normAutofit fontScale="90000"/>
+          </a:bodyPr>
+          <a:lstStyle/>
+          <a:p>
+            <a:r>
+              <a:rPr lang="ru-RU" dirty="0" smtClean="0"/>
+              <a:t>Экономическая эффективность</a:t>
+            </a:r>
+            <a:endParaRPr lang="ru-RU" dirty="0"/>
+          </a:p>
+        </p:txBody>
+      </p:sp>
+      <p:graphicFrame>
+        <p:nvGraphicFramePr>
+          <p:cNvPr id="5" name="Содержимое 4"/>
+          <p:cNvGraphicFramePr>
+            <a:graphicFrameLocks noGrp="1"/>
+          </p:cNvGraphicFramePr>
+          <p:nvPr>
+            <p:ph idx="1"/>
+          </p:nvPr>
+        </p:nvGraphicFramePr>
+        <p:xfrm>
+          <a:off x="1043608" y="1556793"/>
+          <a:ext cx="7776864" cy="3209740"/>
+        </p:xfrm>
+        <a:graphic>
+          <a:graphicData uri="http://schemas.openxmlformats.org/drawingml/2006/table">
+            <a:tbl>
+              <a:tblPr firstRow="1">
+                <a:tableStyleId>{B301B821-A1FF-4177-AEE7-76D212191A09}</a:tableStyleId>
+              </a:tblPr>
+              <a:tblGrid>
+                <a:gridCol w="5400600"/>
+                <a:gridCol w="1152128"/>
+                <a:gridCol w="1224136"/>
+              </a:tblGrid>
+              <a:tr h="236279">
+                <a:tc>
+                  <a:txBody>
+                    <a:bodyPr/>
+                    <a:lstStyle/>
+                    <a:p>
+                      <a:pPr marL="0" indent="0" algn="ctr">
+                        <a:lnSpc>
+                          <a:spcPct val="150000"/>
+                        </a:lnSpc>
+                        <a:spcAft>
+                          <a:spcPts val="0"/>
+                        </a:spcAft>
+                      </a:pPr>
+                      <a:r>
+                        <a:rPr lang="ru-RU" sz="1400" dirty="0"/>
+                        <a:t>Показатель эффективности</a:t>
+                      </a:r>
+                      <a:endParaRPr lang="ru-RU" sz="1400" dirty="0">
+                        <a:latin typeface="Times New Roman"/>
+                        <a:ea typeface="Calibri"/>
+                      </a:endParaRPr>
+                    </a:p>
+                  </a:txBody>
+                  <a:tcPr marL="68580" marR="68580" marT="0" marB="0" anchor="ctr"/>
+                </a:tc>
+                <a:tc>
+                  <a:txBody>
+                    <a:bodyPr/>
+                    <a:lstStyle/>
+                    <a:p>
+                      <a:pPr marL="0" indent="0" algn="ctr">
+                        <a:lnSpc>
+                          <a:spcPct val="150000"/>
+                        </a:lnSpc>
+                        <a:spcAft>
+                          <a:spcPts val="0"/>
+                        </a:spcAft>
+                      </a:pPr>
+                      <a:r>
+                        <a:rPr lang="ru-RU" sz="1400" dirty="0"/>
+                        <a:t>AS-IS</a:t>
+                      </a:r>
+                      <a:endParaRPr lang="ru-RU" sz="1400" dirty="0">
+                        <a:latin typeface="Times New Roman"/>
+                        <a:ea typeface="Calibri"/>
+                      </a:endParaRPr>
+                    </a:p>
+                  </a:txBody>
+                  <a:tcPr marL="68580" marR="68580" marT="0" marB="0" anchor="ctr"/>
+                </a:tc>
+                <a:tc>
+                  <a:txBody>
+                    <a:bodyPr/>
+                    <a:lstStyle/>
+                    <a:p>
+                      <a:pPr marL="0" indent="0" algn="ctr">
+                        <a:lnSpc>
+                          <a:spcPct val="150000"/>
+                        </a:lnSpc>
+                        <a:spcAft>
+                          <a:spcPts val="0"/>
+                        </a:spcAft>
+                      </a:pPr>
+                      <a:r>
+                        <a:rPr lang="ru-RU" sz="1400" dirty="0" smtClean="0"/>
+                        <a:t>TO</a:t>
+                      </a:r>
+                      <a:r>
+                        <a:rPr lang="ru-RU" sz="1400" baseline="0" dirty="0" smtClean="0"/>
+                        <a:t> </a:t>
+                      </a:r>
+                      <a:r>
+                        <a:rPr lang="ru-RU" sz="1400" dirty="0" smtClean="0"/>
+                        <a:t>BE</a:t>
+                      </a:r>
+                      <a:endParaRPr lang="ru-RU" sz="1400" dirty="0">
+                        <a:latin typeface="Times New Roman"/>
+                        <a:ea typeface="Calibri"/>
+                      </a:endParaRPr>
+                    </a:p>
+                  </a:txBody>
+                  <a:tcPr marL="68580" marR="68580" marT="0" marB="0" anchor="ctr"/>
+                </a:tc>
+              </a:tr>
+              <a:tr h="385916">
+                <a:tc>
+                  <a:txBody>
+                    <a:bodyPr/>
+                    <a:lstStyle/>
+                    <a:p>
+                      <a:pPr marL="0" indent="0" algn="l">
+                        <a:lnSpc>
+                          <a:spcPct val="150000"/>
+                        </a:lnSpc>
+                        <a:spcAft>
+                          <a:spcPts val="0"/>
+                        </a:spcAft>
+                      </a:pPr>
+                      <a:r>
+                        <a:rPr lang="ru-RU" sz="1400" dirty="0"/>
+                        <a:t>Среднее количество введенных в производство изделий в год (шт.)</a:t>
+                      </a:r>
+                      <a:endParaRPr lang="ru-RU" sz="1400" dirty="0">
+                        <a:latin typeface="Times New Roman"/>
+                        <a:ea typeface="Calibri"/>
+                      </a:endParaRPr>
+                    </a:p>
+                  </a:txBody>
+                  <a:tcPr marL="68580" marR="68580" marT="0" marB="0"/>
+                </a:tc>
+                <a:tc>
+                  <a:txBody>
+                    <a:bodyPr/>
+                    <a:lstStyle/>
+                    <a:p>
+                      <a:pPr marL="0" indent="0" algn="ctr">
+                        <a:lnSpc>
+                          <a:spcPct val="150000"/>
+                        </a:lnSpc>
+                        <a:spcAft>
+                          <a:spcPts val="0"/>
+                        </a:spcAft>
+                      </a:pPr>
+                      <a:r>
+                        <a:rPr lang="ru-RU" sz="1400" dirty="0"/>
+                        <a:t>5</a:t>
+                      </a:r>
+                      <a:endParaRPr lang="ru-RU" sz="1400" dirty="0">
+                        <a:latin typeface="Times New Roman"/>
+                        <a:ea typeface="Calibri"/>
+                      </a:endParaRPr>
+                    </a:p>
+                  </a:txBody>
+                  <a:tcPr marL="68580" marR="68580" marT="0" marB="0"/>
+                </a:tc>
+                <a:tc>
+                  <a:txBody>
+                    <a:bodyPr/>
+                    <a:lstStyle/>
+                    <a:p>
+                      <a:pPr marL="0" indent="0" algn="ctr">
+                        <a:lnSpc>
+                          <a:spcPct val="150000"/>
+                        </a:lnSpc>
+                        <a:spcAft>
+                          <a:spcPts val="0"/>
+                        </a:spcAft>
+                      </a:pPr>
+                      <a:r>
+                        <a:rPr lang="ru-RU" sz="1400" dirty="0"/>
+                        <a:t>7</a:t>
+                      </a:r>
+                      <a:endParaRPr lang="ru-RU" sz="1400" dirty="0">
+                        <a:latin typeface="Times New Roman"/>
+                        <a:ea typeface="Calibri"/>
+                      </a:endParaRPr>
+                    </a:p>
+                  </a:txBody>
+                  <a:tcPr marL="68580" marR="68580" marT="0" marB="0"/>
+                </a:tc>
+              </a:tr>
+              <a:tr h="385916">
+                <a:tc>
+                  <a:txBody>
+                    <a:bodyPr/>
+                    <a:lstStyle/>
+                    <a:p>
+                      <a:pPr marL="0" indent="0" algn="l">
+                        <a:lnSpc>
+                          <a:spcPct val="150000"/>
+                        </a:lnSpc>
+                        <a:spcAft>
+                          <a:spcPts val="0"/>
+                        </a:spcAft>
+                      </a:pPr>
+                      <a:r>
+                        <a:rPr lang="ru-RU" sz="1400" dirty="0"/>
+                        <a:t>Среднее количество завершенных (отчужденных) заказов в год (шт.)</a:t>
+                      </a:r>
+                      <a:endParaRPr lang="ru-RU" sz="1400" dirty="0">
+                        <a:latin typeface="Times New Roman"/>
+                        <a:ea typeface="Calibri"/>
+                      </a:endParaRPr>
+                    </a:p>
+                  </a:txBody>
+                  <a:tcPr marL="68580" marR="68580" marT="0" marB="0"/>
+                </a:tc>
+                <a:tc>
+                  <a:txBody>
+                    <a:bodyPr/>
+                    <a:lstStyle/>
+                    <a:p>
+                      <a:pPr marL="0" indent="0" algn="ctr">
+                        <a:lnSpc>
+                          <a:spcPct val="150000"/>
+                        </a:lnSpc>
+                        <a:spcAft>
+                          <a:spcPts val="0"/>
+                        </a:spcAft>
+                      </a:pPr>
+                      <a:r>
+                        <a:rPr lang="ru-RU" sz="1400" dirty="0"/>
+                        <a:t>3</a:t>
+                      </a:r>
+                      <a:endParaRPr lang="ru-RU" sz="1400" dirty="0">
+                        <a:latin typeface="Times New Roman"/>
+                        <a:ea typeface="Calibri"/>
+                      </a:endParaRPr>
+                    </a:p>
+                  </a:txBody>
+                  <a:tcPr marL="68580" marR="68580" marT="0" marB="0"/>
+                </a:tc>
+                <a:tc>
+                  <a:txBody>
+                    <a:bodyPr/>
+                    <a:lstStyle/>
+                    <a:p>
+                      <a:pPr marL="0" indent="0" algn="ctr">
+                        <a:lnSpc>
+                          <a:spcPct val="150000"/>
+                        </a:lnSpc>
+                        <a:spcAft>
+                          <a:spcPts val="0"/>
+                        </a:spcAft>
+                      </a:pPr>
+                      <a:r>
+                        <a:rPr lang="ru-RU" sz="1400" dirty="0"/>
+                        <a:t>4</a:t>
+                      </a:r>
+                      <a:endParaRPr lang="ru-RU" sz="1400" dirty="0">
+                        <a:latin typeface="Times New Roman"/>
+                        <a:ea typeface="Calibri"/>
+                      </a:endParaRPr>
+                    </a:p>
+                  </a:txBody>
+                  <a:tcPr marL="68580" marR="68580" marT="0" marB="0"/>
+                </a:tc>
+              </a:tr>
+              <a:tr h="589774">
+                <a:tc>
+                  <a:txBody>
+                    <a:bodyPr/>
+                    <a:lstStyle/>
+                    <a:p>
+                      <a:pPr marL="0" indent="0" algn="l">
+                        <a:lnSpc>
+                          <a:spcPct val="150000"/>
+                        </a:lnSpc>
+                        <a:spcAft>
+                          <a:spcPts val="0"/>
+                        </a:spcAft>
+                      </a:pPr>
+                      <a:r>
+                        <a:rPr lang="ru-RU" sz="1400" dirty="0"/>
+                        <a:t>Качественные показатели продукции (% отказа во время гарантированного срока эксплуатации)</a:t>
+                      </a:r>
+                      <a:endParaRPr lang="ru-RU" sz="1400" dirty="0">
+                        <a:latin typeface="Times New Roman"/>
+                        <a:ea typeface="Calibri"/>
+                      </a:endParaRPr>
+                    </a:p>
+                  </a:txBody>
+                  <a:tcPr marL="68580" marR="68580" marT="0" marB="0"/>
+                </a:tc>
+                <a:tc>
+                  <a:txBody>
+                    <a:bodyPr/>
+                    <a:lstStyle/>
+                    <a:p>
+                      <a:pPr marL="0" indent="0" algn="ctr">
+                        <a:lnSpc>
+                          <a:spcPct val="150000"/>
+                        </a:lnSpc>
+                        <a:spcAft>
+                          <a:spcPts val="0"/>
+                        </a:spcAft>
+                      </a:pPr>
+                      <a:r>
+                        <a:rPr lang="ru-RU" sz="1400" dirty="0"/>
+                        <a:t>0,4</a:t>
+                      </a:r>
+                      <a:endParaRPr lang="ru-RU" sz="1400" dirty="0">
+                        <a:latin typeface="Times New Roman"/>
+                        <a:ea typeface="Calibri"/>
+                      </a:endParaRPr>
+                    </a:p>
+                  </a:txBody>
+                  <a:tcPr marL="68580" marR="68580" marT="0" marB="0"/>
+                </a:tc>
+                <a:tc>
+                  <a:txBody>
+                    <a:bodyPr/>
+                    <a:lstStyle/>
+                    <a:p>
+                      <a:pPr marL="0" indent="0" algn="ctr">
+                        <a:lnSpc>
+                          <a:spcPct val="150000"/>
+                        </a:lnSpc>
+                        <a:spcAft>
+                          <a:spcPts val="0"/>
+                        </a:spcAft>
+                      </a:pPr>
+                      <a:r>
+                        <a:rPr lang="ru-RU" sz="1400" dirty="0"/>
+                        <a:t>0,25</a:t>
+                      </a:r>
+                      <a:endParaRPr lang="ru-RU" sz="1400" dirty="0">
+                        <a:latin typeface="Times New Roman"/>
+                        <a:ea typeface="Calibri"/>
+                      </a:endParaRPr>
+                    </a:p>
+                  </a:txBody>
+                  <a:tcPr marL="68580" marR="68580" marT="0" marB="0"/>
+                </a:tc>
+              </a:tr>
+              <a:tr h="385916">
+                <a:tc>
+                  <a:txBody>
+                    <a:bodyPr/>
+                    <a:lstStyle/>
+                    <a:p>
+                      <a:pPr marL="0" indent="0" algn="l">
+                        <a:lnSpc>
+                          <a:spcPct val="150000"/>
+                        </a:lnSpc>
+                        <a:spcAft>
+                          <a:spcPts val="0"/>
+                        </a:spcAft>
+                      </a:pPr>
+                      <a:r>
+                        <a:rPr lang="ru-RU" sz="1400" dirty="0"/>
+                        <a:t>Среднее время освоения производства изделия (мес.)</a:t>
+                      </a:r>
+                      <a:endParaRPr lang="ru-RU" sz="1400" dirty="0">
+                        <a:latin typeface="Times New Roman"/>
+                        <a:ea typeface="Calibri"/>
+                      </a:endParaRPr>
+                    </a:p>
+                  </a:txBody>
+                  <a:tcPr marL="68580" marR="68580" marT="0" marB="0"/>
+                </a:tc>
+                <a:tc>
+                  <a:txBody>
+                    <a:bodyPr/>
+                    <a:lstStyle/>
+                    <a:p>
+                      <a:pPr marL="0" indent="0" algn="ctr">
+                        <a:lnSpc>
+                          <a:spcPct val="150000"/>
+                        </a:lnSpc>
+                        <a:spcAft>
+                          <a:spcPts val="0"/>
+                        </a:spcAft>
+                      </a:pPr>
+                      <a:r>
+                        <a:rPr lang="ru-RU" sz="1400" dirty="0"/>
+                        <a:t>18</a:t>
+                      </a:r>
+                      <a:endParaRPr lang="ru-RU" sz="1400" dirty="0">
+                        <a:latin typeface="Times New Roman"/>
+                        <a:ea typeface="Calibri"/>
+                      </a:endParaRPr>
+                    </a:p>
+                  </a:txBody>
+                  <a:tcPr marL="68580" marR="68580" marT="0" marB="0"/>
+                </a:tc>
+                <a:tc>
+                  <a:txBody>
+                    <a:bodyPr/>
+                    <a:lstStyle/>
+                    <a:p>
+                      <a:pPr marL="0" indent="0" algn="ctr">
+                        <a:lnSpc>
+                          <a:spcPct val="150000"/>
+                        </a:lnSpc>
+                        <a:spcAft>
+                          <a:spcPts val="0"/>
+                        </a:spcAft>
+                      </a:pPr>
+                      <a:r>
+                        <a:rPr lang="ru-RU" sz="1400" dirty="0"/>
+                        <a:t>15</a:t>
+                      </a:r>
+                      <a:endParaRPr lang="ru-RU" sz="1400" dirty="0">
+                        <a:latin typeface="Times New Roman"/>
+                        <a:ea typeface="Calibri"/>
+                      </a:endParaRPr>
+                    </a:p>
+                  </a:txBody>
+                  <a:tcPr marL="68580" marR="68580" marT="0" marB="0"/>
+                </a:tc>
+              </a:tr>
+              <a:tr h="385916">
+                <a:tc>
+                  <a:txBody>
+                    <a:bodyPr/>
+                    <a:lstStyle/>
+                    <a:p>
+                      <a:pPr marL="0" indent="0" algn="l">
+                        <a:lnSpc>
+                          <a:spcPct val="150000"/>
+                        </a:lnSpc>
+                        <a:spcAft>
+                          <a:spcPts val="0"/>
+                        </a:spcAft>
+                      </a:pPr>
+                      <a:r>
+                        <a:rPr lang="ru-RU" sz="1400" dirty="0"/>
+                        <a:t>Количество использованных пачек бумаги А4 на заказ (шт.)</a:t>
+                      </a:r>
+                      <a:endParaRPr lang="ru-RU" sz="1400" dirty="0">
+                        <a:latin typeface="Times New Roman"/>
+                        <a:ea typeface="Calibri"/>
+                      </a:endParaRPr>
+                    </a:p>
+                  </a:txBody>
+                  <a:tcPr marL="68580" marR="68580" marT="0" marB="0"/>
+                </a:tc>
+                <a:tc>
+                  <a:txBody>
+                    <a:bodyPr/>
+                    <a:lstStyle/>
+                    <a:p>
+                      <a:pPr marL="0" indent="0" algn="ctr">
+                        <a:lnSpc>
+                          <a:spcPct val="150000"/>
+                        </a:lnSpc>
+                        <a:spcAft>
+                          <a:spcPts val="0"/>
+                        </a:spcAft>
+                      </a:pPr>
+                      <a:r>
+                        <a:rPr lang="ru-RU" sz="1400" dirty="0"/>
+                        <a:t>60</a:t>
+                      </a:r>
+                      <a:endParaRPr lang="ru-RU" sz="1400" dirty="0">
+                        <a:latin typeface="Times New Roman"/>
+                        <a:ea typeface="Calibri"/>
+                      </a:endParaRPr>
+                    </a:p>
+                  </a:txBody>
+                  <a:tcPr marL="68580" marR="68580" marT="0" marB="0"/>
+                </a:tc>
+                <a:tc>
+                  <a:txBody>
+                    <a:bodyPr/>
+                    <a:lstStyle/>
+                    <a:p>
+                      <a:pPr marL="0" indent="0" algn="ctr">
+                        <a:lnSpc>
+                          <a:spcPct val="150000"/>
+                        </a:lnSpc>
+                        <a:spcAft>
+                          <a:spcPts val="0"/>
+                        </a:spcAft>
+                      </a:pPr>
+                      <a:r>
+                        <a:rPr lang="ru-RU" sz="1400" dirty="0"/>
+                        <a:t>36</a:t>
+                      </a:r>
+                      <a:endParaRPr lang="ru-RU" sz="1400" dirty="0">
+                        <a:latin typeface="Times New Roman"/>
+                        <a:ea typeface="Calibri"/>
+                      </a:endParaRPr>
+                    </a:p>
+                  </a:txBody>
+                  <a:tcPr marL="68580" marR="68580" marT="0" marB="0"/>
+                </a:tc>
+              </a:tr>
+              <a:tr h="385916">
+                <a:tc>
+                  <a:txBody>
+                    <a:bodyPr/>
+                    <a:lstStyle/>
+                    <a:p>
+                      <a:pPr marL="0" indent="0" algn="l">
+                        <a:lnSpc>
+                          <a:spcPct val="150000"/>
+                        </a:lnSpc>
+                        <a:spcAft>
+                          <a:spcPts val="0"/>
+                        </a:spcAft>
+                      </a:pPr>
+                      <a:r>
+                        <a:rPr lang="ru-RU" sz="1400" dirty="0"/>
+                        <a:t>Количество рулонов бумаги для широкоформатной печати (шт.)</a:t>
+                      </a:r>
+                      <a:endParaRPr lang="ru-RU" sz="1400" dirty="0">
+                        <a:latin typeface="Times New Roman"/>
+                        <a:ea typeface="Calibri"/>
+                      </a:endParaRPr>
+                    </a:p>
+                  </a:txBody>
+                  <a:tcPr marL="68580" marR="68580" marT="0" marB="0"/>
+                </a:tc>
+                <a:tc>
+                  <a:txBody>
+                    <a:bodyPr/>
+                    <a:lstStyle/>
+                    <a:p>
+                      <a:pPr marL="0" indent="0" algn="ctr">
+                        <a:lnSpc>
+                          <a:spcPct val="150000"/>
+                        </a:lnSpc>
+                        <a:spcAft>
+                          <a:spcPts val="0"/>
+                        </a:spcAft>
+                      </a:pPr>
+                      <a:r>
+                        <a:rPr lang="ru-RU" sz="1400" dirty="0"/>
+                        <a:t>8</a:t>
+                      </a:r>
+                      <a:endParaRPr lang="ru-RU" sz="1400" dirty="0">
+                        <a:latin typeface="Times New Roman"/>
+                        <a:ea typeface="Calibri"/>
+                      </a:endParaRPr>
+                    </a:p>
+                  </a:txBody>
+                  <a:tcPr marL="68580" marR="68580" marT="0" marB="0"/>
+                </a:tc>
+                <a:tc>
+                  <a:txBody>
+                    <a:bodyPr/>
+                    <a:lstStyle/>
+                    <a:p>
+                      <a:pPr marL="0" indent="0" algn="ctr">
+                        <a:lnSpc>
+                          <a:spcPct val="150000"/>
+                        </a:lnSpc>
+                        <a:spcAft>
+                          <a:spcPts val="0"/>
+                        </a:spcAft>
+                      </a:pPr>
+                      <a:r>
+                        <a:rPr lang="ru-RU" sz="1400" dirty="0"/>
+                        <a:t>1</a:t>
+                      </a:r>
+                      <a:endParaRPr lang="ru-RU" sz="1400" dirty="0">
+                        <a:latin typeface="Times New Roman"/>
+                        <a:ea typeface="Calibri"/>
+                      </a:endParaRPr>
+                    </a:p>
+                  </a:txBody>
+                  <a:tcPr marL="68580" marR="68580" marT="0" marB="0"/>
+                </a:tc>
+              </a:tr>
+              <a:tr h="268704">
+                <a:tc>
+                  <a:txBody>
+                    <a:bodyPr/>
+                    <a:lstStyle/>
+                    <a:p>
+                      <a:pPr marL="0" indent="0" algn="l">
+                        <a:lnSpc>
+                          <a:spcPct val="150000"/>
+                        </a:lnSpc>
+                        <a:spcAft>
+                          <a:spcPts val="0"/>
+                        </a:spcAft>
+                      </a:pPr>
+                      <a:r>
+                        <a:rPr lang="ru-RU" sz="1400" dirty="0"/>
+                        <a:t>Количество использованных картриджей (шт.)</a:t>
+                      </a:r>
+                      <a:endParaRPr lang="ru-RU" sz="1400" dirty="0">
+                        <a:latin typeface="Times New Roman"/>
+                        <a:ea typeface="Calibri"/>
+                      </a:endParaRPr>
+                    </a:p>
+                  </a:txBody>
+                  <a:tcPr marL="68580" marR="68580" marT="0" marB="0"/>
+                </a:tc>
+                <a:tc>
+                  <a:txBody>
+                    <a:bodyPr/>
+                    <a:lstStyle/>
+                    <a:p>
+                      <a:pPr marL="0" indent="0" algn="ctr">
+                        <a:lnSpc>
+                          <a:spcPct val="150000"/>
+                        </a:lnSpc>
+                        <a:spcAft>
+                          <a:spcPts val="0"/>
+                        </a:spcAft>
+                      </a:pPr>
+                      <a:r>
+                        <a:rPr lang="ru-RU" sz="1400" dirty="0"/>
+                        <a:t>30</a:t>
+                      </a:r>
+                      <a:endParaRPr lang="ru-RU" sz="1400" dirty="0">
+                        <a:latin typeface="Times New Roman"/>
+                        <a:ea typeface="Calibri"/>
+                      </a:endParaRPr>
+                    </a:p>
+                  </a:txBody>
+                  <a:tcPr marL="68580" marR="68580" marT="0" marB="0"/>
+                </a:tc>
+                <a:tc>
+                  <a:txBody>
+                    <a:bodyPr/>
+                    <a:lstStyle/>
+                    <a:p>
+                      <a:pPr marL="0" indent="0" algn="ctr">
+                        <a:lnSpc>
+                          <a:spcPct val="150000"/>
+                        </a:lnSpc>
+                        <a:spcAft>
+                          <a:spcPts val="0"/>
+                        </a:spcAft>
+                      </a:pPr>
+                      <a:r>
+                        <a:rPr lang="ru-RU" sz="1400" dirty="0"/>
+                        <a:t>18</a:t>
+                      </a:r>
+                      <a:endParaRPr lang="ru-RU" sz="1400" dirty="0">
+                        <a:latin typeface="Times New Roman"/>
+                        <a:ea typeface="Calibri"/>
+                      </a:endParaRPr>
+                    </a:p>
+                  </a:txBody>
+                  <a:tcPr marL="68580" marR="68580" marT="0" marB="0"/>
+                </a:tc>
+              </a:tr>
+            </a:tbl>
+          </a:graphicData>
+        </a:graphic>
+      </p:graphicFrame>
+      <p:sp>
+        <p:nvSpPr>
+          <p:cNvPr id="4" name="Номер слайда 3"/>
+          <p:cNvSpPr>
+            <a:spLocks noGrp="1"/>
+          </p:cNvSpPr>
+          <p:nvPr>
+            <p:ph type="sldNum" sz="quarter" idx="12"/>
+          </p:nvPr>
+        </p:nvSpPr>
+        <p:spPr/>
+        <p:txBody>
+          <a:bodyPr/>
+          <a:lstStyle/>
+          <a:p>
+            <a:fld id="{0EC1B211-457E-4361-983F-013AFA25B34F}" type="slidenum">
+              <a:rPr lang="ru-RU" smtClean="0"/>
+              <a:pPr/>
+              <a:t>15</a:t>
+            </a:fld>
+            <a:endParaRPr lang="ru-RU"/>
+          </a:p>
+        </p:txBody>
+      </p:sp>
+      <p:sp>
+        <p:nvSpPr>
+          <p:cNvPr id="6" name="TextBox 5"/>
+          <p:cNvSpPr txBox="1"/>
+          <p:nvPr/>
+        </p:nvSpPr>
+        <p:spPr>
+          <a:xfrm>
+            <a:off x="971600" y="5013176"/>
+            <a:ext cx="7848872" cy="1631216"/>
+          </a:xfrm>
+          <a:prstGeom prst="rect">
+            <a:avLst/>
+          </a:prstGeom>
+          <a:noFill/>
+        </p:spPr>
+        <p:txBody>
+          <a:bodyPr wrap="square" rtlCol="0">
+            <a:spAutoFit/>
+          </a:bodyPr>
+          <a:lstStyle/>
+          <a:p>
+            <a:pPr>
+              <a:spcBef>
+                <a:spcPts val="1200"/>
+              </a:spcBef>
+            </a:pPr>
+            <a:r>
+              <a:rPr lang="ru-RU" dirty="0" smtClean="0"/>
+              <a:t>Ежемесячная экономия на расходных материалах составит около </a:t>
+            </a:r>
+            <a:r>
+              <a:rPr lang="ru-RU" b="1" dirty="0" smtClean="0"/>
+              <a:t>210 тысяч рублей в год</a:t>
+            </a:r>
+            <a:r>
+              <a:rPr lang="ru-RU" dirty="0" smtClean="0"/>
+              <a:t>.</a:t>
+            </a:r>
+          </a:p>
+          <a:p>
+            <a:pPr>
+              <a:spcBef>
+                <a:spcPts val="1200"/>
+              </a:spcBef>
+            </a:pPr>
+            <a:r>
+              <a:rPr lang="ru-RU" dirty="0" smtClean="0"/>
+              <a:t>Дополнительная прибыль от ускорения обработки заказов будет составлять </a:t>
+            </a:r>
+            <a:r>
+              <a:rPr lang="ru-RU" b="1" dirty="0" smtClean="0"/>
+              <a:t>от 1 до 10 миллионов рублей в год</a:t>
+            </a:r>
+            <a:r>
+              <a:rPr lang="ru-RU" dirty="0" smtClean="0"/>
+              <a:t>, в зависимости от количества поступаемых заказов. </a:t>
+            </a:r>
+            <a:endParaRPr lang="en-US" dirty="0" smtClean="0"/>
+          </a:p>
+        </p:txBody>
+      </p:sp>
+    </p:spTree>
+  </p:cSld>
+  <p:clrMapOvr>
+    <a:masterClrMapping/>
+  </p:clrMapOvr>
+</p:sld>
+</file>
+
+<file path=ppt/slides/slide16.xml><?xml version="1.0" encoding="utf-8"?>
+<p:sld xmlns:a="http://schemas.openxmlformats.org/drawingml/2006/main" xmlns:r="http://schemas.openxmlformats.org/officeDocument/2006/relationships" xmlns:p="http://schemas.openxmlformats.org/presentationml/2006/main">
+  <p:cSld>
+    <p:spTree>
+      <p:nvGrpSpPr>
+        <p:cNvPr id="1" name=""/>
+        <p:cNvGrpSpPr/>
+        <p:nvPr/>
+      </p:nvGrpSpPr>
+      <p:grpSpPr>
+        <a:xfrm>
+          <a:off x="0" y="0"/>
+          <a:ext cx="0" cy="0"/>
+          <a:chOff x="0" y="0"/>
+          <a:chExt cx="0" cy="0"/>
+        </a:xfrm>
+      </p:grpSpPr>
+      <p:sp>
+        <p:nvSpPr>
+          <p:cNvPr id="2" name="Заголовок 1"/>
+          <p:cNvSpPr>
+            <a:spLocks noGrp="1"/>
+          </p:cNvSpPr>
+          <p:nvPr>
+            <p:ph type="title"/>
+          </p:nvPr>
+        </p:nvSpPr>
+        <p:spPr/>
+        <p:txBody>
+          <a:bodyPr/>
+          <a:lstStyle/>
+          <a:p>
+            <a:r>
+              <a:rPr lang="ru-RU" dirty="0" smtClean="0"/>
+              <a:t>Выводы</a:t>
+            </a:r>
+            <a:endParaRPr lang="ru-RU" dirty="0"/>
+          </a:p>
+        </p:txBody>
+      </p:sp>
+      <p:sp>
+        <p:nvSpPr>
+          <p:cNvPr id="3" name="Содержимое 2"/>
+          <p:cNvSpPr>
+            <a:spLocks noGrp="1"/>
+          </p:cNvSpPr>
+          <p:nvPr>
+            <p:ph idx="1"/>
+          </p:nvPr>
+        </p:nvSpPr>
+        <p:spPr/>
+        <p:txBody>
+          <a:bodyPr>
+            <a:normAutofit fontScale="70000" lnSpcReduction="20000"/>
+          </a:bodyPr>
+          <a:lstStyle/>
+          <a:p>
+            <a:r>
+              <a:rPr lang="ru-RU" dirty="0" smtClean="0"/>
+              <a:t>Разработаны методические рекомендации по организации  перехода специалистов к работе в новой системе;</a:t>
+            </a:r>
+          </a:p>
+          <a:p>
+            <a:r>
+              <a:rPr lang="ru-RU" dirty="0" smtClean="0"/>
+              <a:t>Разработан алгоритм внесения изменений в документации на проект, соответствующий требованиям ГОСТ на ЕСКД;</a:t>
+            </a:r>
+          </a:p>
+          <a:p>
+            <a:r>
+              <a:rPr lang="ru-RU" dirty="0" smtClean="0"/>
+              <a:t>Определен перечень отчетов, требующих реализации в виде самостоятельного программного модуля и предоставлены требования к ним;</a:t>
+            </a:r>
+          </a:p>
+          <a:p>
+            <a:r>
+              <a:rPr lang="ru-RU" dirty="0" smtClean="0"/>
+              <a:t>Создана объектная модель, удовлетворяющая всем потребностям предприятия при автоматической обработке изделия и работе с документацией;</a:t>
+            </a:r>
+          </a:p>
+          <a:p>
+            <a:r>
+              <a:rPr lang="ru-RU" dirty="0" smtClean="0"/>
+              <a:t>Разработана утилита синхронизации данных в разнородных информационных системах;</a:t>
+            </a:r>
+          </a:p>
+          <a:p>
+            <a:r>
+              <a:rPr lang="ru-RU" b="1" dirty="0" smtClean="0"/>
+              <a:t>СУЖЦ приведена в работоспособное состояния и может реализовать требуемый функционал.</a:t>
+            </a:r>
+          </a:p>
+        </p:txBody>
+      </p:sp>
+      <p:sp>
+        <p:nvSpPr>
+          <p:cNvPr id="4" name="Номер слайда 3"/>
+          <p:cNvSpPr>
+            <a:spLocks noGrp="1"/>
+          </p:cNvSpPr>
+          <p:nvPr>
+            <p:ph type="sldNum" sz="quarter" idx="12"/>
+          </p:nvPr>
+        </p:nvSpPr>
+        <p:spPr/>
+        <p:txBody>
+          <a:bodyPr/>
+          <a:lstStyle/>
+          <a:p>
+            <a:fld id="{0EC1B211-457E-4361-983F-013AFA25B34F}" type="slidenum">
+              <a:rPr lang="ru-RU" smtClean="0"/>
+              <a:pPr/>
+              <a:t>16</a:t>
+            </a:fld>
+            <a:endParaRPr lang="ru-RU"/>
+          </a:p>
+        </p:txBody>
+      </p:sp>
+    </p:spTree>
+  </p:cSld>
+  <p:clrMapOvr>
+    <a:masterClrMapping/>
+  </p:clrMapOvr>
+  <p:timing>
+    <p:tnLst>
+      <p:par>
+        <p:cTn id="1" dur="indefinite" restart="never" nodeType="tmRoot"/>
+      </p:par>
+    </p:tnLst>
+  </p:timing>
+</p:sld>
+</file>
+
+<file path=ppt/slides/slide17.xml><?xml version="1.0" encoding="utf-8"?>
+<p:sld xmlns:a="http://schemas.openxmlformats.org/drawingml/2006/main" xmlns:r="http://schemas.openxmlformats.org/officeDocument/2006/relationships" xmlns:p="http://schemas.openxmlformats.org/presentationml/2006/main">
+  <p:cSld>
+    <p:spTree>
+      <p:nvGrpSpPr>
+        <p:cNvPr id="1" name=""/>
+        <p:cNvGrpSpPr/>
+        <p:nvPr/>
+      </p:nvGrpSpPr>
+      <p:grpSpPr>
+        <a:xfrm>
+          <a:off x="0" y="0"/>
+          <a:ext cx="0" cy="0"/>
+          <a:chOff x="0" y="0"/>
+          <a:chExt cx="0" cy="0"/>
+        </a:xfrm>
+      </p:grpSpPr>
+      <p:sp>
+        <p:nvSpPr>
+          <p:cNvPr id="2" name="Заголовок 1"/>
+          <p:cNvSpPr>
+            <a:spLocks noGrp="1"/>
+          </p:cNvSpPr>
+          <p:nvPr>
+            <p:ph type="ctrTitle"/>
+          </p:nvPr>
+        </p:nvSpPr>
+        <p:spPr/>
+        <p:txBody>
+          <a:bodyPr/>
+          <a:lstStyle/>
+          <a:p>
+            <a:r>
+              <a:rPr lang="ru-RU" dirty="0" smtClean="0"/>
+              <a:t>Благодарю за внимание!</a:t>
+            </a:r>
+            <a:endParaRPr lang="ru-RU" dirty="0"/>
+          </a:p>
+        </p:txBody>
+      </p:sp>
+      <p:sp>
+        <p:nvSpPr>
+          <p:cNvPr id="3" name="Подзаголовок 2"/>
+          <p:cNvSpPr>
+            <a:spLocks noGrp="1"/>
+          </p:cNvSpPr>
+          <p:nvPr>
+            <p:ph type="subTitle" idx="1"/>
+          </p:nvPr>
+        </p:nvSpPr>
+        <p:spPr/>
+        <p:txBody>
+          <a:bodyPr>
+            <a:normAutofit fontScale="92500" lnSpcReduction="20000"/>
+          </a:bodyPr>
+          <a:lstStyle/>
+          <a:p>
+            <a:r>
+              <a:rPr lang="ru-RU" dirty="0" smtClean="0"/>
+              <a:t>Исполнитель: студент группы 521 Темников Андрей Владимирович</a:t>
+            </a:r>
+          </a:p>
+          <a:p>
+            <a:r>
+              <a:rPr lang="ru-RU" dirty="0" smtClean="0"/>
+              <a:t>Научный руководитель: д.т.н., доцент, профессор кафедры математики и информатики </a:t>
+            </a:r>
+            <a:r>
+              <a:rPr lang="ru-RU" dirty="0" err="1" smtClean="0"/>
+              <a:t>Переверзев</a:t>
+            </a:r>
+            <a:r>
+              <a:rPr lang="ru-RU" dirty="0" smtClean="0"/>
+              <a:t> Павел Петрович </a:t>
+            </a:r>
+          </a:p>
+          <a:p>
+            <a:endParaRPr lang="ru-RU" dirty="0"/>
+          </a:p>
+        </p:txBody>
+      </p:sp>
+      <p:sp>
+        <p:nvSpPr>
+          <p:cNvPr id="4" name="Номер слайда 3"/>
+          <p:cNvSpPr>
+            <a:spLocks noGrp="1"/>
+          </p:cNvSpPr>
+          <p:nvPr>
+            <p:ph type="sldNum" sz="quarter" idx="12"/>
+          </p:nvPr>
+        </p:nvSpPr>
+        <p:spPr/>
+        <p:txBody>
+          <a:bodyPr/>
+          <a:lstStyle/>
+          <a:p>
+            <a:fld id="{0EC1B211-457E-4361-983F-013AFA25B34F}" type="slidenum">
+              <a:rPr lang="ru-RU" smtClean="0"/>
+              <a:pPr/>
+              <a:t>17</a:t>
+            </a:fld>
+            <a:endParaRPr lang="ru-RU"/>
+          </a:p>
+        </p:txBody>
+      </p:sp>
+    </p:spTree>
+  </p:cSld>
+  <p:clrMapOvr>
+    <a:masterClrMapping/>
+  </p:clrMapOvr>
+  <p:timing>
+    <p:tnLst>
+      <p:par>
+        <p:cTn id="1" dur="indefinite" restart="never" nodeType="tmRoot"/>
+      </p:par>
+    </p:tnLst>
+  </p:timing>
+</p:sld>
+</file>
+
+<file path=ppt/slides/slide2.xml><?xml version="1.0" encoding="utf-8"?>
+<p:sld xmlns:a="http://schemas.openxmlformats.org/drawingml/2006/main" xmlns:r="http://schemas.openxmlformats.org/officeDocument/2006/relationships" xmlns:p="http://schemas.openxmlformats.org/presentationml/2006/main">
+  <p:cSld>
+    <p:spTree>
+      <p:nvGrpSpPr>
+        <p:cNvPr id="1" name=""/>
+        <p:cNvGrpSpPr/>
+        <p:nvPr/>
+      </p:nvGrpSpPr>
+      <p:grpSpPr>
+        <a:xfrm>
+          <a:off x="0" y="0"/>
+          <a:ext cx="0" cy="0"/>
+          <a:chOff x="0" y="0"/>
+          <a:chExt cx="0" cy="0"/>
+        </a:xfrm>
+      </p:grpSpPr>
+      <p:sp>
+        <p:nvSpPr>
+          <p:cNvPr id="2" name="Заголовок 1"/>
+          <p:cNvSpPr>
+            <a:spLocks noGrp="1"/>
+          </p:cNvSpPr>
+          <p:nvPr>
+            <p:ph type="title"/>
+          </p:nvPr>
+        </p:nvSpPr>
+        <p:spPr/>
+        <p:txBody>
+          <a:bodyPr/>
+          <a:lstStyle/>
+          <a:p>
+            <a:r>
+              <a:rPr lang="ru-RU" dirty="0" smtClean="0"/>
+              <a:t>Описание работы</a:t>
+            </a:r>
+            <a:endParaRPr lang="ru-RU" dirty="0"/>
+          </a:p>
+        </p:txBody>
+      </p:sp>
+      <p:sp>
+        <p:nvSpPr>
+          <p:cNvPr id="3" name="Содержимое 2"/>
+          <p:cNvSpPr>
+            <a:spLocks noGrp="1"/>
+          </p:cNvSpPr>
+          <p:nvPr>
+            <p:ph idx="1"/>
+          </p:nvPr>
+        </p:nvSpPr>
+        <p:spPr/>
+        <p:txBody>
+          <a:bodyPr>
+            <a:normAutofit lnSpcReduction="10000"/>
+          </a:bodyPr>
+          <a:lstStyle/>
+          <a:p>
+            <a:r>
+              <a:rPr lang="ru-RU" dirty="0" smtClean="0"/>
+              <a:t>Цель исследования: повышение эффективности работы системы управления жизненным циклом продукции (СУЖЦ)</a:t>
+            </a:r>
+          </a:p>
+          <a:p>
+            <a:r>
+              <a:rPr lang="ru-RU" dirty="0" smtClean="0"/>
+              <a:t>Объект исследования: СУЖЦ </a:t>
+            </a:r>
+            <a:r>
+              <a:rPr lang="en-US" dirty="0" smtClean="0"/>
+              <a:t>PTC Windchill </a:t>
+            </a:r>
+            <a:r>
+              <a:rPr lang="ru-RU" dirty="0" smtClean="0"/>
+              <a:t>на ПАО «Радиозавод»</a:t>
+            </a:r>
+          </a:p>
+          <a:p>
+            <a:r>
+              <a:rPr lang="ru-RU" dirty="0" smtClean="0"/>
+              <a:t>Предмет исследования: разработка и совершенствование информационного обеспечения для системы управления жизненным циклом продукции</a:t>
+            </a:r>
+            <a:endParaRPr lang="ru-RU" dirty="0"/>
+          </a:p>
+        </p:txBody>
+      </p:sp>
+      <p:sp>
+        <p:nvSpPr>
+          <p:cNvPr id="4" name="Номер слайда 3"/>
+          <p:cNvSpPr>
+            <a:spLocks noGrp="1"/>
+          </p:cNvSpPr>
+          <p:nvPr>
+            <p:ph type="sldNum" sz="quarter" idx="12"/>
+          </p:nvPr>
+        </p:nvSpPr>
+        <p:spPr/>
+        <p:txBody>
+          <a:bodyPr/>
+          <a:lstStyle/>
+          <a:p>
+            <a:fld id="{0EC1B211-457E-4361-983F-013AFA25B34F}" type="slidenum">
+              <a:rPr lang="ru-RU" smtClean="0"/>
+              <a:pPr/>
+              <a:t>2</a:t>
+            </a:fld>
+            <a:endParaRPr lang="ru-RU"/>
+          </a:p>
+        </p:txBody>
+      </p:sp>
+    </p:spTree>
+  </p:cSld>
+  <p:clrMapOvr>
+    <a:masterClrMapping/>
+  </p:clrMapOvr>
+  <p:timing>
+    <p:tnLst>
+      <p:par>
+        <p:cTn id="1" dur="indefinite" restart="never" nodeType="tmRoot"/>
+      </p:par>
+    </p:tnLst>
+  </p:timing>
+</p:sld>
+</file>
+
+<file path=ppt/slides/slide3.xml><?xml version="1.0" encoding="utf-8"?>
+<p:sld xmlns:a="http://schemas.openxmlformats.org/drawingml/2006/main" xmlns:r="http://schemas.openxmlformats.org/officeDocument/2006/relationships" xmlns:p="http://schemas.openxmlformats.org/presentationml/2006/main">
+  <p:cSld>
+    <p:spTree>
+      <p:nvGrpSpPr>
+        <p:cNvPr id="1" name=""/>
+        <p:cNvGrpSpPr/>
+        <p:nvPr/>
+      </p:nvGrpSpPr>
+      <p:grpSpPr>
+        <a:xfrm>
+          <a:off x="0" y="0"/>
+          <a:ext cx="0" cy="0"/>
+          <a:chOff x="0" y="0"/>
+          <a:chExt cx="0" cy="0"/>
+        </a:xfrm>
+      </p:grpSpPr>
+      <p:sp>
+        <p:nvSpPr>
+          <p:cNvPr id="2" name="Заголовок 1"/>
+          <p:cNvSpPr>
+            <a:spLocks noGrp="1"/>
+          </p:cNvSpPr>
+          <p:nvPr>
+            <p:ph type="title"/>
+          </p:nvPr>
+        </p:nvSpPr>
+        <p:spPr/>
+        <p:txBody>
+          <a:bodyPr/>
+          <a:lstStyle/>
+          <a:p>
+            <a:r>
+              <a:rPr lang="ru-RU" dirty="0" smtClean="0"/>
+              <a:t>Задачи работы</a:t>
+            </a:r>
+            <a:endParaRPr lang="ru-RU" dirty="0"/>
+          </a:p>
+        </p:txBody>
+      </p:sp>
+      <p:sp>
+        <p:nvSpPr>
+          <p:cNvPr id="3" name="Содержимое 2"/>
+          <p:cNvSpPr>
+            <a:spLocks noGrp="1"/>
+          </p:cNvSpPr>
+          <p:nvPr>
+            <p:ph idx="1"/>
+          </p:nvPr>
+        </p:nvSpPr>
+        <p:spPr>
+          <a:xfrm>
+            <a:off x="1115616" y="1484784"/>
+            <a:ext cx="7498080" cy="5112568"/>
+          </a:xfrm>
+        </p:spPr>
+        <p:txBody>
+          <a:bodyPr>
+            <a:normAutofit fontScale="77500" lnSpcReduction="20000"/>
+          </a:bodyPr>
+          <a:lstStyle/>
+          <a:p>
+            <a:pPr>
+              <a:spcBef>
+                <a:spcPts val="1200"/>
+              </a:spcBef>
+              <a:buNone/>
+            </a:pPr>
+            <a:r>
+              <a:rPr lang="en-US" dirty="0" smtClean="0"/>
+              <a:t>	</a:t>
+            </a:r>
+            <a:r>
+              <a:rPr lang="ru-RU" dirty="0" smtClean="0"/>
+              <a:t>1. Разработать модель данных, которая бы отвечала потребности предприятия в типах объектов для управления жизненным циклом;</a:t>
+            </a:r>
+          </a:p>
+          <a:p>
+            <a:pPr>
+              <a:spcBef>
+                <a:spcPts val="1200"/>
+              </a:spcBef>
+              <a:buNone/>
+            </a:pPr>
+            <a:r>
+              <a:rPr lang="en-US" dirty="0" smtClean="0"/>
+              <a:t>	</a:t>
+            </a:r>
+            <a:r>
+              <a:rPr lang="ru-RU" dirty="0" smtClean="0"/>
+              <a:t>2. Наладить рабочий процесс таким образом, чтобы он соответствовал требованиям стандартов;</a:t>
+            </a:r>
+          </a:p>
+          <a:p>
+            <a:pPr>
+              <a:spcBef>
+                <a:spcPts val="1200"/>
+              </a:spcBef>
+              <a:buNone/>
+            </a:pPr>
+            <a:r>
+              <a:rPr lang="en-US" dirty="0" smtClean="0"/>
+              <a:t>	</a:t>
+            </a:r>
+            <a:r>
+              <a:rPr lang="ru-RU" dirty="0" smtClean="0"/>
+              <a:t>3. Разработать методические рекомендации по переходу специалистов на работу в СУЖЦ;</a:t>
+            </a:r>
+          </a:p>
+          <a:p>
+            <a:pPr>
+              <a:spcBef>
+                <a:spcPts val="1200"/>
+              </a:spcBef>
+              <a:buNone/>
+            </a:pPr>
+            <a:r>
+              <a:rPr lang="en-US" dirty="0" smtClean="0"/>
+              <a:t>	</a:t>
+            </a:r>
+            <a:r>
+              <a:rPr lang="ru-RU" dirty="0" smtClean="0"/>
+              <a:t>4. Подготовить систему автоматически генерируемых отчетов по жизненному циклу продукции;</a:t>
+            </a:r>
+          </a:p>
+          <a:p>
+            <a:pPr>
+              <a:spcBef>
+                <a:spcPts val="1200"/>
+              </a:spcBef>
+              <a:buNone/>
+            </a:pPr>
+            <a:r>
+              <a:rPr lang="en-US" dirty="0" smtClean="0"/>
+              <a:t>	</a:t>
+            </a:r>
+            <a:r>
+              <a:rPr lang="ru-RU" dirty="0" smtClean="0"/>
+              <a:t>5. Обеспечить сопоставимость данных в КИС предприятия, основанных на различных программных платформах.</a:t>
+            </a:r>
+          </a:p>
+          <a:p>
+            <a:endParaRPr lang="ru-RU" dirty="0"/>
+          </a:p>
+        </p:txBody>
+      </p:sp>
+      <p:sp>
+        <p:nvSpPr>
+          <p:cNvPr id="4" name="Номер слайда 3"/>
+          <p:cNvSpPr>
+            <a:spLocks noGrp="1"/>
+          </p:cNvSpPr>
+          <p:nvPr>
+            <p:ph type="sldNum" sz="quarter" idx="12"/>
+          </p:nvPr>
+        </p:nvSpPr>
+        <p:spPr/>
+        <p:txBody>
+          <a:bodyPr/>
+          <a:lstStyle/>
+          <a:p>
+            <a:fld id="{0EC1B211-457E-4361-983F-013AFA25B34F}" type="slidenum">
+              <a:rPr lang="ru-RU" smtClean="0"/>
+              <a:pPr/>
+              <a:t>3</a:t>
+            </a:fld>
+            <a:endParaRPr lang="ru-RU"/>
+          </a:p>
+        </p:txBody>
+      </p:sp>
+    </p:spTree>
+  </p:cSld>
+  <p:clrMapOvr>
+    <a:masterClrMapping/>
+  </p:clrMapOvr>
+</p:sld>
+</file>
+
+<file path=ppt/slides/slide4.xml><?xml version="1.0" encoding="utf-8"?>
+<p:sld xmlns:a="http://schemas.openxmlformats.org/drawingml/2006/main" xmlns:r="http://schemas.openxmlformats.org/officeDocument/2006/relationships" xmlns:p="http://schemas.openxmlformats.org/presentationml/2006/main">
+  <p:cSld>
+    <p:spTree>
+      <p:nvGrpSpPr>
+        <p:cNvPr id="1" name=""/>
+        <p:cNvGrpSpPr/>
+        <p:nvPr/>
+      </p:nvGrpSpPr>
+      <p:grpSpPr>
+        <a:xfrm>
+          <a:off x="0" y="0"/>
+          <a:ext cx="0" cy="0"/>
+          <a:chOff x="0" y="0"/>
+          <a:chExt cx="0" cy="0"/>
+        </a:xfrm>
+      </p:grpSpPr>
+      <p:sp>
+        <p:nvSpPr>
+          <p:cNvPr id="2" name="Заголовок 1"/>
+          <p:cNvSpPr>
+            <a:spLocks noGrp="1"/>
+          </p:cNvSpPr>
+          <p:nvPr>
+            <p:ph type="title"/>
+          </p:nvPr>
+        </p:nvSpPr>
+        <p:spPr/>
+        <p:txBody>
+          <a:bodyPr>
+            <a:normAutofit fontScale="90000"/>
+          </a:bodyPr>
+          <a:lstStyle/>
+          <a:p>
+            <a:r>
+              <a:rPr lang="ru-RU" dirty="0" smtClean="0"/>
+              <a:t>Информационное обеспечение</a:t>
+            </a:r>
+            <a:endParaRPr lang="ru-RU" dirty="0"/>
+          </a:p>
+        </p:txBody>
+      </p:sp>
+      <p:sp>
+        <p:nvSpPr>
+          <p:cNvPr id="4" name="Номер слайда 3"/>
+          <p:cNvSpPr>
+            <a:spLocks noGrp="1"/>
+          </p:cNvSpPr>
+          <p:nvPr>
+            <p:ph type="sldNum" sz="quarter" idx="12"/>
+          </p:nvPr>
+        </p:nvSpPr>
+        <p:spPr/>
+        <p:txBody>
+          <a:bodyPr/>
+          <a:lstStyle/>
+          <a:p>
+            <a:fld id="{0EC1B211-457E-4361-983F-013AFA25B34F}" type="slidenum">
+              <a:rPr lang="ru-RU" smtClean="0"/>
+              <a:pPr/>
+              <a:t>4</a:t>
+            </a:fld>
+            <a:endParaRPr lang="ru-RU"/>
+          </a:p>
+        </p:txBody>
+      </p:sp>
+      <p:graphicFrame>
+        <p:nvGraphicFramePr>
+          <p:cNvPr id="5" name="Содержимое 7"/>
+          <p:cNvGraphicFramePr>
+            <a:graphicFrameLocks/>
+          </p:cNvGraphicFramePr>
+          <p:nvPr/>
+        </p:nvGraphicFramePr>
+        <p:xfrm>
+          <a:off x="2339752" y="1412776"/>
+          <a:ext cx="6419056" cy="4937125"/>
+        </p:xfrm>
+        <a:graphic>
+          <a:graphicData uri="http://schemas.openxmlformats.org/drawingml/2006/diagram">
+            <dgm:relIds xmlns:dgm="http://schemas.openxmlformats.org/drawingml/2006/diagram" xmlns:r="http://schemas.openxmlformats.org/officeDocument/2006/relationships" r:dm="rId2" r:lo="rId3" r:qs="rId4" r:cs="rId5"/>
+          </a:graphicData>
+        </a:graphic>
+      </p:graphicFrame>
+      <p:sp>
+        <p:nvSpPr>
+          <p:cNvPr id="6" name="TextBox 5"/>
+          <p:cNvSpPr txBox="1"/>
+          <p:nvPr/>
+        </p:nvSpPr>
+        <p:spPr>
+          <a:xfrm>
+            <a:off x="1403648" y="2348880"/>
+            <a:ext cx="2880320" cy="830997"/>
+          </a:xfrm>
+          <a:prstGeom prst="rect">
+            <a:avLst/>
+          </a:prstGeom>
+          <a:noFill/>
+        </p:spPr>
+        <p:txBody>
+          <a:bodyPr wrap="square" rtlCol="0">
+            <a:spAutoFit/>
+          </a:bodyPr>
+          <a:lstStyle/>
+          <a:p>
+            <a:r>
+              <a:rPr lang="ru-RU" sz="2400" dirty="0" smtClean="0"/>
+              <a:t>Ввод данных в систему</a:t>
+            </a:r>
+            <a:endParaRPr lang="ru-RU" sz="2400" dirty="0"/>
+          </a:p>
+        </p:txBody>
+      </p:sp>
+      <p:sp>
+        <p:nvSpPr>
+          <p:cNvPr id="7" name="TextBox 6"/>
+          <p:cNvSpPr txBox="1"/>
+          <p:nvPr/>
+        </p:nvSpPr>
+        <p:spPr>
+          <a:xfrm>
+            <a:off x="1331640" y="4221088"/>
+            <a:ext cx="3096344" cy="1200329"/>
+          </a:xfrm>
+          <a:prstGeom prst="rect">
+            <a:avLst/>
+          </a:prstGeom>
+          <a:noFill/>
+        </p:spPr>
+        <p:txBody>
+          <a:bodyPr wrap="square" rtlCol="0">
+            <a:spAutoFit/>
+          </a:bodyPr>
+          <a:lstStyle/>
+          <a:p>
+            <a:r>
+              <a:rPr lang="ru-RU" sz="2400" dirty="0" smtClean="0"/>
+              <a:t>Предоставление данных пользователю</a:t>
+            </a:r>
+            <a:endParaRPr lang="ru-RU" sz="2400" dirty="0"/>
+          </a:p>
+        </p:txBody>
+      </p:sp>
+    </p:spTree>
+  </p:cSld>
+  <p:clrMapOvr>
+    <a:masterClrMapping/>
+  </p:clrMapOvr>
+  <p:timing>
+    <p:tnLst>
+      <p:par>
+        <p:cTn id="1" dur="indefinite" restart="never" nodeType="tmRoot"/>
+      </p:par>
+    </p:tnLst>
+  </p:timing>
+</p:sld>
+</file>
+
+<file path=ppt/slides/slide5.xml><?xml version="1.0" encoding="utf-8"?>
+<p:sld xmlns:a="http://schemas.openxmlformats.org/drawingml/2006/main" xmlns:r="http://schemas.openxmlformats.org/officeDocument/2006/relationships" xmlns:p="http://schemas.openxmlformats.org/presentationml/2006/main">
+  <p:cSld>
+    <p:spTree>
+      <p:nvGrpSpPr>
+        <p:cNvPr id="1" name=""/>
+        <p:cNvGrpSpPr/>
+        <p:nvPr/>
+      </p:nvGrpSpPr>
+      <p:grpSpPr>
+        <a:xfrm>
+          <a:off x="0" y="0"/>
+          <a:ext cx="0" cy="0"/>
+          <a:chOff x="0" y="0"/>
+          <a:chExt cx="0" cy="0"/>
+        </a:xfrm>
+      </p:grpSpPr>
+      <p:sp>
+        <p:nvSpPr>
+          <p:cNvPr id="2" name="Заголовок 1"/>
+          <p:cNvSpPr>
+            <a:spLocks noGrp="1"/>
+          </p:cNvSpPr>
+          <p:nvPr>
+            <p:ph type="title"/>
+          </p:nvPr>
+        </p:nvSpPr>
+        <p:spPr/>
+        <p:txBody>
+          <a:bodyPr/>
+          <a:lstStyle/>
+          <a:p>
+            <a:r>
+              <a:rPr lang="ru-RU" dirty="0" smtClean="0"/>
+              <a:t>Описание ПАО «Радиозавод»</a:t>
+            </a:r>
+            <a:endParaRPr lang="ru-RU" dirty="0"/>
+          </a:p>
+        </p:txBody>
+      </p:sp>
+      <p:graphicFrame>
+        <p:nvGraphicFramePr>
+          <p:cNvPr id="7" name="Содержимое 6"/>
+          <p:cNvGraphicFramePr>
+            <a:graphicFrameLocks noGrp="1"/>
+          </p:cNvGraphicFramePr>
+          <p:nvPr>
+            <p:ph idx="1"/>
+          </p:nvPr>
+        </p:nvGraphicFramePr>
+        <p:xfrm>
+          <a:off x="971600" y="1124744"/>
+          <a:ext cx="4176464" cy="2952328"/>
+        </p:xfrm>
+        <a:graphic>
+          <a:graphicData uri="http://schemas.openxmlformats.org/drawingml/2006/chart">
+            <c:chart xmlns:c="http://schemas.openxmlformats.org/drawingml/2006/chart" xmlns:r="http://schemas.openxmlformats.org/officeDocument/2006/relationships" r:id="rId2"/>
+          </a:graphicData>
+        </a:graphic>
+      </p:graphicFrame>
+      <p:sp>
+        <p:nvSpPr>
+          <p:cNvPr id="4" name="Номер слайда 3"/>
+          <p:cNvSpPr>
+            <a:spLocks noGrp="1"/>
+          </p:cNvSpPr>
+          <p:nvPr>
+            <p:ph type="sldNum" sz="quarter" idx="12"/>
+          </p:nvPr>
+        </p:nvSpPr>
+        <p:spPr/>
+        <p:txBody>
+          <a:bodyPr/>
+          <a:lstStyle/>
+          <a:p>
+            <a:fld id="{0EC1B211-457E-4361-983F-013AFA25B34F}" type="slidenum">
+              <a:rPr lang="ru-RU" smtClean="0"/>
+              <a:pPr/>
+              <a:t>5</a:t>
+            </a:fld>
+            <a:endParaRPr lang="ru-RU"/>
+          </a:p>
+        </p:txBody>
+      </p:sp>
+      <p:graphicFrame>
+        <p:nvGraphicFramePr>
+          <p:cNvPr id="8" name="Диаграмма 7"/>
+          <p:cNvGraphicFramePr/>
+          <p:nvPr/>
+        </p:nvGraphicFramePr>
+        <p:xfrm>
+          <a:off x="5148064" y="2276872"/>
+          <a:ext cx="3624064" cy="3960440"/>
+        </p:xfrm>
+        <a:graphic>
+          <a:graphicData uri="http://schemas.openxmlformats.org/drawingml/2006/chart">
+            <c:chart xmlns:c="http://schemas.openxmlformats.org/drawingml/2006/chart" xmlns:r="http://schemas.openxmlformats.org/officeDocument/2006/relationships" r:id="rId3"/>
+          </a:graphicData>
+        </a:graphic>
+      </p:graphicFrame>
+      <p:sp>
+        <p:nvSpPr>
+          <p:cNvPr id="10" name="TextBox 9"/>
+          <p:cNvSpPr txBox="1"/>
+          <p:nvPr/>
+        </p:nvSpPr>
+        <p:spPr>
+          <a:xfrm>
+            <a:off x="6516216" y="1988840"/>
+            <a:ext cx="184731" cy="369332"/>
+          </a:xfrm>
+          <a:prstGeom prst="rect">
+            <a:avLst/>
+          </a:prstGeom>
+          <a:noFill/>
+        </p:spPr>
+        <p:txBody>
+          <a:bodyPr wrap="none" rtlCol="0">
+            <a:spAutoFit/>
+          </a:bodyPr>
+          <a:lstStyle/>
+          <a:p>
+            <a:endParaRPr lang="ru-RU"/>
+          </a:p>
+        </p:txBody>
+      </p:sp>
+      <p:sp>
+        <p:nvSpPr>
+          <p:cNvPr id="9" name="TextBox 8"/>
+          <p:cNvSpPr txBox="1"/>
+          <p:nvPr/>
+        </p:nvSpPr>
+        <p:spPr>
+          <a:xfrm>
+            <a:off x="5220072" y="1412776"/>
+            <a:ext cx="3904531" cy="757130"/>
+          </a:xfrm>
+          <a:prstGeom prst="rect">
+            <a:avLst/>
+          </a:prstGeom>
+          <a:noFill/>
+        </p:spPr>
+        <p:txBody>
+          <a:bodyPr wrap="none" rtlCol="0">
+            <a:spAutoFit/>
+          </a:bodyPr>
+          <a:lstStyle/>
+          <a:p>
+            <a:pPr algn="ctr"/>
+            <a:r>
+              <a:rPr lang="ru-RU" sz="2160" b="1" dirty="0" smtClean="0"/>
+              <a:t>Экономические показатели  </a:t>
+            </a:r>
+          </a:p>
+          <a:p>
+            <a:pPr algn="ctr"/>
+            <a:r>
+              <a:rPr lang="ru-RU" sz="2160" b="1" dirty="0" smtClean="0"/>
+              <a:t>за 2014 и 2015 года в млн. руб.</a:t>
+            </a:r>
+            <a:endParaRPr lang="ru-RU" sz="2160" b="1" dirty="0"/>
+          </a:p>
+        </p:txBody>
+      </p:sp>
+    </p:spTree>
+  </p:cSld>
+  <p:clrMapOvr>
+    <a:masterClrMapping/>
+  </p:clrMapOvr>
+  <p:timing>
+    <p:tnLst>
+      <p:par>
+        <p:cTn id="1" dur="indefinite" restart="never" nodeType="tmRoot"/>
+      </p:par>
+    </p:tnLst>
+  </p:timing>
+</p:sld>
+</file>
+
+<file path=ppt/slides/slide6.xml><?xml version="1.0" encoding="utf-8"?>
+<p:sld xmlns:a="http://schemas.openxmlformats.org/drawingml/2006/main" xmlns:r="http://schemas.openxmlformats.org/officeDocument/2006/relationships" xmlns:p="http://schemas.openxmlformats.org/presentationml/2006/main">
+  <p:cSld>
+    <p:spTree>
+      <p:nvGrpSpPr>
+        <p:cNvPr id="1" name=""/>
+        <p:cNvGrpSpPr/>
+        <p:nvPr/>
+      </p:nvGrpSpPr>
+      <p:grpSpPr>
+        <a:xfrm>
+          <a:off x="0" y="0"/>
+          <a:ext cx="0" cy="0"/>
+          <a:chOff x="0" y="0"/>
+          <a:chExt cx="0" cy="0"/>
+        </a:xfrm>
+      </p:grpSpPr>
+      <p:sp>
+        <p:nvSpPr>
+          <p:cNvPr id="2" name="Заголовок 1"/>
+          <p:cNvSpPr>
+            <a:spLocks noGrp="1"/>
+          </p:cNvSpPr>
+          <p:nvPr>
+            <p:ph type="title"/>
+          </p:nvPr>
+        </p:nvSpPr>
+        <p:spPr/>
+        <p:txBody>
+          <a:bodyPr/>
+          <a:lstStyle/>
+          <a:p>
+            <a:r>
+              <a:rPr lang="ru-RU" dirty="0" smtClean="0"/>
+              <a:t> </a:t>
+            </a:r>
+            <a:r>
+              <a:rPr lang="en-US" dirty="0" smtClean="0"/>
+              <a:t>PTC Windchill </a:t>
+            </a:r>
+            <a:endParaRPr lang="ru-RU" dirty="0"/>
+          </a:p>
+        </p:txBody>
+      </p:sp>
+      <p:sp>
+        <p:nvSpPr>
+          <p:cNvPr id="3" name="Содержимое 2"/>
+          <p:cNvSpPr>
+            <a:spLocks noGrp="1"/>
+          </p:cNvSpPr>
+          <p:nvPr>
+            <p:ph idx="1"/>
+          </p:nvPr>
+        </p:nvSpPr>
+        <p:spPr>
+          <a:xfrm>
+            <a:off x="1187624" y="1412776"/>
+            <a:ext cx="7498080" cy="4800600"/>
+          </a:xfrm>
+        </p:spPr>
+        <p:txBody>
+          <a:bodyPr>
+            <a:normAutofit fontScale="70000" lnSpcReduction="20000"/>
+          </a:bodyPr>
+          <a:lstStyle/>
+          <a:p>
+            <a:pPr lvl="0">
+              <a:buNone/>
+            </a:pPr>
+            <a:r>
+              <a:rPr lang="en-US" dirty="0" smtClean="0"/>
+              <a:t>	PTC Windchill </a:t>
+            </a:r>
+            <a:r>
+              <a:rPr lang="ru-RU" dirty="0" smtClean="0"/>
+              <a:t>представляет собой современный инструмент для совместной работы пользователей на основе </a:t>
+            </a:r>
+            <a:r>
+              <a:rPr lang="ru-RU" dirty="0" err="1" smtClean="0"/>
+              <a:t>веб-технологий</a:t>
+            </a:r>
+            <a:r>
+              <a:rPr lang="ru-RU" dirty="0" smtClean="0"/>
+              <a:t>, и создана специально для обеспечения эффективной разработки и управления информацией об изделии. Система реализует следующие функции:</a:t>
+            </a:r>
+          </a:p>
+          <a:p>
+            <a:pPr lvl="0"/>
+            <a:r>
+              <a:rPr lang="ru-RU" dirty="0" smtClean="0"/>
+              <a:t>Механизм организации совместного использования данных;</a:t>
+            </a:r>
+          </a:p>
+          <a:p>
+            <a:pPr lvl="0"/>
+            <a:r>
+              <a:rPr lang="ru-RU" dirty="0" smtClean="0"/>
+              <a:t>Хранение данных в защищенном хранилище и разграничение прав доступа;</a:t>
+            </a:r>
+          </a:p>
+          <a:p>
+            <a:pPr lvl="0"/>
+            <a:r>
+              <a:rPr lang="ru-RU" dirty="0" smtClean="0"/>
+              <a:t>Управление информацией;</a:t>
+            </a:r>
+          </a:p>
+          <a:p>
+            <a:pPr lvl="0"/>
+            <a:r>
+              <a:rPr lang="ru-RU" dirty="0" smtClean="0"/>
+              <a:t>Управление изменениями;</a:t>
+            </a:r>
+          </a:p>
+          <a:p>
+            <a:pPr lvl="0"/>
+            <a:r>
+              <a:rPr lang="ru-RU" dirty="0" smtClean="0"/>
+              <a:t>Возможность хранения всей истории проектирования и многое другое. </a:t>
+            </a:r>
+          </a:p>
+          <a:p>
+            <a:endParaRPr lang="ru-RU" dirty="0"/>
+          </a:p>
+        </p:txBody>
+      </p:sp>
+      <p:sp>
+        <p:nvSpPr>
+          <p:cNvPr id="4" name="Номер слайда 3"/>
+          <p:cNvSpPr>
+            <a:spLocks noGrp="1"/>
+          </p:cNvSpPr>
+          <p:nvPr>
+            <p:ph type="sldNum" sz="quarter" idx="12"/>
+          </p:nvPr>
+        </p:nvSpPr>
+        <p:spPr/>
+        <p:txBody>
+          <a:bodyPr/>
+          <a:lstStyle/>
+          <a:p>
+            <a:fld id="{0EC1B211-457E-4361-983F-013AFA25B34F}" type="slidenum">
+              <a:rPr lang="ru-RU" smtClean="0"/>
+              <a:pPr/>
+              <a:t>6</a:t>
+            </a:fld>
+            <a:endParaRPr lang="ru-RU"/>
+          </a:p>
+        </p:txBody>
+      </p:sp>
+    </p:spTree>
+  </p:cSld>
+  <p:clrMapOvr>
+    <a:masterClrMapping/>
+  </p:clrMapOvr>
+  <p:timing>
+    <p:tnLst>
+      <p:par>
+        <p:cTn id="1" dur="indefinite" restart="never" nodeType="tmRoot"/>
+      </p:par>
+    </p:tnLst>
+  </p:timing>
+</p:sld>
+</file>
+
+<file path=ppt/slides/slide7.xml><?xml version="1.0" encoding="utf-8"?>
+<p:sld xmlns:a="http://schemas.openxmlformats.org/drawingml/2006/main" xmlns:r="http://schemas.openxmlformats.org/officeDocument/2006/relationships" xmlns:p="http://schemas.openxmlformats.org/presentationml/2006/main">
+  <p:cSld>
+    <p:spTree>
+      <p:nvGrpSpPr>
+        <p:cNvPr id="1" name=""/>
+        <p:cNvGrpSpPr/>
+        <p:nvPr/>
+      </p:nvGrpSpPr>
+      <p:grpSpPr>
+        <a:xfrm>
+          <a:off x="0" y="0"/>
+          <a:ext cx="0" cy="0"/>
+          <a:chOff x="0" y="0"/>
+          <a:chExt cx="0" cy="0"/>
+        </a:xfrm>
+      </p:grpSpPr>
+      <p:sp>
+        <p:nvSpPr>
+          <p:cNvPr id="2" name="Заголовок 1"/>
+          <p:cNvSpPr>
+            <a:spLocks noGrp="1"/>
+          </p:cNvSpPr>
+          <p:nvPr>
+            <p:ph type="title"/>
+          </p:nvPr>
+        </p:nvSpPr>
+        <p:spPr/>
+        <p:txBody>
+          <a:bodyPr>
+            <a:normAutofit fontScale="90000"/>
+          </a:bodyPr>
+          <a:lstStyle/>
+          <a:p>
+            <a:r>
+              <a:rPr lang="ru-RU" dirty="0" smtClean="0"/>
+              <a:t>Управление жизненным циклом продукции на ПАО «Радиозавод»</a:t>
+            </a:r>
+            <a:endParaRPr lang="ru-RU" dirty="0"/>
+          </a:p>
+        </p:txBody>
+      </p:sp>
+      <p:pic>
+        <p:nvPicPr>
+          <p:cNvPr id="5" name="Picture 2"/>
+          <p:cNvPicPr>
+            <a:picLocks noGrp="1" noChangeAspect="1" noChangeArrowheads="1"/>
+          </p:cNvPicPr>
+          <p:nvPr>
+            <p:ph idx="1"/>
+          </p:nvPr>
+        </p:nvPicPr>
+        <p:blipFill>
+          <a:blip r:embed="rId2" cstate="print"/>
+          <a:stretch>
+            <a:fillRect/>
+          </a:stretch>
+        </p:blipFill>
+        <p:spPr bwMode="auto">
+          <a:xfrm>
+            <a:off x="1435100" y="1659791"/>
+            <a:ext cx="7499350" cy="4376617"/>
+          </a:xfrm>
+          <a:prstGeom prst="rect">
+            <a:avLst/>
+          </a:prstGeom>
+          <a:noFill/>
+          <a:ln w="9525">
+            <a:noFill/>
+            <a:miter lim="800000"/>
+            <a:headEnd/>
+            <a:tailEnd/>
+          </a:ln>
+        </p:spPr>
+      </p:pic>
+      <p:sp>
+        <p:nvSpPr>
+          <p:cNvPr id="4" name="Номер слайда 3"/>
+          <p:cNvSpPr>
+            <a:spLocks noGrp="1"/>
+          </p:cNvSpPr>
+          <p:nvPr>
+            <p:ph type="sldNum" sz="quarter" idx="12"/>
+          </p:nvPr>
+        </p:nvSpPr>
+        <p:spPr/>
+        <p:txBody>
+          <a:bodyPr/>
+          <a:lstStyle/>
+          <a:p>
+            <a:fld id="{0EC1B211-457E-4361-983F-013AFA25B34F}" type="slidenum">
+              <a:rPr lang="ru-RU" smtClean="0"/>
+              <a:pPr/>
+              <a:t>7</a:t>
+            </a:fld>
+            <a:endParaRPr lang="ru-RU"/>
+          </a:p>
+        </p:txBody>
+      </p:sp>
+    </p:spTree>
+  </p:cSld>
+  <p:clrMapOvr>
+    <a:masterClrMapping/>
+  </p:clrMapOvr>
+  <p:timing>
+    <p:tnLst>
+      <p:par>
+        <p:cTn id="1" dur="indefinite" restart="never" nodeType="tmRoot"/>
+      </p:par>
+    </p:tnLst>
+  </p:timing>
+</p:sld>
+</file>
+
+<file path=ppt/slides/slide8.xml><?xml version="1.0" encoding="utf-8"?>
+<p:sld xmlns:a="http://schemas.openxmlformats.org/drawingml/2006/main" xmlns:r="http://schemas.openxmlformats.org/officeDocument/2006/relationships" xmlns:p="http://schemas.openxmlformats.org/presentationml/2006/main">
+  <p:cSld>
+    <p:spTree>
+      <p:nvGrpSpPr>
+        <p:cNvPr id="1" name=""/>
+        <p:cNvGrpSpPr/>
+        <p:nvPr/>
+      </p:nvGrpSpPr>
+      <p:grpSpPr>
+        <a:xfrm>
+          <a:off x="0" y="0"/>
+          <a:ext cx="0" cy="0"/>
+          <a:chOff x="0" y="0"/>
+          <a:chExt cx="0" cy="0"/>
+        </a:xfrm>
+      </p:grpSpPr>
+      <p:sp>
+        <p:nvSpPr>
+          <p:cNvPr id="2" name="Заголовок 1"/>
+          <p:cNvSpPr>
+            <a:spLocks noGrp="1"/>
+          </p:cNvSpPr>
+          <p:nvPr>
+            <p:ph type="title"/>
+          </p:nvPr>
+        </p:nvSpPr>
+        <p:spPr/>
+        <p:txBody>
+          <a:bodyPr>
+            <a:normAutofit fontScale="90000"/>
+          </a:bodyPr>
+          <a:lstStyle/>
+          <a:p>
+            <a:r>
+              <a:rPr lang="ru-RU" sz="3200" dirty="0" smtClean="0">
+                <a:effectLst>
+                  <a:outerShdw blurRad="38100" dist="38100" dir="2700000" algn="tl">
+                    <a:srgbClr val="000000">
+                      <a:alpha val="43137"/>
+                    </a:srgbClr>
+                  </a:outerShdw>
+                </a:effectLst>
+              </a:rPr>
+              <a:t>Обзор выявленных проблем функционирования информационного обеспечения СУЖЦ</a:t>
+            </a:r>
+            <a:endParaRPr lang="ru-RU" sz="3200" dirty="0">
+              <a:effectLst>
+                <a:outerShdw blurRad="38100" dist="38100" dir="2700000" algn="tl">
+                  <a:srgbClr val="000000">
+                    <a:alpha val="43137"/>
+                  </a:srgbClr>
+                </a:outerShdw>
+              </a:effectLst>
+            </a:endParaRPr>
+          </a:p>
+        </p:txBody>
+      </p:sp>
+      <p:sp>
+        <p:nvSpPr>
+          <p:cNvPr id="3" name="Содержимое 2"/>
+          <p:cNvSpPr>
+            <a:spLocks noGrp="1"/>
+          </p:cNvSpPr>
+          <p:nvPr>
+            <p:ph idx="1"/>
+          </p:nvPr>
+        </p:nvSpPr>
+        <p:spPr>
+          <a:xfrm>
+            <a:off x="1187624" y="1556792"/>
+            <a:ext cx="7746064" cy="5112568"/>
+          </a:xfrm>
+        </p:spPr>
+        <p:txBody>
+          <a:bodyPr>
+            <a:normAutofit fontScale="85000" lnSpcReduction="20000"/>
+          </a:bodyPr>
+          <a:lstStyle/>
+          <a:p>
+            <a:pPr>
+              <a:spcBef>
+                <a:spcPts val="1200"/>
+              </a:spcBef>
+              <a:buNone/>
+            </a:pPr>
+            <a:r>
+              <a:rPr lang="ru-RU" dirty="0" smtClean="0"/>
+              <a:t>	1. Несопоставимость форматов данных имеющихся электронных моделей с применяемыми в </a:t>
+            </a:r>
+            <a:r>
+              <a:rPr lang="en-US" dirty="0" smtClean="0"/>
+              <a:t>Windchill</a:t>
+            </a:r>
+            <a:r>
+              <a:rPr lang="ru-RU" dirty="0" smtClean="0"/>
+              <a:t>, наличие большого числа бумажных носителей;</a:t>
+            </a:r>
+          </a:p>
+          <a:p>
+            <a:pPr>
+              <a:spcBef>
+                <a:spcPts val="1200"/>
+              </a:spcBef>
+              <a:buNone/>
+            </a:pPr>
+            <a:r>
+              <a:rPr lang="ru-RU" dirty="0" smtClean="0"/>
+              <a:t>	2. Недостаточная система типов данных для корректного управления структурой изделия;</a:t>
+            </a:r>
+          </a:p>
+          <a:p>
+            <a:pPr>
+              <a:spcBef>
+                <a:spcPts val="1200"/>
+              </a:spcBef>
+              <a:buNone/>
+            </a:pPr>
+            <a:r>
+              <a:rPr lang="ru-RU" dirty="0" smtClean="0"/>
+              <a:t>	3. Алгоритм внесения конструкторских изменений не соответствует требованиям ГОСТ на ЕСКД;</a:t>
+            </a:r>
+          </a:p>
+          <a:p>
+            <a:pPr>
+              <a:spcBef>
+                <a:spcPts val="1200"/>
+              </a:spcBef>
+              <a:buNone/>
+            </a:pPr>
+            <a:r>
+              <a:rPr lang="ru-RU" dirty="0" smtClean="0"/>
+              <a:t>	4. Стандартные отчеты недостаточны и не соответствуют ЕСКД;</a:t>
+            </a:r>
+          </a:p>
+          <a:p>
+            <a:pPr>
+              <a:spcBef>
+                <a:spcPts val="1200"/>
+              </a:spcBef>
+              <a:buNone/>
+            </a:pPr>
+            <a:r>
+              <a:rPr lang="ru-RU" dirty="0" smtClean="0"/>
+              <a:t>	5. Требуется синхронизация данных с другими КИС предприятия. </a:t>
+            </a:r>
+          </a:p>
+          <a:p>
+            <a:endParaRPr lang="ru-RU" dirty="0"/>
+          </a:p>
+        </p:txBody>
+      </p:sp>
+      <p:sp>
+        <p:nvSpPr>
+          <p:cNvPr id="4" name="Номер слайда 3"/>
+          <p:cNvSpPr>
+            <a:spLocks noGrp="1"/>
+          </p:cNvSpPr>
+          <p:nvPr>
+            <p:ph type="sldNum" sz="quarter" idx="12"/>
+          </p:nvPr>
+        </p:nvSpPr>
+        <p:spPr/>
+        <p:txBody>
+          <a:bodyPr/>
+          <a:lstStyle/>
+          <a:p>
+            <a:fld id="{0EC1B211-457E-4361-983F-013AFA25B34F}" type="slidenum">
+              <a:rPr lang="ru-RU" smtClean="0"/>
+              <a:pPr/>
+              <a:t>8</a:t>
+            </a:fld>
+            <a:endParaRPr lang="ru-RU" dirty="0"/>
+          </a:p>
+        </p:txBody>
+      </p:sp>
+    </p:spTree>
+  </p:cSld>
+  <p:clrMapOvr>
+    <a:masterClrMapping/>
+  </p:clrMapOvr>
+  <p:timing>
+    <p:tnLst>
+      <p:par>
+        <p:cTn id="1" dur="indefinite" restart="never" nodeType="tmRoot"/>
+      </p:par>
+    </p:tnLst>
+  </p:timing>
+</p:sld>
+</file>
+
+<file path=ppt/slides/slide9.xml><?xml version="1.0" encoding="utf-8"?>
+<p:sld xmlns:a="http://schemas.openxmlformats.org/drawingml/2006/main" xmlns:r="http://schemas.openxmlformats.org/officeDocument/2006/relationships" xmlns:p="http://schemas.openxmlformats.org/presentationml/2006/main">
+  <p:cSld>
+    <p:spTree>
+      <p:nvGrpSpPr>
+        <p:cNvPr id="1" name=""/>
+        <p:cNvGrpSpPr/>
+        <p:nvPr/>
+      </p:nvGrpSpPr>
+      <p:grpSpPr>
+        <a:xfrm>
+          <a:off x="0" y="0"/>
+          <a:ext cx="0" cy="0"/>
+          <a:chOff x="0" y="0"/>
+          <a:chExt cx="0" cy="0"/>
+        </a:xfrm>
+      </p:grpSpPr>
+      <p:sp>
+        <p:nvSpPr>
+          <p:cNvPr id="2" name="Заголовок 1"/>
+          <p:cNvSpPr>
+            <a:spLocks noGrp="1"/>
+          </p:cNvSpPr>
+          <p:nvPr>
+            <p:ph type="title"/>
+          </p:nvPr>
+        </p:nvSpPr>
+        <p:spPr/>
+        <p:txBody>
+          <a:bodyPr>
+            <a:normAutofit fontScale="90000"/>
+          </a:bodyPr>
+          <a:lstStyle/>
+          <a:p>
+            <a:r>
+              <a:rPr lang="ru-RU" dirty="0" smtClean="0"/>
+              <a:t>Негативные эффекты выявленных проблем</a:t>
+            </a:r>
+            <a:endParaRPr lang="ru-RU" dirty="0"/>
+          </a:p>
+        </p:txBody>
+      </p:sp>
+      <p:sp>
+        <p:nvSpPr>
+          <p:cNvPr id="3" name="Содержимое 2"/>
+          <p:cNvSpPr>
+            <a:spLocks noGrp="1"/>
+          </p:cNvSpPr>
+          <p:nvPr>
+            <p:ph idx="1"/>
+          </p:nvPr>
+        </p:nvSpPr>
+        <p:spPr/>
+        <p:txBody>
+          <a:bodyPr>
+            <a:normAutofit fontScale="62500" lnSpcReduction="20000"/>
+          </a:bodyPr>
+          <a:lstStyle/>
+          <a:p>
+            <a:pPr>
+              <a:spcBef>
+                <a:spcPts val="1200"/>
+              </a:spcBef>
+              <a:buNone/>
+            </a:pPr>
+            <a:r>
+              <a:rPr lang="ru-RU" dirty="0" smtClean="0"/>
+              <a:t>	1. Большая часть информации и документации, созданных на предприятии за всё время его работы, не могут быть корректно перенесены в систему;</a:t>
+            </a:r>
+          </a:p>
+          <a:p>
+            <a:pPr>
+              <a:spcBef>
+                <a:spcPts val="1200"/>
+              </a:spcBef>
+              <a:buNone/>
+            </a:pPr>
+            <a:r>
+              <a:rPr lang="ru-RU" dirty="0" smtClean="0"/>
+              <a:t>	2. Невозможно правильно (в условиях целевого предприятия) создать структуру изделия и сгенерировать сопроводительную документацию по требованиям ГОСТ;</a:t>
+            </a:r>
+          </a:p>
+          <a:p>
+            <a:pPr>
+              <a:spcBef>
+                <a:spcPts val="1200"/>
+              </a:spcBef>
+              <a:buNone/>
+            </a:pPr>
+            <a:r>
+              <a:rPr lang="ru-RU" dirty="0" smtClean="0"/>
+              <a:t>	3. Организация работы над изделиями не соответствует требованиям ГОСТ на ЕСКД;</a:t>
+            </a:r>
+          </a:p>
+          <a:p>
+            <a:pPr>
+              <a:spcBef>
+                <a:spcPts val="1200"/>
+              </a:spcBef>
+              <a:buNone/>
+            </a:pPr>
+            <a:r>
+              <a:rPr lang="ru-RU" dirty="0" smtClean="0"/>
+              <a:t>	4. Система отчетов в стандартной поставке </a:t>
+            </a:r>
+            <a:r>
+              <a:rPr lang="en-US" dirty="0" smtClean="0"/>
+              <a:t>Windchill</a:t>
+            </a:r>
+            <a:r>
+              <a:rPr lang="ru-RU" dirty="0" smtClean="0"/>
+              <a:t> недостаточна для обеспечения потребностей отделов ПАО «Радиозавод», требуется её значительное расширение. </a:t>
+            </a:r>
+          </a:p>
+          <a:p>
+            <a:pPr>
+              <a:spcBef>
+                <a:spcPts val="1200"/>
+              </a:spcBef>
+              <a:buNone/>
+            </a:pPr>
+            <a:r>
+              <a:rPr lang="ru-RU" dirty="0" smtClean="0"/>
+              <a:t>	5. Данные в различных КИС предприятия разнятся, так как нет средств синхронизации;</a:t>
+            </a:r>
+          </a:p>
+          <a:p>
+            <a:pPr>
+              <a:spcBef>
+                <a:spcPts val="1200"/>
+              </a:spcBef>
+              <a:buNone/>
+            </a:pPr>
+            <a:r>
+              <a:rPr lang="ru-RU" dirty="0" smtClean="0"/>
+              <a:t>	6. Помимо всего прочего, есть некоторые ограничения в плане принимаемых мер, касающихся, в основном, недостаточного развития информационной среды предприятия. </a:t>
+            </a:r>
+          </a:p>
+          <a:p>
+            <a:endParaRPr lang="ru-RU" dirty="0"/>
+          </a:p>
+        </p:txBody>
+      </p:sp>
+      <p:sp>
+        <p:nvSpPr>
+          <p:cNvPr id="4" name="Номер слайда 3"/>
+          <p:cNvSpPr>
+            <a:spLocks noGrp="1"/>
+          </p:cNvSpPr>
+          <p:nvPr>
+            <p:ph type="sldNum" sz="quarter" idx="12"/>
+          </p:nvPr>
+        </p:nvSpPr>
+        <p:spPr/>
+        <p:txBody>
+          <a:bodyPr/>
+          <a:lstStyle/>
+          <a:p>
+            <a:fld id="{0EC1B211-457E-4361-983F-013AFA25B34F}" type="slidenum">
+              <a:rPr lang="ru-RU" smtClean="0"/>
+              <a:pPr/>
+              <a:t>9</a:t>
+            </a:fld>
+            <a:endParaRPr lang="ru-RU"/>
+          </a:p>
+        </p:txBody>
+      </p:sp>
+    </p:spTree>
+  </p:cSld>
+  <p:clrMapOvr>
+    <a:masterClrMapping/>
+  </p:clrMapOvr>
 </p:sld>
 </file>
 
